--- a/lectures/L4_single_layer_net_contrinue.pptx
+++ b/lectures/L4_single_layer_net_contrinue.pptx
@@ -5,7 +5,7 @@
     <p:sldMasterId id="2147483660" r:id="rId1"/>
   </p:sldMasterIdLst>
   <p:notesMasterIdLst>
-    <p:notesMasterId r:id="rId10"/>
+    <p:notesMasterId r:id="rId11"/>
   </p:notesMasterIdLst>
   <p:sldIdLst>
     <p:sldId id="256" r:id="rId2"/>
@@ -15,7 +15,8 @@
     <p:sldId id="270" r:id="rId6"/>
     <p:sldId id="272" r:id="rId7"/>
     <p:sldId id="271" r:id="rId8"/>
-    <p:sldId id="273" r:id="rId9"/>
+    <p:sldId id="275" r:id="rId9"/>
+    <p:sldId id="273" r:id="rId10"/>
   </p:sldIdLst>
   <p:sldSz cx="9144000" cy="6858000" type="screen4x3"/>
   <p:notesSz cx="6858000" cy="9144000"/>
@@ -4188,7 +4189,26 @@
             </a:br>
             <a:r>
               <a:rPr lang="en-US" sz="2000" dirty="0" smtClean="0"/>
-              <a:t>- K-fold cross-validation</a:t>
+              <a:t>- </a:t>
+            </a:r>
+            <a:r>
+              <a:rPr lang="en-US" sz="2000" dirty="0" smtClean="0"/>
+              <a:t>Our prediction schema</a:t>
+            </a:r>
+            <a:br>
+              <a:rPr lang="en-US" sz="2000" dirty="0" smtClean="0"/>
+            </a:br>
+            <a:r>
+              <a:rPr lang="en-US" sz="2000" dirty="0" smtClean="0"/>
+              <a:t>- </a:t>
+            </a:r>
+            <a:r>
+              <a:rPr lang="en-US" sz="2000" dirty="0" smtClean="0"/>
+              <a:t>K-fold </a:t>
+            </a:r>
+            <a:r>
+              <a:rPr lang="en-US" sz="2000" dirty="0" smtClean="0"/>
+              <a:t>cross-validation</a:t>
             </a:r>
             <a:br>
               <a:rPr lang="en-US" sz="2000" dirty="0" smtClean="0"/>
@@ -4202,14 +4222,53 @@
             </a:br>
             <a:r>
               <a:rPr lang="en-US" sz="2000" dirty="0" smtClean="0"/>
-              <a:t>- Chain Rule</a:t>
+              <a:t>- Chain </a:t>
+            </a:r>
+            <a:r>
+              <a:rPr lang="en-US" sz="2000" dirty="0" smtClean="0"/>
+              <a:t>Rule (on board)</a:t>
             </a:r>
             <a:br>
               <a:rPr lang="en-US" sz="2000" dirty="0" smtClean="0"/>
             </a:br>
             <a:r>
               <a:rPr lang="en-US" sz="2000" dirty="0" smtClean="0"/>
-              <a:t>- Source code with which you figure out what it do?</a:t>
+              <a:t>- Derivation how compute partial derivatives </a:t>
+            </a:r>
+            <a:r>
+              <a:rPr lang="en-US" sz="2000" smtClean="0"/>
+              <a:t>for quadratic Loss</a:t>
+            </a:r>
+            <a:r>
+              <a:rPr lang="en-US" sz="2000" dirty="0" smtClean="0"/>
+              <a:t/>
+            </a:r>
+            <a:br>
+              <a:rPr lang="en-US" sz="2000" dirty="0" smtClean="0"/>
+            </a:br>
+            <a:r>
+              <a:rPr lang="en-US" sz="2000" dirty="0" smtClean="0"/>
+              <a:t>- Source code with which you figure </a:t>
+            </a:r>
+            <a:r>
+              <a:rPr lang="en-US" sz="2000" smtClean="0"/>
+              <a:t>out </a:t>
+            </a:r>
+            <a:r>
+              <a:rPr lang="en-US" sz="2000" smtClean="0"/>
+              <a:t>“What </a:t>
+            </a:r>
+            <a:r>
+              <a:rPr lang="en-US" sz="2000" dirty="0" smtClean="0"/>
+              <a:t>it </a:t>
+            </a:r>
+            <a:r>
+              <a:rPr lang="en-US" sz="2000" smtClean="0"/>
+              <a:t>do</a:t>
+            </a:r>
+            <a:r>
+              <a:rPr lang="en-US" sz="2000" smtClean="0"/>
+              <a:t>?”</a:t>
             </a:r>
             <a:endParaRPr lang="ru-RU" sz="2000" dirty="0"/>
           </a:p>
@@ -4298,8 +4357,8 @@
           </a:p>
         </p:txBody>
       </p:sp>
-      <mc:AlternateContent xmlns:mc="http://schemas.openxmlformats.org/markup-compatibility/2006">
-        <mc:Choice xmlns:a14="http://schemas.microsoft.com/office/drawing/2010/main" Requires="a14">
+      <mc:AlternateContent xmlns:mc="http://schemas.openxmlformats.org/markup-compatibility/2006" xmlns:a14="http://schemas.microsoft.com/office/drawing/2010/main">
+        <mc:Choice Requires="a14">
           <p:sp>
             <p:nvSpPr>
               <p:cNvPr id="3" name="Объект 2"/>
@@ -4338,12 +4397,16 @@
                         <m:pos m:val="top"/>
                         <m:vertJc m:val="bot"/>
                         <m:ctrlPr>
-                          <a:rPr lang="ru-RU" i="1"/>
+                          <a:rPr lang="ru-RU" i="1">
+                            <a:latin typeface="Cambria Math"/>
+                          </a:rPr>
                         </m:ctrlPr>
                       </m:groupChrPr>
                       <m:e>
                         <m:r>
-                          <a:rPr lang="en-US" i="1"/>
+                          <a:rPr lang="en-US" i="1">
+                            <a:latin typeface="Cambria Math"/>
+                          </a:rPr>
                           <m:t>𝐹</m:t>
                         </m:r>
                       </m:e>
@@ -4351,12 +4414,16 @@
                     <m:d>
                       <m:dPr>
                         <m:ctrlPr>
-                          <a:rPr lang="ru-RU" i="1"/>
+                          <a:rPr lang="ru-RU" i="1">
+                            <a:latin typeface="Cambria Math"/>
+                          </a:rPr>
                         </m:ctrlPr>
                       </m:dPr>
                       <m:e>
                         <m:r>
-                          <a:rPr lang="en-US" i="1"/>
+                          <a:rPr lang="en-US" i="1">
+                            <a:latin typeface="Cambria Math"/>
+                          </a:rPr>
                           <m:t>𝑥</m:t>
                         </m:r>
                         <m:r>
@@ -4395,7 +4462,9 @@
                       </m:e>
                     </m:d>
                     <m:r>
-                      <a:rPr lang="en-US" i="1"/>
+                      <a:rPr lang="en-US" i="1">
+                        <a:latin typeface="Cambria Math"/>
+                      </a:rPr>
                       <m:t>=</m:t>
                     </m:r>
                     <m:nary>
@@ -4403,22 +4472,30 @@
                         <m:chr m:val="∑"/>
                         <m:limLoc m:val="undOvr"/>
                         <m:ctrlPr>
-                          <a:rPr lang="ru-RU" i="1"/>
+                          <a:rPr lang="ru-RU" i="1">
+                            <a:latin typeface="Cambria Math"/>
+                          </a:rPr>
                         </m:ctrlPr>
                       </m:naryPr>
                       <m:sub>
                         <m:r>
-                          <a:rPr lang="en-US" i="1"/>
+                          <a:rPr lang="en-US" i="1">
+                            <a:latin typeface="Cambria Math"/>
+                          </a:rPr>
                           <m:t>𝑚</m:t>
                         </m:r>
                         <m:r>
-                          <a:rPr lang="en-US" i="1"/>
+                          <a:rPr lang="en-US" i="1">
+                            <a:latin typeface="Cambria Math"/>
+                          </a:rPr>
                           <m:t>=0</m:t>
                         </m:r>
                       </m:sub>
                       <m:sup>
                         <m:r>
-                          <a:rPr lang="en-US" i="1"/>
+                          <a:rPr lang="en-US" i="1">
+                            <a:latin typeface="Cambria Math"/>
+                          </a:rPr>
                           <m:t>𝑀</m:t>
                         </m:r>
                       </m:sup>
@@ -4426,47 +4503,63 @@
                         <m:sSub>
                           <m:sSubPr>
                             <m:ctrlPr>
-                              <a:rPr lang="ru-RU" i="1"/>
+                              <a:rPr lang="ru-RU" i="1">
+                                <a:latin typeface="Cambria Math"/>
+                              </a:rPr>
                             </m:ctrlPr>
                           </m:sSubPr>
                           <m:e>
                             <m:r>
-                              <a:rPr lang="en-US" i="1"/>
+                              <a:rPr lang="en-US" i="1">
+                                <a:latin typeface="Cambria Math"/>
+                              </a:rPr>
                               <m:t>𝑏</m:t>
                             </m:r>
                           </m:e>
                           <m:sub>
                             <m:r>
-                              <a:rPr lang="en-US" i="1"/>
+                              <a:rPr lang="en-US" i="1">
+                                <a:latin typeface="Cambria Math"/>
+                              </a:rPr>
                               <m:t>𝑚</m:t>
                             </m:r>
                           </m:sub>
                         </m:sSub>
                         <m:r>
-                          <a:rPr lang="en-US" i="1"/>
+                          <a:rPr lang="en-US" i="1">
+                            <a:latin typeface="Cambria Math"/>
+                          </a:rPr>
                           <m:t>∙</m:t>
                         </m:r>
                         <m:sSub>
                           <m:sSubPr>
                             <m:ctrlPr>
-                              <a:rPr lang="ru-RU" i="1"/>
+                              <a:rPr lang="ru-RU" i="1">
+                                <a:latin typeface="Cambria Math"/>
+                              </a:rPr>
                             </m:ctrlPr>
                           </m:sSubPr>
                           <m:e>
                             <m:r>
-                              <a:rPr lang="en-US" i="1"/>
+                              <a:rPr lang="en-US" i="1">
+                                <a:latin typeface="Cambria Math"/>
+                              </a:rPr>
                               <m:t>𝑆</m:t>
                             </m:r>
                           </m:e>
                           <m:sub>
                             <m:r>
-                              <a:rPr lang="en-US" i="1"/>
+                              <a:rPr lang="en-US" i="1">
+                                <a:latin typeface="Cambria Math"/>
+                              </a:rPr>
                               <m:t>𝑚</m:t>
                             </m:r>
                           </m:sub>
                         </m:sSub>
                         <m:r>
-                          <a:rPr lang="en-US" i="1"/>
+                          <a:rPr lang="en-US" i="1">
+                            <a:latin typeface="Cambria Math"/>
+                          </a:rPr>
                           <m:t>(</m:t>
                         </m:r>
                         <m:nary>
@@ -4474,22 +4567,30 @@
                             <m:chr m:val="∑"/>
                             <m:limLoc m:val="undOvr"/>
                             <m:ctrlPr>
-                              <a:rPr lang="ru-RU" i="1"/>
+                              <a:rPr lang="ru-RU" i="1">
+                                <a:latin typeface="Cambria Math"/>
+                              </a:rPr>
                             </m:ctrlPr>
                           </m:naryPr>
                           <m:sub>
                             <m:r>
-                              <a:rPr lang="en-US" i="1"/>
+                              <a:rPr lang="en-US" i="1">
+                                <a:latin typeface="Cambria Math"/>
+                              </a:rPr>
                               <m:t>𝑗</m:t>
                             </m:r>
                             <m:r>
-                              <a:rPr lang="en-US" i="1"/>
+                              <a:rPr lang="en-US" i="1">
+                                <a:latin typeface="Cambria Math"/>
+                              </a:rPr>
                               <m:t>=0</m:t>
                             </m:r>
                           </m:sub>
                           <m:sup>
                             <m:r>
-                              <a:rPr lang="en-US" i="1"/>
+                              <a:rPr lang="en-US" i="1">
+                                <a:latin typeface="Cambria Math"/>
+                              </a:rPr>
                               <m:t>𝑛</m:t>
                             </m:r>
                           </m:sup>
@@ -4497,18 +4598,24 @@
                             <m:sSub>
                               <m:sSubPr>
                                 <m:ctrlPr>
-                                  <a:rPr lang="ru-RU" i="1"/>
+                                  <a:rPr lang="ru-RU" i="1">
+                                    <a:latin typeface="Cambria Math"/>
+                                  </a:rPr>
                                 </m:ctrlPr>
                               </m:sSubPr>
                               <m:e>
                                 <m:r>
-                                  <a:rPr lang="en-US" i="1"/>
+                                  <a:rPr lang="en-US" i="1">
+                                    <a:latin typeface="Cambria Math"/>
+                                  </a:rPr>
                                   <m:t>𝑎</m:t>
                                 </m:r>
                               </m:e>
                               <m:sub>
                                 <m:r>
-                                  <a:rPr lang="en-US" i="1"/>
+                                  <a:rPr lang="en-US" i="1">
+                                    <a:latin typeface="Cambria Math"/>
+                                  </a:rPr>
                                   <m:t>𝑗𝑚</m:t>
                                 </m:r>
                               </m:sub>
@@ -4516,18 +4623,24 @@
                             <m:sSub>
                               <m:sSubPr>
                                 <m:ctrlPr>
-                                  <a:rPr lang="ru-RU" i="1"/>
+                                  <a:rPr lang="ru-RU" i="1">
+                                    <a:latin typeface="Cambria Math"/>
+                                  </a:rPr>
                                 </m:ctrlPr>
                               </m:sSubPr>
                               <m:e>
                                 <m:r>
-                                  <a:rPr lang="en-US" i="1"/>
+                                  <a:rPr lang="en-US" i="1">
+                                    <a:latin typeface="Cambria Math"/>
+                                  </a:rPr>
                                   <m:t>𝑥</m:t>
                                 </m:r>
                               </m:e>
                               <m:sub>
                                 <m:r>
-                                  <a:rPr lang="en-US" i="1"/>
+                                  <a:rPr lang="en-US" i="1">
+                                    <a:latin typeface="Cambria Math"/>
+                                  </a:rPr>
                                   <m:t>𝑗</m:t>
                                 </m:r>
                               </m:sub>
@@ -4535,7 +4648,9 @@
                           </m:e>
                         </m:nary>
                         <m:r>
-                          <a:rPr lang="en-US" i="1"/>
+                          <a:rPr lang="en-US" i="1">
+                            <a:latin typeface="Cambria Math"/>
+                          </a:rPr>
                           <m:t>)</m:t>
                         </m:r>
                       </m:e>
@@ -4564,18 +4679,24 @@
                     <m:sSub>
                       <m:sSubPr>
                         <m:ctrlPr>
-                          <a:rPr lang="ru-RU" i="1"/>
+                          <a:rPr lang="ru-RU" i="1">
+                            <a:latin typeface="Cambria Math"/>
+                          </a:rPr>
                         </m:ctrlPr>
                       </m:sSubPr>
                       <m:e>
                         <m:r>
-                          <a:rPr lang="en-US" i="1"/>
+                          <a:rPr lang="en-US" i="1">
+                            <a:latin typeface="Cambria Math"/>
+                          </a:rPr>
                           <m:t>𝑆</m:t>
                         </m:r>
                       </m:e>
                       <m:sub>
                         <m:r>
-                          <a:rPr lang="en-US" i="1"/>
+                          <a:rPr lang="en-US" i="1">
+                            <a:latin typeface="Cambria Math"/>
+                          </a:rPr>
                           <m:t>0</m:t>
                         </m:r>
                       </m:sub>
@@ -4596,11 +4717,7 @@
                       <a:rPr lang="en-US" b="0" i="1" smtClean="0">
                         <a:latin typeface="Cambria Math"/>
                       </a:rPr>
-                      <m:t>)</m:t>
-                    </m:r>
-                    <m:r>
-                      <a:rPr lang="en-US" i="1"/>
-                      <m:t>=1</m:t>
+                      <m:t>)=1</m:t>
                     </m:r>
                   </m:oMath>
                 </a14:m>
@@ -4634,76 +4751,102 @@
                     <m:sSubSup>
                       <m:sSubSupPr>
                         <m:ctrlPr>
-                          <a:rPr lang="ru-RU" i="1"/>
+                          <a:rPr lang="ru-RU" i="1">
+                            <a:latin typeface="Cambria Math"/>
+                          </a:rPr>
                         </m:ctrlPr>
                       </m:sSubSupPr>
                       <m:e>
                         <m:r>
-                          <a:rPr lang="en-US" i="1"/>
+                          <a:rPr lang="en-US" i="1">
+                            <a:latin typeface="Cambria Math"/>
+                          </a:rPr>
                           <m:t>𝑆</m:t>
                         </m:r>
                       </m:e>
                       <m:sub>
                         <m:r>
-                          <a:rPr lang="en-US" i="1"/>
+                          <a:rPr lang="en-US" i="1">
+                            <a:latin typeface="Cambria Math"/>
+                          </a:rPr>
                           <m:t>0</m:t>
                         </m:r>
                       </m:sub>
                       <m:sup>
                         <m:r>
-                          <a:rPr lang="en-US" i="1"/>
+                          <a:rPr lang="en-US" i="1">
+                            <a:latin typeface="Cambria Math"/>
+                          </a:rPr>
                           <m:t>′</m:t>
                         </m:r>
                       </m:sup>
                     </m:sSubSup>
                     <m:r>
-                      <a:rPr lang="en-US" i="1"/>
+                      <a:rPr lang="en-US" i="1">
+                        <a:latin typeface="Cambria Math"/>
+                      </a:rPr>
                       <m:t>=0=</m:t>
                     </m:r>
                     <m:sSub>
                       <m:sSubPr>
                         <m:ctrlPr>
-                          <a:rPr lang="ru-RU" i="1"/>
+                          <a:rPr lang="ru-RU" i="1">
+                            <a:latin typeface="Cambria Math"/>
+                          </a:rPr>
                         </m:ctrlPr>
                       </m:sSubPr>
                       <m:e>
                         <m:r>
-                          <a:rPr lang="en-US" i="1"/>
+                          <a:rPr lang="en-US" i="1">
+                            <a:latin typeface="Cambria Math"/>
+                          </a:rPr>
                           <m:t>𝑆</m:t>
                         </m:r>
                       </m:e>
                       <m:sub>
                         <m:r>
-                          <a:rPr lang="en-US" i="1"/>
+                          <a:rPr lang="en-US" i="1">
+                            <a:latin typeface="Cambria Math"/>
+                          </a:rPr>
                           <m:t>0</m:t>
                         </m:r>
                       </m:sub>
                     </m:sSub>
                     <m:r>
-                      <a:rPr lang="en-US" i="1"/>
+                      <a:rPr lang="en-US" i="1">
+                        <a:latin typeface="Cambria Math"/>
+                      </a:rPr>
                       <m:t>(1−</m:t>
                     </m:r>
                     <m:sSub>
                       <m:sSubPr>
                         <m:ctrlPr>
-                          <a:rPr lang="ru-RU" i="1"/>
+                          <a:rPr lang="ru-RU" i="1">
+                            <a:latin typeface="Cambria Math"/>
+                          </a:rPr>
                         </m:ctrlPr>
                       </m:sSubPr>
                       <m:e>
                         <m:r>
-                          <a:rPr lang="en-US" i="1"/>
+                          <a:rPr lang="en-US" i="1">
+                            <a:latin typeface="Cambria Math"/>
+                          </a:rPr>
                           <m:t>𝑆</m:t>
                         </m:r>
                       </m:e>
                       <m:sub>
                         <m:r>
-                          <a:rPr lang="en-US" i="1"/>
+                          <a:rPr lang="en-US" i="1">
+                            <a:latin typeface="Cambria Math"/>
+                          </a:rPr>
                           <m:t>0</m:t>
                         </m:r>
                       </m:sub>
                     </m:sSub>
                     <m:r>
-                      <a:rPr lang="en-US" i="1"/>
+                      <a:rPr lang="en-US" i="1">
+                        <a:latin typeface="Cambria Math"/>
+                      </a:rPr>
                       <m:t>)</m:t>
                     </m:r>
                   </m:oMath>
@@ -4724,68 +4867,98 @@
                     <m:sSup>
                       <m:sSupPr>
                         <m:ctrlPr>
-                          <a:rPr lang="ru-RU" i="1"/>
+                          <a:rPr lang="ru-RU" i="1">
+                            <a:latin typeface="Cambria Math"/>
+                          </a:rPr>
                         </m:ctrlPr>
                       </m:sSupPr>
                       <m:e>
                         <m:r>
-                          <a:rPr lang="en-US" i="1"/>
+                          <a:rPr lang="en-US" i="1">
+                            <a:latin typeface="Cambria Math"/>
+                          </a:rPr>
                           <m:t>𝑆</m:t>
                         </m:r>
                         <m:r>
-                          <a:rPr lang="en-US" i="1"/>
+                          <a:rPr lang="en-US" i="1">
+                            <a:latin typeface="Cambria Math"/>
+                          </a:rPr>
                           <m:t>(</m:t>
                         </m:r>
                         <m:r>
-                          <a:rPr lang="en-US" i="1"/>
+                          <a:rPr lang="en-US" i="1">
+                            <a:latin typeface="Cambria Math"/>
+                          </a:rPr>
                           <m:t>𝑧</m:t>
                         </m:r>
                         <m:r>
-                          <a:rPr lang="en-US" i="1"/>
+                          <a:rPr lang="en-US" i="1">
+                            <a:latin typeface="Cambria Math"/>
+                          </a:rPr>
                           <m:t>)</m:t>
                         </m:r>
                       </m:e>
                       <m:sup>
                         <m:r>
-                          <a:rPr lang="en-US" i="1"/>
+                          <a:rPr lang="en-US" i="1">
+                            <a:latin typeface="Cambria Math"/>
+                          </a:rPr>
                           <m:t>′</m:t>
                         </m:r>
                       </m:sup>
                     </m:sSup>
                     <m:r>
-                      <a:rPr lang="en-US" i="1"/>
+                      <a:rPr lang="en-US" i="1">
+                        <a:latin typeface="Cambria Math"/>
+                      </a:rPr>
                       <m:t>=</m:t>
                     </m:r>
                     <m:r>
-                      <a:rPr lang="en-US" i="1"/>
+                      <a:rPr lang="en-US" i="1">
+                        <a:latin typeface="Cambria Math"/>
+                      </a:rPr>
                       <m:t>𝑆</m:t>
                     </m:r>
                     <m:r>
-                      <a:rPr lang="en-US" i="1"/>
+                      <a:rPr lang="en-US" i="1">
+                        <a:latin typeface="Cambria Math"/>
+                      </a:rPr>
                       <m:t>(</m:t>
                     </m:r>
                     <m:r>
-                      <a:rPr lang="en-US" i="1"/>
+                      <a:rPr lang="en-US" i="1">
+                        <a:latin typeface="Cambria Math"/>
+                      </a:rPr>
                       <m:t>𝑧</m:t>
                     </m:r>
                     <m:r>
-                      <a:rPr lang="en-US" i="1"/>
+                      <a:rPr lang="en-US" i="1">
+                        <a:latin typeface="Cambria Math"/>
+                      </a:rPr>
                       <m:t>)(1−</m:t>
                     </m:r>
                     <m:r>
-                      <a:rPr lang="en-US" i="1"/>
+                      <a:rPr lang="en-US" i="1">
+                        <a:latin typeface="Cambria Math"/>
+                      </a:rPr>
                       <m:t>𝑆</m:t>
                     </m:r>
                     <m:r>
-                      <a:rPr lang="en-US" i="1"/>
+                      <a:rPr lang="en-US" i="1">
+                        <a:latin typeface="Cambria Math"/>
+                      </a:rPr>
                       <m:t>(</m:t>
                     </m:r>
                     <m:r>
-                      <a:rPr lang="en-US" i="1"/>
+                      <a:rPr lang="en-US" i="1">
+                        <a:latin typeface="Cambria Math"/>
+                      </a:rPr>
                       <m:t>𝑧</m:t>
                     </m:r>
                     <m:r>
-                      <a:rPr lang="en-US" i="1"/>
+                      <a:rPr lang="en-US" i="1">
+                        <a:latin typeface="Cambria Math"/>
+                      </a:rPr>
                       <m:t>))</m:t>
                     </m:r>
                   </m:oMath>
@@ -4799,7 +4972,7 @@
             </p:txBody>
           </p:sp>
         </mc:Choice>
-        <mc:Fallback>
+        <mc:Fallback xmlns="">
           <p:sp>
             <p:nvSpPr>
               <p:cNvPr id="3" name="Объект 2"/>
@@ -5499,8 +5672,8 @@
           </a:p>
         </p:txBody>
       </p:sp>
-      <mc:AlternateContent xmlns:mc="http://schemas.openxmlformats.org/markup-compatibility/2006">
-        <mc:Choice xmlns:a14="http://schemas.microsoft.com/office/drawing/2010/main" Requires="a14">
+      <mc:AlternateContent xmlns:mc="http://schemas.openxmlformats.org/markup-compatibility/2006" xmlns:a14="http://schemas.microsoft.com/office/drawing/2010/main">
+        <mc:Choice Requires="a14">
           <p:sp>
             <p:nvSpPr>
               <p:cNvPr id="3" name="Объект 2"/>
@@ -5643,7 +5816,7 @@
             </p:txBody>
           </p:sp>
         </mc:Choice>
-        <mc:Fallback>
+        <mc:Fallback xmlns="">
           <p:sp>
             <p:nvSpPr>
               <p:cNvPr id="3" name="Объект 2"/>
@@ -5755,8 +5928,8 @@
           </a:p>
         </p:txBody>
       </p:sp>
-      <mc:AlternateContent xmlns:mc="http://schemas.openxmlformats.org/markup-compatibility/2006">
-        <mc:Choice xmlns:a14="http://schemas.microsoft.com/office/drawing/2010/main" Requires="a14">
+      <mc:AlternateContent xmlns:mc="http://schemas.openxmlformats.org/markup-compatibility/2006" xmlns:a14="http://schemas.microsoft.com/office/drawing/2010/main">
+        <mc:Choice Requires="a14">
           <p:sp>
             <p:nvSpPr>
               <p:cNvPr id="3" name="Объект 2"/>
@@ -5777,659 +5950,6 @@
                 <a14:m>
                   <m:oMath xmlns:m="http://schemas.openxmlformats.org/officeDocument/2006/math">
                     <m:r>
-                      <a:rPr lang="en-US" i="1"/>
-                      <m:t>𝐿</m:t>
-                    </m:r>
-                    <m:r>
-                      <a:rPr lang="en-US" i="1"/>
-                      <m:t>=</m:t>
-                    </m:r>
-                    <m:f>
-                      <m:fPr>
-                        <m:ctrlPr>
-                          <a:rPr lang="ru-RU" i="1"/>
-                        </m:ctrlPr>
-                      </m:fPr>
-                      <m:num>
-                        <m:r>
-                          <a:rPr lang="en-US" i="1"/>
-                          <m:t>1</m:t>
-                        </m:r>
-                      </m:num>
-                      <m:den>
-                        <m:r>
-                          <a:rPr lang="en-US" i="1"/>
-                          <m:t>𝑁</m:t>
-                        </m:r>
-                      </m:den>
-                    </m:f>
-                    <m:nary>
-                      <m:naryPr>
-                        <m:chr m:val="∑"/>
-                        <m:limLoc m:val="undOvr"/>
-                        <m:ctrlPr>
-                          <a:rPr lang="ru-RU" i="1"/>
-                        </m:ctrlPr>
-                      </m:naryPr>
-                      <m:sub>
-                        <m:r>
-                          <a:rPr lang="en-US" i="1"/>
-                          <m:t>𝑖</m:t>
-                        </m:r>
-                        <m:r>
-                          <a:rPr lang="en-US" i="1"/>
-                          <m:t>=1</m:t>
-                        </m:r>
-                      </m:sub>
-                      <m:sup>
-                        <m:r>
-                          <a:rPr lang="en-US" i="1"/>
-                          <m:t>𝑁</m:t>
-                        </m:r>
-                      </m:sup>
-                      <m:e>
-                        <m:sSup>
-                          <m:sSupPr>
-                            <m:ctrlPr>
-                              <a:rPr lang="ru-RU" i="1"/>
-                            </m:ctrlPr>
-                          </m:sSupPr>
-                          <m:e>
-                            <m:d>
-                              <m:dPr>
-                                <m:ctrlPr>
-                                  <a:rPr lang="ru-RU" i="1"/>
-                                </m:ctrlPr>
-                              </m:dPr>
-                              <m:e>
-                                <m:sSub>
-                                  <m:sSubPr>
-                                    <m:ctrlPr>
-                                      <a:rPr lang="ru-RU" i="1"/>
-                                    </m:ctrlPr>
-                                  </m:sSubPr>
-                                  <m:e>
-                                    <m:r>
-                                      <a:rPr lang="en-US" i="1"/>
-                                      <m:t>𝑦</m:t>
-                                    </m:r>
-                                  </m:e>
-                                  <m:sub>
-                                    <m:r>
-                                      <a:rPr lang="en-US" i="1"/>
-                                      <m:t>𝑖</m:t>
-                                    </m:r>
-                                  </m:sub>
-                                </m:sSub>
-                                <m:r>
-                                  <a:rPr lang="en-US" i="1"/>
-                                  <m:t>−</m:t>
-                                </m:r>
-                                <m:groupChr>
-                                  <m:groupChrPr>
-                                    <m:chr m:val="⏞"/>
-                                    <m:pos m:val="top"/>
-                                    <m:vertJc m:val="bot"/>
-                                    <m:ctrlPr>
-                                      <a:rPr lang="ru-RU" i="1"/>
-                                    </m:ctrlPr>
-                                  </m:groupChrPr>
-                                  <m:e>
-                                    <m:r>
-                                      <a:rPr lang="en-US" i="1"/>
-                                      <m:t>𝐹</m:t>
-                                    </m:r>
-                                  </m:e>
-                                </m:groupChr>
-                                <m:d>
-                                  <m:dPr>
-                                    <m:ctrlPr>
-                                      <a:rPr lang="ru-RU" i="1"/>
-                                    </m:ctrlPr>
-                                  </m:dPr>
-                                  <m:e>
-                                    <m:sSub>
-                                      <m:sSubPr>
-                                        <m:ctrlPr>
-                                          <a:rPr lang="ru-RU" i="1"/>
-                                        </m:ctrlPr>
-                                      </m:sSubPr>
-                                      <m:e>
-                                        <m:r>
-                                          <a:rPr lang="en-US" i="1"/>
-                                          <m:t>𝑥</m:t>
-                                        </m:r>
-                                      </m:e>
-                                      <m:sub>
-                                        <m:r>
-                                          <a:rPr lang="en-US" i="1"/>
-                                          <m:t>𝑖</m:t>
-                                        </m:r>
-                                      </m:sub>
-                                    </m:sSub>
-                                  </m:e>
-                                </m:d>
-                              </m:e>
-                            </m:d>
-                          </m:e>
-                          <m:sup>
-                            <m:r>
-                              <a:rPr lang="en-US" i="1"/>
-                              <m:t>2</m:t>
-                            </m:r>
-                          </m:sup>
-                        </m:sSup>
-                      </m:e>
-                    </m:nary>
-                  </m:oMath>
-                </a14:m>
-                <a:r>
-                  <a:rPr lang="en-US" dirty="0"/>
-                  <a:t>  and even more </a:t>
-                </a:r>
-                <a14:m>
-                  <m:oMath xmlns:m="http://schemas.openxmlformats.org/officeDocument/2006/math">
-                    <m:f>
-                      <m:fPr>
-                        <m:ctrlPr>
-                          <a:rPr lang="ru-RU" i="1"/>
-                        </m:ctrlPr>
-                      </m:fPr>
-                      <m:num>
-                        <m:r>
-                          <a:rPr lang="en-US" i="1"/>
-                          <m:t>1</m:t>
-                        </m:r>
-                      </m:num>
-                      <m:den>
-                        <m:r>
-                          <a:rPr lang="en-US" i="1"/>
-                          <m:t>𝑁</m:t>
-                        </m:r>
-                      </m:den>
-                    </m:f>
-                  </m:oMath>
-                </a14:m>
-                <a:r>
-                  <a:rPr lang="en-US" dirty="0"/>
-                  <a:t> multiplier can be omitted. </a:t>
-                </a:r>
-                <a:endParaRPr lang="en-US" dirty="0" smtClean="0"/>
-              </a:p>
-              <a:p>
-                <a:endParaRPr lang="en-US" dirty="0"/>
-              </a:p>
-              <a:p>
-                <a:r>
-                  <a:rPr lang="en-US" dirty="0" smtClean="0"/>
-                  <a:t>And </a:t>
-                </a:r>
-                <a:r>
-                  <a:rPr lang="en-US" dirty="0"/>
-                  <a:t>also people who create neural networks approximations </a:t>
-                </a:r>
-                <a:r>
-                  <a:rPr lang="en-US" dirty="0" smtClean="0"/>
-                  <a:t>consider</a:t>
-                </a:r>
-              </a:p>
-              <a:p>
-                <a:pPr marL="118872" indent="0">
-                  <a:buNone/>
-                </a:pPr>
-                <a:r>
-                  <a:rPr lang="en-US" dirty="0" smtClean="0"/>
-                  <a:t>      </a:t>
-                </a:r>
-                <a14:m>
-                  <m:oMath xmlns:m="http://schemas.openxmlformats.org/officeDocument/2006/math">
-                    <m:r>
-                      <a:rPr lang="en-US" i="1"/>
-                      <m:t>𝐿</m:t>
-                    </m:r>
-                    <m:r>
-                      <a:rPr lang="en-US" i="1"/>
-                      <m:t>=</m:t>
-                    </m:r>
-                    <m:f>
-                      <m:fPr>
-                        <m:ctrlPr>
-                          <a:rPr lang="ru-RU" i="1"/>
-                        </m:ctrlPr>
-                      </m:fPr>
-                      <m:num>
-                        <m:r>
-                          <a:rPr lang="en-US" i="1"/>
-                          <m:t>1</m:t>
-                        </m:r>
-                      </m:num>
-                      <m:den>
-                        <m:r>
-                          <a:rPr lang="en-US" i="1"/>
-                          <m:t>2</m:t>
-                        </m:r>
-                      </m:den>
-                    </m:f>
-                    <m:nary>
-                      <m:naryPr>
-                        <m:chr m:val="∑"/>
-                        <m:limLoc m:val="undOvr"/>
-                        <m:ctrlPr>
-                          <a:rPr lang="ru-RU" i="1"/>
-                        </m:ctrlPr>
-                      </m:naryPr>
-                      <m:sub>
-                        <m:r>
-                          <a:rPr lang="en-US" i="1"/>
-                          <m:t>𝑖</m:t>
-                        </m:r>
-                        <m:r>
-                          <a:rPr lang="en-US" i="1"/>
-                          <m:t>=1</m:t>
-                        </m:r>
-                      </m:sub>
-                      <m:sup>
-                        <m:r>
-                          <a:rPr lang="en-US" i="1"/>
-                          <m:t>𝑁</m:t>
-                        </m:r>
-                      </m:sup>
-                      <m:e>
-                        <m:sSup>
-                          <m:sSupPr>
-                            <m:ctrlPr>
-                              <a:rPr lang="ru-RU" i="1"/>
-                            </m:ctrlPr>
-                          </m:sSupPr>
-                          <m:e>
-                            <m:d>
-                              <m:dPr>
-                                <m:ctrlPr>
-                                  <a:rPr lang="ru-RU" i="1"/>
-                                </m:ctrlPr>
-                              </m:dPr>
-                              <m:e>
-                                <m:sSub>
-                                  <m:sSubPr>
-                                    <m:ctrlPr>
-                                      <a:rPr lang="ru-RU" i="1"/>
-                                    </m:ctrlPr>
-                                  </m:sSubPr>
-                                  <m:e>
-                                    <m:r>
-                                      <a:rPr lang="en-US" i="1"/>
-                                      <m:t>𝑦</m:t>
-                                    </m:r>
-                                  </m:e>
-                                  <m:sub>
-                                    <m:r>
-                                      <a:rPr lang="en-US" i="1"/>
-                                      <m:t>𝑖</m:t>
-                                    </m:r>
-                                  </m:sub>
-                                </m:sSub>
-                                <m:r>
-                                  <a:rPr lang="en-US" i="1"/>
-                                  <m:t>−</m:t>
-                                </m:r>
-                                <m:groupChr>
-                                  <m:groupChrPr>
-                                    <m:chr m:val="⏞"/>
-                                    <m:pos m:val="top"/>
-                                    <m:vertJc m:val="bot"/>
-                                    <m:ctrlPr>
-                                      <a:rPr lang="ru-RU" i="1"/>
-                                    </m:ctrlPr>
-                                  </m:groupChrPr>
-                                  <m:e>
-                                    <m:r>
-                                      <a:rPr lang="en-US" i="1"/>
-                                      <m:t>𝐹</m:t>
-                                    </m:r>
-                                  </m:e>
-                                </m:groupChr>
-                                <m:d>
-                                  <m:dPr>
-                                    <m:ctrlPr>
-                                      <a:rPr lang="ru-RU" i="1"/>
-                                    </m:ctrlPr>
-                                  </m:dPr>
-                                  <m:e>
-                                    <m:sSub>
-                                      <m:sSubPr>
-                                        <m:ctrlPr>
-                                          <a:rPr lang="ru-RU" i="1"/>
-                                        </m:ctrlPr>
-                                      </m:sSubPr>
-                                      <m:e>
-                                        <m:r>
-                                          <a:rPr lang="en-US" i="1"/>
-                                          <m:t>𝑥</m:t>
-                                        </m:r>
-                                      </m:e>
-                                      <m:sub>
-                                        <m:r>
-                                          <a:rPr lang="en-US" i="1"/>
-                                          <m:t>𝑖</m:t>
-                                        </m:r>
-                                      </m:sub>
-                                    </m:sSub>
-                                  </m:e>
-                                </m:d>
-                              </m:e>
-                            </m:d>
-                          </m:e>
-                          <m:sup>
-                            <m:r>
-                              <a:rPr lang="en-US" i="1"/>
-                              <m:t>2</m:t>
-                            </m:r>
-                          </m:sup>
-                        </m:sSup>
-                      </m:e>
-                    </m:nary>
-                  </m:oMath>
-                </a14:m>
-                <a:r>
-                  <a:rPr lang="en-US" dirty="0"/>
-                  <a:t>. </a:t>
-                </a:r>
-                <a:endParaRPr lang="en-US" dirty="0" smtClean="0"/>
-              </a:p>
-              <a:p>
-                <a:endParaRPr lang="en-US" dirty="0"/>
-              </a:p>
-              <a:p>
-                <a:r>
-                  <a:rPr lang="en-US" dirty="0" smtClean="0"/>
-                  <a:t>For </a:t>
-                </a:r>
-                <a:r>
-                  <a:rPr lang="en-US" dirty="0"/>
-                  <a:t>differentiable function negative gradient show a direction to fastest local descend of function value if choose direction from unit norm sphere where norm is Euclidian norm.</a:t>
-                </a:r>
-                <a:endParaRPr lang="ru-RU" dirty="0"/>
-              </a:p>
-              <a:p>
-                <a:pPr marL="118872" indent="0">
-                  <a:buNone/>
-                </a:pPr>
-                <a:endParaRPr lang="ru-RU" dirty="0"/>
-              </a:p>
-            </p:txBody>
-          </p:sp>
-        </mc:Choice>
-        <mc:Fallback>
-          <p:sp>
-            <p:nvSpPr>
-              <p:cNvPr id="3" name="Объект 2"/>
-              <p:cNvSpPr>
-                <a:spLocks noGrp="1" noRot="1" noChangeAspect="1" noMove="1" noResize="1" noEditPoints="1" noAdjustHandles="1" noChangeArrowheads="1" noChangeShapeType="1" noTextEdit="1"/>
-              </p:cNvSpPr>
-              <p:nvPr>
-                <p:ph idx="1"/>
-              </p:nvPr>
-            </p:nvSpPr>
-            <p:spPr>
-              <a:blipFill rotWithShape="1">
-                <a:blip r:embed="rId2"/>
-                <a:stretch>
-                  <a:fillRect r="-2222"/>
-                </a:stretch>
-              </a:blipFill>
-            </p:spPr>
-            <p:txBody>
-              <a:bodyPr/>
-              <a:lstStyle/>
-              <a:p>
-                <a:r>
-                  <a:rPr lang="ru-RU">
-                    <a:noFill/>
-                  </a:rPr>
-                  <a:t> </a:t>
-                </a:r>
-              </a:p>
-            </p:txBody>
-          </p:sp>
-        </mc:Fallback>
-      </mc:AlternateContent>
-      <p:sp>
-        <p:nvSpPr>
-          <p:cNvPr id="4" name="Номер слайда 3"/>
-          <p:cNvSpPr>
-            <a:spLocks noGrp="1"/>
-          </p:cNvSpPr>
-          <p:nvPr>
-            <p:ph type="sldNum" sz="quarter" idx="12"/>
-          </p:nvPr>
-        </p:nvSpPr>
-        <p:spPr/>
-        <p:txBody>
-          <a:bodyPr/>
-          <a:lstStyle/>
-          <a:p>
-            <a:fld id="{C453EA42-BA89-4D45-B3D1-7EC11C308921}" type="slidenum">
-              <a:rPr lang="ru-RU" smtClean="0"/>
-              <a:t>5</a:t>
-            </a:fld>
-            <a:endParaRPr lang="ru-RU"/>
-          </a:p>
-        </p:txBody>
-      </p:sp>
-    </p:spTree>
-    <p:extLst>
-      <p:ext uri="{BB962C8B-B14F-4D97-AF65-F5344CB8AC3E}">
-        <p14:creationId xmlns:p14="http://schemas.microsoft.com/office/powerpoint/2010/main" val="1692514628"/>
-      </p:ext>
-    </p:extLst>
-  </p:cSld>
-  <p:clrMapOvr>
-    <a:masterClrMapping/>
-  </p:clrMapOvr>
-</p:sld>
-</file>
-
-<file path=ppt/slides/slide6.xml><?xml version="1.0" encoding="utf-8"?>
-<p:sld xmlns:a="http://schemas.openxmlformats.org/drawingml/2006/main" xmlns:r="http://schemas.openxmlformats.org/officeDocument/2006/relationships" xmlns:p="http://schemas.openxmlformats.org/presentationml/2006/main">
-  <p:cSld>
-    <p:spTree>
-      <p:nvGrpSpPr>
-        <p:cNvPr id="1" name=""/>
-        <p:cNvGrpSpPr/>
-        <p:nvPr/>
-      </p:nvGrpSpPr>
-      <p:grpSpPr>
-        <a:xfrm>
-          <a:off x="0" y="0"/>
-          <a:ext cx="0" cy="0"/>
-          <a:chOff x="0" y="0"/>
-          <a:chExt cx="0" cy="0"/>
-        </a:xfrm>
-      </p:grpSpPr>
-      <p:sp>
-        <p:nvSpPr>
-          <p:cNvPr id="2" name="Заголовок 1"/>
-          <p:cNvSpPr>
-            <a:spLocks noGrp="1"/>
-          </p:cNvSpPr>
-          <p:nvPr>
-            <p:ph type="title"/>
-          </p:nvPr>
-        </p:nvSpPr>
-        <p:spPr/>
-        <p:txBody>
-          <a:bodyPr/>
-          <a:lstStyle/>
-          <a:p>
-            <a:r>
-              <a:rPr lang="en-US" dirty="0" smtClean="0"/>
-              <a:t>Chain Rule </a:t>
-            </a:r>
-            <a:endParaRPr lang="ru-RU" dirty="0"/>
-          </a:p>
-        </p:txBody>
-      </p:sp>
-      <p:sp>
-        <p:nvSpPr>
-          <p:cNvPr id="3" name="Объект 2"/>
-          <p:cNvSpPr>
-            <a:spLocks noGrp="1"/>
-          </p:cNvSpPr>
-          <p:nvPr>
-            <p:ph idx="1"/>
-          </p:nvPr>
-        </p:nvSpPr>
-        <p:spPr/>
-        <p:txBody>
-          <a:bodyPr/>
-          <a:lstStyle/>
-          <a:p>
-            <a:r>
-              <a:rPr lang="en-US" dirty="0" smtClean="0"/>
-              <a:t>In board discuss Chain Rule</a:t>
-            </a:r>
-          </a:p>
-          <a:p>
-            <a:r>
-              <a:rPr lang="en-US" dirty="0" smtClean="0"/>
-              <a:t>Gradients</a:t>
-            </a:r>
-          </a:p>
-          <a:p>
-            <a:r>
-              <a:rPr lang="en-US" dirty="0" smtClean="0"/>
-              <a:t>Linearity of apply derivative</a:t>
-            </a:r>
-          </a:p>
-          <a:p>
-            <a:r>
-              <a:rPr lang="en-US" dirty="0" smtClean="0"/>
-              <a:t>Difference between Gradient and </a:t>
-            </a:r>
-            <a:r>
-              <a:rPr lang="en-US" dirty="0" err="1" smtClean="0"/>
-              <a:t>Jacobian</a:t>
-            </a:r>
-            <a:endParaRPr lang="ru-RU" dirty="0"/>
-          </a:p>
-        </p:txBody>
-      </p:sp>
-      <p:sp>
-        <p:nvSpPr>
-          <p:cNvPr id="4" name="Номер слайда 3"/>
-          <p:cNvSpPr>
-            <a:spLocks noGrp="1"/>
-          </p:cNvSpPr>
-          <p:nvPr>
-            <p:ph type="sldNum" sz="quarter" idx="12"/>
-          </p:nvPr>
-        </p:nvSpPr>
-        <p:spPr/>
-        <p:txBody>
-          <a:bodyPr/>
-          <a:lstStyle/>
-          <a:p>
-            <a:fld id="{C453EA42-BA89-4D45-B3D1-7EC11C308921}" type="slidenum">
-              <a:rPr lang="ru-RU" smtClean="0"/>
-              <a:t>6</a:t>
-            </a:fld>
-            <a:endParaRPr lang="ru-RU"/>
-          </a:p>
-        </p:txBody>
-      </p:sp>
-    </p:spTree>
-    <p:extLst>
-      <p:ext uri="{BB962C8B-B14F-4D97-AF65-F5344CB8AC3E}">
-        <p14:creationId xmlns:p14="http://schemas.microsoft.com/office/powerpoint/2010/main" val="3194381488"/>
-      </p:ext>
-    </p:extLst>
-  </p:cSld>
-  <p:clrMapOvr>
-    <a:masterClrMapping/>
-  </p:clrMapOvr>
-</p:sld>
-</file>
-
-<file path=ppt/slides/slide7.xml><?xml version="1.0" encoding="utf-8"?>
-<p:sld xmlns:a="http://schemas.openxmlformats.org/drawingml/2006/main" xmlns:r="http://schemas.openxmlformats.org/officeDocument/2006/relationships" xmlns:p="http://schemas.openxmlformats.org/presentationml/2006/main">
-  <p:cSld>
-    <p:spTree>
-      <p:nvGrpSpPr>
-        <p:cNvPr id="1" name=""/>
-        <p:cNvGrpSpPr/>
-        <p:nvPr/>
-      </p:nvGrpSpPr>
-      <p:grpSpPr>
-        <a:xfrm>
-          <a:off x="0" y="0"/>
-          <a:ext cx="0" cy="0"/>
-          <a:chOff x="0" y="0"/>
-          <a:chExt cx="0" cy="0"/>
-        </a:xfrm>
-      </p:grpSpPr>
-      <p:sp>
-        <p:nvSpPr>
-          <p:cNvPr id="2" name="Заголовок 1"/>
-          <p:cNvSpPr>
-            <a:spLocks noGrp="1"/>
-          </p:cNvSpPr>
-          <p:nvPr>
-            <p:ph type="title"/>
-          </p:nvPr>
-        </p:nvSpPr>
-        <p:spPr/>
-        <p:txBody>
-          <a:bodyPr>
-            <a:normAutofit fontScale="90000"/>
-          </a:bodyPr>
-          <a:lstStyle/>
-          <a:p>
-            <a:r>
-              <a:rPr lang="en-US" dirty="0" smtClean="0"/>
-              <a:t>Derivative to compute partial derivatives</a:t>
-            </a:r>
-            <a:endParaRPr lang="ru-RU" dirty="0"/>
-          </a:p>
-        </p:txBody>
-      </p:sp>
-      <mc:AlternateContent xmlns:mc="http://schemas.openxmlformats.org/markup-compatibility/2006">
-        <mc:Choice xmlns:a14="http://schemas.microsoft.com/office/drawing/2010/main" Requires="a14">
-          <p:sp>
-            <p:nvSpPr>
-              <p:cNvPr id="3" name="Объект 2"/>
-              <p:cNvSpPr>
-                <a:spLocks noGrp="1"/>
-              </p:cNvSpPr>
-              <p:nvPr>
-                <p:ph idx="1"/>
-              </p:nvPr>
-            </p:nvSpPr>
-            <p:spPr/>
-            <p:txBody>
-              <a:bodyPr>
-                <a:normAutofit fontScale="77500" lnSpcReduction="20000"/>
-              </a:bodyPr>
-              <a:lstStyle/>
-              <a:p>
-                <a:pPr marL="118872" indent="0">
-                  <a:buNone/>
-                </a:pPr>
-                <a:r>
-                  <a:rPr lang="en-US" dirty="0"/>
-                  <a:t>For single layer network and for single observation </a:t>
-                </a:r>
-                <a:r>
-                  <a:rPr lang="en-US" dirty="0" smtClean="0"/>
-                  <a:t>we have</a:t>
-                </a:r>
-              </a:p>
-              <a:p>
-                <a:pPr marL="118872" indent="0">
-                  <a:buNone/>
-                </a:pPr>
-                <a14:m>
-                  <m:oMath xmlns:m="http://schemas.openxmlformats.org/officeDocument/2006/math">
-                    <m:r>
                       <a:rPr lang="en-US" i="1">
                         <a:latin typeface="Cambria Math"/>
                       </a:rPr>
@@ -6462,7 +5982,7 @@
                           <a:rPr lang="en-US" i="1">
                             <a:latin typeface="Cambria Math"/>
                           </a:rPr>
-                          <m:t>2</m:t>
+                          <m:t>𝑁</m:t>
                         </m:r>
                       </m:den>
                     </m:f>
@@ -6621,9 +6141,1122 @@
                   </m:oMath>
                 </a14:m>
                 <a:r>
+                  <a:rPr lang="en-US" dirty="0"/>
+                  <a:t>  and even more </a:t>
+                </a:r>
+                <a14:m>
+                  <m:oMath xmlns:m="http://schemas.openxmlformats.org/officeDocument/2006/math">
+                    <m:f>
+                      <m:fPr>
+                        <m:ctrlPr>
+                          <a:rPr lang="ru-RU" i="1">
+                            <a:latin typeface="Cambria Math"/>
+                          </a:rPr>
+                        </m:ctrlPr>
+                      </m:fPr>
+                      <m:num>
+                        <m:r>
+                          <a:rPr lang="en-US" i="1">
+                            <a:latin typeface="Cambria Math"/>
+                          </a:rPr>
+                          <m:t>1</m:t>
+                        </m:r>
+                      </m:num>
+                      <m:den>
+                        <m:r>
+                          <a:rPr lang="en-US" i="1">
+                            <a:latin typeface="Cambria Math"/>
+                          </a:rPr>
+                          <m:t>𝑁</m:t>
+                        </m:r>
+                      </m:den>
+                    </m:f>
+                  </m:oMath>
+                </a14:m>
+                <a:r>
+                  <a:rPr lang="en-US" dirty="0"/>
+                  <a:t> multiplier can be omitted. </a:t>
+                </a:r>
+                <a:endParaRPr lang="en-US" dirty="0" smtClean="0"/>
+              </a:p>
+              <a:p>
+                <a:endParaRPr lang="en-US" dirty="0"/>
+              </a:p>
+              <a:p>
+                <a:r>
                   <a:rPr lang="en-US" dirty="0" smtClean="0"/>
+                  <a:t>And </a:t>
+                </a:r>
+                <a:r>
+                  <a:rPr lang="en-US" dirty="0"/>
+                  <a:t>also people who create neural networks approximations </a:t>
+                </a:r>
+                <a:r>
+                  <a:rPr lang="en-US" dirty="0" smtClean="0"/>
+                  <a:t>consider</a:t>
+                </a:r>
+              </a:p>
+              <a:p>
+                <a:pPr marL="118872" indent="0">
+                  <a:buNone/>
+                </a:pPr>
+                <a:r>
+                  <a:rPr lang="en-US" dirty="0" smtClean="0"/>
+                  <a:t>      </a:t>
+                </a:r>
+                <a14:m>
+                  <m:oMath xmlns:m="http://schemas.openxmlformats.org/officeDocument/2006/math">
+                    <m:r>
+                      <a:rPr lang="en-US" i="1">
+                        <a:latin typeface="Cambria Math"/>
+                      </a:rPr>
+                      <m:t>𝐿</m:t>
+                    </m:r>
+                    <m:r>
+                      <a:rPr lang="en-US" i="1">
+                        <a:latin typeface="Cambria Math"/>
+                      </a:rPr>
+                      <m:t>=</m:t>
+                    </m:r>
+                    <m:f>
+                      <m:fPr>
+                        <m:ctrlPr>
+                          <a:rPr lang="ru-RU" i="1">
+                            <a:latin typeface="Cambria Math"/>
+                          </a:rPr>
+                        </m:ctrlPr>
+                      </m:fPr>
+                      <m:num>
+                        <m:r>
+                          <a:rPr lang="en-US" i="1">
+                            <a:latin typeface="Cambria Math"/>
+                          </a:rPr>
+                          <m:t>1</m:t>
+                        </m:r>
+                      </m:num>
+                      <m:den>
+                        <m:r>
+                          <a:rPr lang="en-US" i="1">
+                            <a:latin typeface="Cambria Math"/>
+                          </a:rPr>
+                          <m:t>2</m:t>
+                        </m:r>
+                      </m:den>
+                    </m:f>
+                    <m:nary>
+                      <m:naryPr>
+                        <m:chr m:val="∑"/>
+                        <m:limLoc m:val="undOvr"/>
+                        <m:ctrlPr>
+                          <a:rPr lang="ru-RU" i="1">
+                            <a:latin typeface="Cambria Math"/>
+                          </a:rPr>
+                        </m:ctrlPr>
+                      </m:naryPr>
+                      <m:sub>
+                        <m:r>
+                          <a:rPr lang="en-US" i="1">
+                            <a:latin typeface="Cambria Math"/>
+                          </a:rPr>
+                          <m:t>𝑖</m:t>
+                        </m:r>
+                        <m:r>
+                          <a:rPr lang="en-US" i="1">
+                            <a:latin typeface="Cambria Math"/>
+                          </a:rPr>
+                          <m:t>=1</m:t>
+                        </m:r>
+                      </m:sub>
+                      <m:sup>
+                        <m:r>
+                          <a:rPr lang="en-US" i="1">
+                            <a:latin typeface="Cambria Math"/>
+                          </a:rPr>
+                          <m:t>𝑁</m:t>
+                        </m:r>
+                      </m:sup>
+                      <m:e>
+                        <m:sSup>
+                          <m:sSupPr>
+                            <m:ctrlPr>
+                              <a:rPr lang="ru-RU" i="1">
+                                <a:latin typeface="Cambria Math"/>
+                              </a:rPr>
+                            </m:ctrlPr>
+                          </m:sSupPr>
+                          <m:e>
+                            <m:d>
+                              <m:dPr>
+                                <m:ctrlPr>
+                                  <a:rPr lang="ru-RU" i="1">
+                                    <a:latin typeface="Cambria Math"/>
+                                  </a:rPr>
+                                </m:ctrlPr>
+                              </m:dPr>
+                              <m:e>
+                                <m:sSub>
+                                  <m:sSubPr>
+                                    <m:ctrlPr>
+                                      <a:rPr lang="ru-RU" i="1">
+                                        <a:latin typeface="Cambria Math"/>
+                                      </a:rPr>
+                                    </m:ctrlPr>
+                                  </m:sSubPr>
+                                  <m:e>
+                                    <m:r>
+                                      <a:rPr lang="en-US" i="1">
+                                        <a:latin typeface="Cambria Math"/>
+                                      </a:rPr>
+                                      <m:t>𝑦</m:t>
+                                    </m:r>
+                                  </m:e>
+                                  <m:sub>
+                                    <m:r>
+                                      <a:rPr lang="en-US" i="1">
+                                        <a:latin typeface="Cambria Math"/>
+                                      </a:rPr>
+                                      <m:t>𝑖</m:t>
+                                    </m:r>
+                                  </m:sub>
+                                </m:sSub>
+                                <m:r>
+                                  <a:rPr lang="en-US" i="1">
+                                    <a:latin typeface="Cambria Math"/>
+                                  </a:rPr>
+                                  <m:t>−</m:t>
+                                </m:r>
+                                <m:groupChr>
+                                  <m:groupChrPr>
+                                    <m:chr m:val="⏞"/>
+                                    <m:pos m:val="top"/>
+                                    <m:vertJc m:val="bot"/>
+                                    <m:ctrlPr>
+                                      <a:rPr lang="ru-RU" i="1">
+                                        <a:latin typeface="Cambria Math"/>
+                                      </a:rPr>
+                                    </m:ctrlPr>
+                                  </m:groupChrPr>
+                                  <m:e>
+                                    <m:r>
+                                      <a:rPr lang="en-US" i="1">
+                                        <a:latin typeface="Cambria Math"/>
+                                      </a:rPr>
+                                      <m:t>𝐹</m:t>
+                                    </m:r>
+                                  </m:e>
+                                </m:groupChr>
+                                <m:d>
+                                  <m:dPr>
+                                    <m:ctrlPr>
+                                      <a:rPr lang="ru-RU" i="1">
+                                        <a:latin typeface="Cambria Math"/>
+                                      </a:rPr>
+                                    </m:ctrlPr>
+                                  </m:dPr>
+                                  <m:e>
+                                    <m:sSub>
+                                      <m:sSubPr>
+                                        <m:ctrlPr>
+                                          <a:rPr lang="ru-RU" i="1">
+                                            <a:latin typeface="Cambria Math"/>
+                                          </a:rPr>
+                                        </m:ctrlPr>
+                                      </m:sSubPr>
+                                      <m:e>
+                                        <m:r>
+                                          <a:rPr lang="en-US" i="1">
+                                            <a:latin typeface="Cambria Math"/>
+                                          </a:rPr>
+                                          <m:t>𝑥</m:t>
+                                        </m:r>
+                                      </m:e>
+                                      <m:sub>
+                                        <m:r>
+                                          <a:rPr lang="en-US" i="1">
+                                            <a:latin typeface="Cambria Math"/>
+                                          </a:rPr>
+                                          <m:t>𝑖</m:t>
+                                        </m:r>
+                                      </m:sub>
+                                    </m:sSub>
+                                  </m:e>
+                                </m:d>
+                              </m:e>
+                            </m:d>
+                          </m:e>
+                          <m:sup>
+                            <m:r>
+                              <a:rPr lang="en-US" i="1">
+                                <a:latin typeface="Cambria Math"/>
+                              </a:rPr>
+                              <m:t>2</m:t>
+                            </m:r>
+                          </m:sup>
+                        </m:sSup>
+                      </m:e>
+                    </m:nary>
+                  </m:oMath>
+                </a14:m>
+                <a:r>
+                  <a:rPr lang="en-US" dirty="0"/>
+                  <a:t>. </a:t>
+                </a:r>
+                <a:endParaRPr lang="en-US" dirty="0" smtClean="0"/>
+              </a:p>
+              <a:p>
+                <a:endParaRPr lang="en-US" dirty="0"/>
+              </a:p>
+              <a:p>
+                <a:r>
+                  <a:rPr lang="en-US" dirty="0" smtClean="0"/>
+                  <a:t>For </a:t>
+                </a:r>
+                <a:r>
+                  <a:rPr lang="en-US" dirty="0"/>
+                  <a:t>differentiable function negative gradient show a direction to fastest local descend of function value if choose direction from unit norm sphere where norm is Euclidian norm.</a:t>
+                </a:r>
+                <a:endParaRPr lang="ru-RU" dirty="0"/>
+              </a:p>
+              <a:p>
+                <a:pPr marL="118872" indent="0">
+                  <a:buNone/>
+                </a:pPr>
+                <a:endParaRPr lang="ru-RU" dirty="0"/>
+              </a:p>
+            </p:txBody>
+          </p:sp>
+        </mc:Choice>
+        <mc:Fallback xmlns="">
+          <p:sp>
+            <p:nvSpPr>
+              <p:cNvPr id="3" name="Объект 2"/>
+              <p:cNvSpPr>
+                <a:spLocks noGrp="1" noRot="1" noChangeAspect="1" noMove="1" noResize="1" noEditPoints="1" noAdjustHandles="1" noChangeArrowheads="1" noChangeShapeType="1" noTextEdit="1"/>
+              </p:cNvSpPr>
+              <p:nvPr>
+                <p:ph idx="1"/>
+              </p:nvPr>
+            </p:nvSpPr>
+            <p:spPr>
+              <a:blipFill rotWithShape="1">
+                <a:blip r:embed="rId2"/>
+                <a:stretch>
+                  <a:fillRect r="-2222"/>
+                </a:stretch>
+              </a:blipFill>
+            </p:spPr>
+            <p:txBody>
+              <a:bodyPr/>
+              <a:lstStyle/>
+              <a:p>
+                <a:r>
+                  <a:rPr lang="ru-RU">
+                    <a:noFill/>
+                  </a:rPr>
+                  <a:t> </a:t>
+                </a:r>
+              </a:p>
+            </p:txBody>
+          </p:sp>
+        </mc:Fallback>
+      </mc:AlternateContent>
+      <p:sp>
+        <p:nvSpPr>
+          <p:cNvPr id="4" name="Номер слайда 3"/>
+          <p:cNvSpPr>
+            <a:spLocks noGrp="1"/>
+          </p:cNvSpPr>
+          <p:nvPr>
+            <p:ph type="sldNum" sz="quarter" idx="12"/>
+          </p:nvPr>
+        </p:nvSpPr>
+        <p:spPr/>
+        <p:txBody>
+          <a:bodyPr/>
+          <a:lstStyle/>
+          <a:p>
+            <a:fld id="{C453EA42-BA89-4D45-B3D1-7EC11C308921}" type="slidenum">
+              <a:rPr lang="ru-RU" smtClean="0"/>
+              <a:t>5</a:t>
+            </a:fld>
+            <a:endParaRPr lang="ru-RU"/>
+          </a:p>
+        </p:txBody>
+      </p:sp>
+    </p:spTree>
+    <p:extLst>
+      <p:ext uri="{BB962C8B-B14F-4D97-AF65-F5344CB8AC3E}">
+        <p14:creationId xmlns:p14="http://schemas.microsoft.com/office/powerpoint/2010/main" val="1692514628"/>
+      </p:ext>
+    </p:extLst>
+  </p:cSld>
+  <p:clrMapOvr>
+    <a:masterClrMapping/>
+  </p:clrMapOvr>
+</p:sld>
+</file>
+
+<file path=ppt/slides/slide6.xml><?xml version="1.0" encoding="utf-8"?>
+<p:sld xmlns:a="http://schemas.openxmlformats.org/drawingml/2006/main" xmlns:r="http://schemas.openxmlformats.org/officeDocument/2006/relationships" xmlns:p="http://schemas.openxmlformats.org/presentationml/2006/main">
+  <p:cSld>
+    <p:spTree>
+      <p:nvGrpSpPr>
+        <p:cNvPr id="1" name=""/>
+        <p:cNvGrpSpPr/>
+        <p:nvPr/>
+      </p:nvGrpSpPr>
+      <p:grpSpPr>
+        <a:xfrm>
+          <a:off x="0" y="0"/>
+          <a:ext cx="0" cy="0"/>
+          <a:chOff x="0" y="0"/>
+          <a:chExt cx="0" cy="0"/>
+        </a:xfrm>
+      </p:grpSpPr>
+      <p:sp>
+        <p:nvSpPr>
+          <p:cNvPr id="2" name="Заголовок 1"/>
+          <p:cNvSpPr>
+            <a:spLocks noGrp="1"/>
+          </p:cNvSpPr>
+          <p:nvPr>
+            <p:ph type="title"/>
+          </p:nvPr>
+        </p:nvSpPr>
+        <p:spPr/>
+        <p:txBody>
+          <a:bodyPr/>
+          <a:lstStyle/>
+          <a:p>
+            <a:r>
+              <a:rPr lang="en-US" dirty="0" smtClean="0"/>
+              <a:t>Chain Rule </a:t>
+            </a:r>
+            <a:endParaRPr lang="ru-RU" dirty="0"/>
+          </a:p>
+        </p:txBody>
+      </p:sp>
+      <p:sp>
+        <p:nvSpPr>
+          <p:cNvPr id="3" name="Объект 2"/>
+          <p:cNvSpPr>
+            <a:spLocks noGrp="1"/>
+          </p:cNvSpPr>
+          <p:nvPr>
+            <p:ph idx="1"/>
+          </p:nvPr>
+        </p:nvSpPr>
+        <p:spPr/>
+        <p:txBody>
+          <a:bodyPr/>
+          <a:lstStyle/>
+          <a:p>
+            <a:r>
+              <a:rPr lang="en-US" dirty="0" smtClean="0"/>
+              <a:t>In board discuss Chain Rule</a:t>
+            </a:r>
+          </a:p>
+          <a:p>
+            <a:r>
+              <a:rPr lang="en-US" dirty="0" smtClean="0"/>
+              <a:t>Gradients</a:t>
+            </a:r>
+          </a:p>
+          <a:p>
+            <a:r>
+              <a:rPr lang="en-US" dirty="0" smtClean="0"/>
+              <a:t>Linearity of apply derivative</a:t>
+            </a:r>
+          </a:p>
+          <a:p>
+            <a:r>
+              <a:rPr lang="en-US" dirty="0" smtClean="0"/>
+              <a:t>Difference between Gradient and </a:t>
+            </a:r>
+            <a:r>
+              <a:rPr lang="en-US" dirty="0" err="1" smtClean="0"/>
+              <a:t>Jacobian</a:t>
+            </a:r>
+            <a:endParaRPr lang="ru-RU" dirty="0"/>
+          </a:p>
+        </p:txBody>
+      </p:sp>
+      <p:sp>
+        <p:nvSpPr>
+          <p:cNvPr id="4" name="Номер слайда 3"/>
+          <p:cNvSpPr>
+            <a:spLocks noGrp="1"/>
+          </p:cNvSpPr>
+          <p:nvPr>
+            <p:ph type="sldNum" sz="quarter" idx="12"/>
+          </p:nvPr>
+        </p:nvSpPr>
+        <p:spPr/>
+        <p:txBody>
+          <a:bodyPr/>
+          <a:lstStyle/>
+          <a:p>
+            <a:fld id="{C453EA42-BA89-4D45-B3D1-7EC11C308921}" type="slidenum">
+              <a:rPr lang="ru-RU" smtClean="0"/>
+              <a:t>6</a:t>
+            </a:fld>
+            <a:endParaRPr lang="ru-RU"/>
+          </a:p>
+        </p:txBody>
+      </p:sp>
+    </p:spTree>
+    <p:extLst>
+      <p:ext uri="{BB962C8B-B14F-4D97-AF65-F5344CB8AC3E}">
+        <p14:creationId xmlns:p14="http://schemas.microsoft.com/office/powerpoint/2010/main" val="3194381488"/>
+      </p:ext>
+    </p:extLst>
+  </p:cSld>
+  <p:clrMapOvr>
+    <a:masterClrMapping/>
+  </p:clrMapOvr>
+</p:sld>
+</file>
+
+<file path=ppt/slides/slide7.xml><?xml version="1.0" encoding="utf-8"?>
+<p:sld xmlns:a="http://schemas.openxmlformats.org/drawingml/2006/main" xmlns:r="http://schemas.openxmlformats.org/officeDocument/2006/relationships" xmlns:p="http://schemas.openxmlformats.org/presentationml/2006/main">
+  <p:cSld>
+    <p:spTree>
+      <p:nvGrpSpPr>
+        <p:cNvPr id="1" name=""/>
+        <p:cNvGrpSpPr/>
+        <p:nvPr/>
+      </p:nvGrpSpPr>
+      <p:grpSpPr>
+        <a:xfrm>
+          <a:off x="0" y="0"/>
+          <a:ext cx="0" cy="0"/>
+          <a:chOff x="0" y="0"/>
+          <a:chExt cx="0" cy="0"/>
+        </a:xfrm>
+      </p:grpSpPr>
+      <p:sp>
+        <p:nvSpPr>
+          <p:cNvPr id="2" name="Заголовок 1"/>
+          <p:cNvSpPr>
+            <a:spLocks noGrp="1"/>
+          </p:cNvSpPr>
+          <p:nvPr>
+            <p:ph type="title"/>
+          </p:nvPr>
+        </p:nvSpPr>
+        <p:spPr/>
+        <p:txBody>
+          <a:bodyPr>
+            <a:normAutofit fontScale="90000"/>
+          </a:bodyPr>
+          <a:lstStyle/>
+          <a:p>
+            <a:r>
+              <a:rPr lang="en-US" dirty="0" smtClean="0"/>
+              <a:t>Derivative to compute partial derivatives</a:t>
+            </a:r>
+            <a:endParaRPr lang="ru-RU" dirty="0"/>
+          </a:p>
+        </p:txBody>
+      </p:sp>
+      <mc:AlternateContent xmlns:mc="http://schemas.openxmlformats.org/markup-compatibility/2006">
+        <mc:Choice xmlns:a14="http://schemas.microsoft.com/office/drawing/2010/main" Requires="a14">
+          <p:sp>
+            <p:nvSpPr>
+              <p:cNvPr id="3" name="Объект 2"/>
+              <p:cNvSpPr>
+                <a:spLocks noGrp="1"/>
+              </p:cNvSpPr>
+              <p:nvPr>
+                <p:ph idx="1"/>
+              </p:nvPr>
+            </p:nvSpPr>
+            <p:spPr/>
+            <p:txBody>
+              <a:bodyPr>
+                <a:normAutofit fontScale="62500" lnSpcReduction="20000"/>
+              </a:bodyPr>
+              <a:lstStyle/>
+              <a:p>
+                <a:pPr marL="118872" indent="0">
+                  <a:buNone/>
+                </a:pPr>
+                <a:r>
+                  <a:rPr lang="en-US" dirty="0" smtClean="0"/>
+                  <a:t>For single layer network and for single observation we have</a:t>
+                </a:r>
+              </a:p>
+              <a:p>
+                <a:pPr marL="118872" indent="0">
+                  <a:buNone/>
+                </a:pPr>
+                <a:endParaRPr lang="en-US" i="1" dirty="0" smtClean="0">
+                  <a:latin typeface="Cambria Math"/>
+                </a:endParaRPr>
+              </a:p>
+              <a:p>
+                <a:pPr marL="118872" indent="0">
+                  <a:buNone/>
+                </a:pPr>
+                <a14:m>
+                  <m:oMath xmlns:m="http://schemas.openxmlformats.org/officeDocument/2006/math">
+                    <m:sSub>
+                      <m:sSubPr>
+                        <m:ctrlPr>
+                          <a:rPr lang="en-US" i="1">
+                            <a:latin typeface="Cambria Math"/>
+                          </a:rPr>
+                        </m:ctrlPr>
+                      </m:sSubPr>
+                      <m:e>
+                        <m:r>
+                          <m:rPr>
+                            <m:sty m:val="p"/>
+                          </m:rPr>
+                          <a:rPr lang="en-US" i="1">
+                            <a:latin typeface="Cambria Math"/>
+                          </a:rPr>
+                          <m:t>r</m:t>
+                        </m:r>
+                      </m:e>
+                      <m:sub>
+                        <m:r>
+                          <a:rPr lang="en-US" i="1">
+                            <a:latin typeface="Cambria Math"/>
+                          </a:rPr>
+                          <m:t>𝑖</m:t>
+                        </m:r>
+                      </m:sub>
+                    </m:sSub>
+                    <m:r>
+                      <a:rPr lang="en-US" i="1">
+                        <a:latin typeface="Cambria Math"/>
+                      </a:rPr>
+                      <m:t>=</m:t>
+                    </m:r>
+                    <m:sSub>
+                      <m:sSubPr>
+                        <m:ctrlPr>
+                          <a:rPr lang="ru-RU" i="1">
+                            <a:latin typeface="Cambria Math"/>
+                          </a:rPr>
+                        </m:ctrlPr>
+                      </m:sSubPr>
+                      <m:e>
+                        <m:r>
+                          <a:rPr lang="en-US" i="1">
+                            <a:latin typeface="Cambria Math"/>
+                          </a:rPr>
+                          <m:t>𝑦</m:t>
+                        </m:r>
+                      </m:e>
+                      <m:sub>
+                        <m:r>
+                          <a:rPr lang="en-US" i="1">
+                            <a:latin typeface="Cambria Math"/>
+                          </a:rPr>
+                          <m:t>𝑖</m:t>
+                        </m:r>
+                      </m:sub>
+                    </m:sSub>
+                    <m:r>
+                      <a:rPr lang="en-US" i="1">
+                        <a:latin typeface="Cambria Math"/>
+                      </a:rPr>
+                      <m:t>−</m:t>
+                    </m:r>
+                    <m:groupChr>
+                      <m:groupChrPr>
+                        <m:chr m:val="⏞"/>
+                        <m:pos m:val="top"/>
+                        <m:vertJc m:val="bot"/>
+                        <m:ctrlPr>
+                          <a:rPr lang="ru-RU" i="1">
+                            <a:latin typeface="Cambria Math"/>
+                          </a:rPr>
+                        </m:ctrlPr>
+                      </m:groupChrPr>
+                      <m:e>
+                        <m:r>
+                          <a:rPr lang="en-US" i="1">
+                            <a:latin typeface="Cambria Math"/>
+                          </a:rPr>
+                          <m:t>𝐹</m:t>
+                        </m:r>
+                      </m:e>
+                    </m:groupChr>
+                    <m:d>
+                      <m:dPr>
+                        <m:ctrlPr>
+                          <a:rPr lang="ru-RU" i="1">
+                            <a:latin typeface="Cambria Math"/>
+                          </a:rPr>
+                        </m:ctrlPr>
+                      </m:dPr>
+                      <m:e>
+                        <m:sSub>
+                          <m:sSubPr>
+                            <m:ctrlPr>
+                              <a:rPr lang="ru-RU" i="1">
+                                <a:latin typeface="Cambria Math"/>
+                              </a:rPr>
+                            </m:ctrlPr>
+                          </m:sSubPr>
+                          <m:e>
+                            <m:r>
+                              <a:rPr lang="en-US" i="1">
+                                <a:latin typeface="Cambria Math"/>
+                              </a:rPr>
+                              <m:t>𝑥</m:t>
+                            </m:r>
+                          </m:e>
+                          <m:sub>
+                            <m:r>
+                              <a:rPr lang="en-US" i="1">
+                                <a:latin typeface="Cambria Math"/>
+                              </a:rPr>
+                              <m:t>𝑖</m:t>
+                            </m:r>
+                          </m:sub>
+                        </m:sSub>
+                      </m:e>
+                    </m:d>
+                  </m:oMath>
+                </a14:m>
+                <a:r>
+                  <a:rPr lang="en-US" dirty="0"/>
                   <a:t> </a:t>
                 </a:r>
+              </a:p>
+              <a:p>
+                <a:pPr marL="118872" indent="0">
+                  <a:buNone/>
+                </a:pPr>
+                <a:endParaRPr lang="en-US" i="1" dirty="0" smtClean="0">
+                  <a:latin typeface="Cambria Math"/>
+                </a:endParaRPr>
+              </a:p>
+              <a:p>
+                <a:pPr marL="118872" indent="0">
+                  <a:buNone/>
+                </a:pPr>
+                <a14:m>
+                  <m:oMath xmlns:m="http://schemas.openxmlformats.org/officeDocument/2006/math">
+                    <m:r>
+                      <a:rPr lang="en-US" i="1">
+                        <a:latin typeface="Cambria Math"/>
+                      </a:rPr>
+                      <m:t>𝐿</m:t>
+                    </m:r>
+                    <m:r>
+                      <a:rPr lang="en-US" i="1">
+                        <a:latin typeface="Cambria Math"/>
+                      </a:rPr>
+                      <m:t>=</m:t>
+                    </m:r>
+                    <m:f>
+                      <m:fPr>
+                        <m:ctrlPr>
+                          <a:rPr lang="ru-RU" i="1">
+                            <a:latin typeface="Cambria Math"/>
+                          </a:rPr>
+                        </m:ctrlPr>
+                      </m:fPr>
+                      <m:num>
+                        <m:r>
+                          <a:rPr lang="en-US" i="1">
+                            <a:latin typeface="Cambria Math"/>
+                          </a:rPr>
+                          <m:t>1</m:t>
+                        </m:r>
+                      </m:num>
+                      <m:den>
+                        <m:r>
+                          <a:rPr lang="en-US" i="1">
+                            <a:latin typeface="Cambria Math"/>
+                          </a:rPr>
+                          <m:t>2</m:t>
+                        </m:r>
+                      </m:den>
+                    </m:f>
+                    <m:sSup>
+                      <m:sSupPr>
+                        <m:ctrlPr>
+                          <a:rPr lang="ru-RU" i="1">
+                            <a:latin typeface="Cambria Math"/>
+                          </a:rPr>
+                        </m:ctrlPr>
+                      </m:sSupPr>
+                      <m:e>
+                        <m:d>
+                          <m:dPr>
+                            <m:ctrlPr>
+                              <a:rPr lang="ru-RU" i="1">
+                                <a:latin typeface="Cambria Math"/>
+                              </a:rPr>
+                            </m:ctrlPr>
+                          </m:dPr>
+                          <m:e>
+                            <m:sSub>
+                              <m:sSubPr>
+                                <m:ctrlPr>
+                                  <a:rPr lang="ru-RU" i="1">
+                                    <a:latin typeface="Cambria Math"/>
+                                  </a:rPr>
+                                </m:ctrlPr>
+                              </m:sSubPr>
+                              <m:e>
+                                <m:r>
+                                  <a:rPr lang="en-US" i="1">
+                                    <a:latin typeface="Cambria Math"/>
+                                  </a:rPr>
+                                  <m:t>𝑦</m:t>
+                                </m:r>
+                              </m:e>
+                              <m:sub>
+                                <m:r>
+                                  <a:rPr lang="en-US" i="1">
+                                    <a:latin typeface="Cambria Math"/>
+                                  </a:rPr>
+                                  <m:t>𝑖</m:t>
+                                </m:r>
+                              </m:sub>
+                            </m:sSub>
+                            <m:r>
+                              <a:rPr lang="en-US" i="1">
+                                <a:latin typeface="Cambria Math"/>
+                              </a:rPr>
+                              <m:t>−</m:t>
+                            </m:r>
+                            <m:groupChr>
+                              <m:groupChrPr>
+                                <m:chr m:val="⏞"/>
+                                <m:pos m:val="top"/>
+                                <m:vertJc m:val="bot"/>
+                                <m:ctrlPr>
+                                  <a:rPr lang="ru-RU" i="1">
+                                    <a:latin typeface="Cambria Math"/>
+                                  </a:rPr>
+                                </m:ctrlPr>
+                              </m:groupChrPr>
+                              <m:e>
+                                <m:r>
+                                  <a:rPr lang="en-US" i="1">
+                                    <a:latin typeface="Cambria Math"/>
+                                  </a:rPr>
+                                  <m:t>𝐹</m:t>
+                                </m:r>
+                              </m:e>
+                            </m:groupChr>
+                            <m:d>
+                              <m:dPr>
+                                <m:ctrlPr>
+                                  <a:rPr lang="ru-RU" i="1">
+                                    <a:latin typeface="Cambria Math"/>
+                                  </a:rPr>
+                                </m:ctrlPr>
+                              </m:dPr>
+                              <m:e>
+                                <m:sSub>
+                                  <m:sSubPr>
+                                    <m:ctrlPr>
+                                      <a:rPr lang="ru-RU" i="1">
+                                        <a:latin typeface="Cambria Math"/>
+                                      </a:rPr>
+                                    </m:ctrlPr>
+                                  </m:sSubPr>
+                                  <m:e>
+                                    <m:r>
+                                      <a:rPr lang="en-US" i="1">
+                                        <a:latin typeface="Cambria Math"/>
+                                      </a:rPr>
+                                      <m:t>𝑥</m:t>
+                                    </m:r>
+                                  </m:e>
+                                  <m:sub>
+                                    <m:r>
+                                      <a:rPr lang="en-US" i="1">
+                                        <a:latin typeface="Cambria Math"/>
+                                      </a:rPr>
+                                      <m:t>𝑖</m:t>
+                                    </m:r>
+                                  </m:sub>
+                                </m:sSub>
+                              </m:e>
+                            </m:d>
+                          </m:e>
+                        </m:d>
+                      </m:e>
+                      <m:sup>
+                        <m:r>
+                          <a:rPr lang="en-US" i="1">
+                            <a:latin typeface="Cambria Math"/>
+                          </a:rPr>
+                          <m:t>2</m:t>
+                        </m:r>
+                      </m:sup>
+                    </m:sSup>
+                    <m:r>
+                      <a:rPr lang="en-US" b="0" i="1" smtClean="0">
+                        <a:latin typeface="Cambria Math"/>
+                      </a:rPr>
+                      <m:t>=</m:t>
+                    </m:r>
+                    <m:f>
+                      <m:fPr>
+                        <m:ctrlPr>
+                          <a:rPr lang="en-US" b="0" i="1" smtClean="0">
+                            <a:latin typeface="Cambria Math"/>
+                          </a:rPr>
+                        </m:ctrlPr>
+                      </m:fPr>
+                      <m:num>
+                        <m:r>
+                          <a:rPr lang="en-US" b="0" i="1" smtClean="0">
+                            <a:latin typeface="Cambria Math"/>
+                          </a:rPr>
+                          <m:t>1</m:t>
+                        </m:r>
+                      </m:num>
+                      <m:den>
+                        <m:r>
+                          <a:rPr lang="en-US" b="0" i="1" smtClean="0">
+                            <a:latin typeface="Cambria Math"/>
+                          </a:rPr>
+                          <m:t>2</m:t>
+                        </m:r>
+                      </m:den>
+                    </m:f>
+                    <m:sSup>
+                      <m:sSupPr>
+                        <m:ctrlPr>
+                          <a:rPr lang="en-US" b="0" i="1" smtClean="0">
+                            <a:latin typeface="Cambria Math"/>
+                          </a:rPr>
+                        </m:ctrlPr>
+                      </m:sSupPr>
+                      <m:e>
+                        <m:r>
+                          <a:rPr lang="en-US" b="0" i="1" smtClean="0">
+                            <a:latin typeface="Cambria Math"/>
+                          </a:rPr>
+                          <m:t>𝑟</m:t>
+                        </m:r>
+                      </m:e>
+                      <m:sup>
+                        <m:r>
+                          <a:rPr lang="en-US" b="0" i="1" smtClean="0">
+                            <a:latin typeface="Cambria Math"/>
+                          </a:rPr>
+                          <m:t>2</m:t>
+                        </m:r>
+                      </m:sup>
+                    </m:sSup>
+                  </m:oMath>
+                </a14:m>
+                <a:r>
+                  <a:rPr lang="ru-RU" dirty="0" smtClean="0"/>
+                  <a:t> </a:t>
+                </a:r>
+                <a:endParaRPr lang="en-US" dirty="0" smtClean="0"/>
+              </a:p>
+              <a:p>
+                <a:pPr marL="118872" indent="0">
+                  <a:buNone/>
+                </a:pPr>
+                <a:endParaRPr lang="ru-RU" dirty="0" smtClean="0"/>
+              </a:p>
+              <a:p>
+                <a:pPr marL="118872" indent="0">
+                  <a:buNone/>
+                </a:pPr>
+                <a14:m>
+                  <m:oMath xmlns:m="http://schemas.openxmlformats.org/officeDocument/2006/math">
+                    <m:f>
+                      <m:fPr>
+                        <m:ctrlPr>
+                          <a:rPr lang="en-US" b="0" i="1" smtClean="0">
+                            <a:latin typeface="Cambria Math"/>
+                          </a:rPr>
+                        </m:ctrlPr>
+                      </m:fPr>
+                      <m:num>
+                        <m:r>
+                          <a:rPr lang="en-US" b="0" i="1" smtClean="0">
+                            <a:latin typeface="Cambria Math"/>
+                          </a:rPr>
+                          <m:t>𝑑</m:t>
+                        </m:r>
+                        <m:r>
+                          <a:rPr lang="en-US" i="1">
+                            <a:latin typeface="Cambria Math"/>
+                          </a:rPr>
+                          <m:t>𝐿</m:t>
+                        </m:r>
+                      </m:num>
+                      <m:den>
+                        <m:r>
+                          <a:rPr lang="en-US" b="0" i="1" smtClean="0">
+                            <a:latin typeface="Cambria Math"/>
+                          </a:rPr>
+                          <m:t>𝑑𝑟</m:t>
+                        </m:r>
+                      </m:den>
+                    </m:f>
+                    <m:r>
+                      <a:rPr lang="en-US" b="0" i="1" smtClean="0">
+                        <a:latin typeface="Cambria Math"/>
+                      </a:rPr>
+                      <m:t>=</m:t>
+                    </m:r>
+                    <m:f>
+                      <m:fPr>
+                        <m:ctrlPr>
+                          <a:rPr lang="en-US" b="0" i="1" smtClean="0">
+                            <a:latin typeface="Cambria Math"/>
+                          </a:rPr>
+                        </m:ctrlPr>
+                      </m:fPr>
+                      <m:num>
+                        <m:r>
+                          <a:rPr lang="en-US" b="0" i="1" smtClean="0">
+                            <a:latin typeface="Cambria Math"/>
+                          </a:rPr>
+                          <m:t>2</m:t>
+                        </m:r>
+                      </m:num>
+                      <m:den>
+                        <m:r>
+                          <a:rPr lang="en-US" b="0" i="1" smtClean="0">
+                            <a:latin typeface="Cambria Math"/>
+                          </a:rPr>
+                          <m:t>2</m:t>
+                        </m:r>
+                      </m:den>
+                    </m:f>
+                    <m:r>
+                      <a:rPr lang="en-US" b="0" i="1" smtClean="0">
+                        <a:latin typeface="Cambria Math"/>
+                      </a:rPr>
+                      <m:t>𝑟</m:t>
+                    </m:r>
+                    <m:r>
+                      <a:rPr lang="en-US" b="0" i="1" smtClean="0">
+                        <a:latin typeface="Cambria Math"/>
+                      </a:rPr>
+                      <m:t>=</m:t>
+                    </m:r>
+                    <m:r>
+                      <a:rPr lang="en-US" b="0" i="1" smtClean="0">
+                        <a:latin typeface="Cambria Math"/>
+                      </a:rPr>
+                      <m:t>𝑟</m:t>
+                    </m:r>
+                    <m:r>
+                      <a:rPr lang="en-US" b="0" i="1" smtClean="0">
+                        <a:latin typeface="Cambria Math"/>
+                      </a:rPr>
+                      <m:t>=(</m:t>
+                    </m:r>
+                    <m:sSub>
+                      <m:sSubPr>
+                        <m:ctrlPr>
+                          <a:rPr lang="ru-RU" i="1">
+                            <a:latin typeface="Cambria Math"/>
+                          </a:rPr>
+                        </m:ctrlPr>
+                      </m:sSubPr>
+                      <m:e>
+                        <m:r>
+                          <a:rPr lang="en-US" i="1">
+                            <a:latin typeface="Cambria Math"/>
+                          </a:rPr>
+                          <m:t>𝑦</m:t>
+                        </m:r>
+                      </m:e>
+                      <m:sub>
+                        <m:r>
+                          <a:rPr lang="en-US" i="1">
+                            <a:latin typeface="Cambria Math"/>
+                          </a:rPr>
+                          <m:t>𝑖</m:t>
+                        </m:r>
+                      </m:sub>
+                    </m:sSub>
+                    <m:r>
+                      <a:rPr lang="en-US" i="1">
+                        <a:latin typeface="Cambria Math"/>
+                      </a:rPr>
+                      <m:t>−</m:t>
+                    </m:r>
+                    <m:groupChr>
+                      <m:groupChrPr>
+                        <m:chr m:val="⏞"/>
+                        <m:pos m:val="top"/>
+                        <m:vertJc m:val="bot"/>
+                        <m:ctrlPr>
+                          <a:rPr lang="ru-RU" i="1">
+                            <a:latin typeface="Cambria Math"/>
+                          </a:rPr>
+                        </m:ctrlPr>
+                      </m:groupChrPr>
+                      <m:e>
+                        <m:r>
+                          <a:rPr lang="en-US" i="1">
+                            <a:latin typeface="Cambria Math"/>
+                          </a:rPr>
+                          <m:t>𝐹</m:t>
+                        </m:r>
+                      </m:e>
+                    </m:groupChr>
+                    <m:d>
+                      <m:dPr>
+                        <m:ctrlPr>
+                          <a:rPr lang="ru-RU" i="1">
+                            <a:latin typeface="Cambria Math"/>
+                          </a:rPr>
+                        </m:ctrlPr>
+                      </m:dPr>
+                      <m:e>
+                        <m:sSub>
+                          <m:sSubPr>
+                            <m:ctrlPr>
+                              <a:rPr lang="ru-RU" i="1">
+                                <a:latin typeface="Cambria Math"/>
+                              </a:rPr>
+                            </m:ctrlPr>
+                          </m:sSubPr>
+                          <m:e>
+                            <m:r>
+                              <a:rPr lang="en-US" i="1">
+                                <a:latin typeface="Cambria Math"/>
+                              </a:rPr>
+                              <m:t>𝑥</m:t>
+                            </m:r>
+                          </m:e>
+                          <m:sub>
+                            <m:r>
+                              <a:rPr lang="en-US" i="1">
+                                <a:latin typeface="Cambria Math"/>
+                              </a:rPr>
+                              <m:t>𝑖</m:t>
+                            </m:r>
+                          </m:sub>
+                        </m:sSub>
+                      </m:e>
+                    </m:d>
+                  </m:oMath>
+                </a14:m>
+                <a:r>
+                  <a:rPr lang="en-US" dirty="0" smtClean="0"/>
+                  <a:t>)</a:t>
+                </a:r>
+              </a:p>
+              <a:p>
+                <a:pPr marL="118872" indent="0">
+                  <a:buNone/>
+                </a:pPr>
+                <a:endParaRPr lang="en-US" dirty="0" smtClean="0"/>
               </a:p>
               <a:p>
                 <a:pPr marL="118872" indent="0">
@@ -6712,6 +7345,12 @@
                         <a:latin typeface="Cambria Math"/>
                       </a:rPr>
                       <m:t>=</m:t>
+                    </m:r>
+                    <m:r>
+                      <a:rPr lang="en-US" b="0" i="1" smtClean="0">
+                        <a:latin typeface="Cambria Math"/>
+                      </a:rPr>
+                      <m:t> </m:t>
                     </m:r>
                     <m:nary>
                       <m:naryPr>
@@ -6907,319 +7546,7 @@
                   <a:rPr lang="en-US" dirty="0" smtClean="0"/>
                   <a:t> </a:t>
                 </a:r>
-              </a:p>
-              <a:p>
-                <a:pPr marL="118872" indent="0">
-                  <a:buNone/>
-                </a:pPr>
                 <a:endParaRPr lang="en-US" dirty="0" smtClean="0"/>
-              </a:p>
-              <a:p>
-                <a:pPr marL="118872" indent="0">
-                  <a:buNone/>
-                </a:pPr>
-                <a:endParaRPr lang="en-US" dirty="0"/>
-              </a:p>
-              <a:p>
-                <a:pPr marL="118872" indent="0">
-                  <a:buNone/>
-                </a:pPr>
-                <a14:m>
-                  <m:oMath xmlns:m="http://schemas.openxmlformats.org/officeDocument/2006/math">
-                    <m:f>
-                      <m:fPr>
-                        <m:ctrlPr>
-                          <a:rPr lang="ru-RU" i="1"/>
-                        </m:ctrlPr>
-                      </m:fPr>
-                      <m:num>
-                        <m:r>
-                          <a:rPr lang="en-US" i="1"/>
-                          <m:t>𝜕</m:t>
-                        </m:r>
-                        <m:r>
-                          <a:rPr lang="en-US" i="1"/>
-                          <m:t>𝐿</m:t>
-                        </m:r>
-                      </m:num>
-                      <m:den>
-                        <m:r>
-                          <a:rPr lang="en-US" i="1"/>
-                          <m:t>𝜕</m:t>
-                        </m:r>
-                        <m:sSub>
-                          <m:sSubPr>
-                            <m:ctrlPr>
-                              <a:rPr lang="ru-RU" i="1"/>
-                            </m:ctrlPr>
-                          </m:sSubPr>
-                          <m:e>
-                            <m:r>
-                              <a:rPr lang="en-US" i="1"/>
-                              <m:t>𝑏</m:t>
-                            </m:r>
-                          </m:e>
-                          <m:sub>
-                            <m:r>
-                              <a:rPr lang="en-US" i="1"/>
-                              <m:t>𝑚</m:t>
-                            </m:r>
-                          </m:sub>
-                        </m:sSub>
-                      </m:den>
-                    </m:f>
-                    <m:r>
-                      <a:rPr lang="en-US" i="1"/>
-                      <m:t>=</m:t>
-                    </m:r>
-                    <m:d>
-                      <m:dPr>
-                        <m:ctrlPr>
-                          <a:rPr lang="ru-RU" i="1"/>
-                        </m:ctrlPr>
-                      </m:dPr>
-                      <m:e>
-                        <m:groupChr>
-                          <m:groupChrPr>
-                            <m:chr m:val="⏞"/>
-                            <m:pos m:val="top"/>
-                            <m:vertJc m:val="bot"/>
-                            <m:ctrlPr>
-                              <a:rPr lang="ru-RU" i="1"/>
-                            </m:ctrlPr>
-                          </m:groupChrPr>
-                          <m:e>
-                            <m:r>
-                              <a:rPr lang="en-US" i="1"/>
-                              <m:t>𝐹</m:t>
-                            </m:r>
-                          </m:e>
-                        </m:groupChr>
-                        <m:d>
-                          <m:dPr>
-                            <m:ctrlPr>
-                              <a:rPr lang="ru-RU" i="1"/>
-                            </m:ctrlPr>
-                          </m:dPr>
-                          <m:e>
-                            <m:sSub>
-                              <m:sSubPr>
-                                <m:ctrlPr>
-                                  <a:rPr lang="ru-RU" i="1"/>
-                                </m:ctrlPr>
-                              </m:sSubPr>
-                              <m:e>
-                                <m:r>
-                                  <a:rPr lang="en-US" i="1"/>
-                                  <m:t>𝑥</m:t>
-                                </m:r>
-                              </m:e>
-                              <m:sub>
-                                <m:r>
-                                  <a:rPr lang="en-US" i="1"/>
-                                  <m:t>𝑖</m:t>
-                                </m:r>
-                              </m:sub>
-                            </m:sSub>
-                          </m:e>
-                        </m:d>
-                        <m:r>
-                          <a:rPr lang="en-US" i="1"/>
-                          <m:t>−</m:t>
-                        </m:r>
-                        <m:sSub>
-                          <m:sSubPr>
-                            <m:ctrlPr>
-                              <a:rPr lang="ru-RU" i="1"/>
-                            </m:ctrlPr>
-                          </m:sSubPr>
-                          <m:e>
-                            <m:r>
-                              <a:rPr lang="en-US" i="1"/>
-                              <m:t>𝑦</m:t>
-                            </m:r>
-                          </m:e>
-                          <m:sub>
-                            <m:r>
-                              <a:rPr lang="en-US" i="1"/>
-                              <m:t>𝑖</m:t>
-                            </m:r>
-                          </m:sub>
-                        </m:sSub>
-                      </m:e>
-                    </m:d>
-                    <m:r>
-                      <a:rPr lang="en-US" i="1"/>
-                      <m:t>∙</m:t>
-                    </m:r>
-                    <m:sSub>
-                      <m:sSubPr>
-                        <m:ctrlPr>
-                          <a:rPr lang="ru-RU" i="1"/>
-                        </m:ctrlPr>
-                      </m:sSubPr>
-                      <m:e>
-                        <m:r>
-                          <a:rPr lang="en-US" i="1"/>
-                          <m:t>𝑆</m:t>
-                        </m:r>
-                      </m:e>
-                      <m:sub>
-                        <m:r>
-                          <a:rPr lang="en-US" i="1"/>
-                          <m:t>𝑚</m:t>
-                        </m:r>
-                      </m:sub>
-                    </m:sSub>
-                    <m:d>
-                      <m:dPr>
-                        <m:ctrlPr>
-                          <a:rPr lang="ru-RU" i="1"/>
-                        </m:ctrlPr>
-                      </m:dPr>
-                      <m:e>
-                        <m:nary>
-                          <m:naryPr>
-                            <m:chr m:val="∑"/>
-                            <m:limLoc m:val="undOvr"/>
-                            <m:ctrlPr>
-                              <a:rPr lang="ru-RU" i="1"/>
-                            </m:ctrlPr>
-                          </m:naryPr>
-                          <m:sub>
-                            <m:r>
-                              <a:rPr lang="en-US" i="1"/>
-                              <m:t>𝑗</m:t>
-                            </m:r>
-                            <m:r>
-                              <a:rPr lang="en-US" i="1"/>
-                              <m:t>=0</m:t>
-                            </m:r>
-                          </m:sub>
-                          <m:sup>
-                            <m:r>
-                              <a:rPr lang="en-US" i="1"/>
-                              <m:t>𝑛</m:t>
-                            </m:r>
-                          </m:sup>
-                          <m:e>
-                            <m:sSub>
-                              <m:sSubPr>
-                                <m:ctrlPr>
-                                  <a:rPr lang="ru-RU" i="1"/>
-                                </m:ctrlPr>
-                              </m:sSubPr>
-                              <m:e>
-                                <m:r>
-                                  <a:rPr lang="en-US" i="1"/>
-                                  <m:t>𝑎</m:t>
-                                </m:r>
-                              </m:e>
-                              <m:sub>
-                                <m:r>
-                                  <a:rPr lang="en-US" i="1"/>
-                                  <m:t>𝑗𝑚</m:t>
-                                </m:r>
-                              </m:sub>
-                            </m:sSub>
-                            <m:sSub>
-                              <m:sSubPr>
-                                <m:ctrlPr>
-                                  <a:rPr lang="ru-RU" i="1"/>
-                                </m:ctrlPr>
-                              </m:sSubPr>
-                              <m:e>
-                                <m:r>
-                                  <a:rPr lang="en-US" i="1"/>
-                                  <m:t>𝑥</m:t>
-                                </m:r>
-                              </m:e>
-                              <m:sub>
-                                <m:r>
-                                  <a:rPr lang="en-US" i="1"/>
-                                  <m:t>𝑗</m:t>
-                                </m:r>
-                              </m:sub>
-                            </m:sSub>
-                          </m:e>
-                        </m:nary>
-                      </m:e>
-                    </m:d>
-                    <m:r>
-                      <a:rPr lang="en-US" i="1"/>
-                      <m:t>="</m:t>
-                    </m:r>
-                    <m:r>
-                      <a:rPr lang="en-US" i="1"/>
-                      <m:t>𝑒𝑟𝑟𝑜𝑟</m:t>
-                    </m:r>
-                    <m:r>
-                      <a:rPr lang="en-US" i="1"/>
-                      <m:t>"∙"</m:t>
-                    </m:r>
-                    <m:r>
-                      <a:rPr lang="en-US" i="1"/>
-                      <m:t>𝑜𝑢𝑡𝑝𝑢𝑡</m:t>
-                    </m:r>
-                    <m:r>
-                      <a:rPr lang="en-US" i="1"/>
-                      <m:t> </m:t>
-                    </m:r>
-                    <m:r>
-                      <a:rPr lang="en-US" i="1"/>
-                      <m:t>𝑜𝑓</m:t>
-                    </m:r>
-                    <m:r>
-                      <a:rPr lang="en-US" i="1"/>
-                      <m:t> </m:t>
-                    </m:r>
-                    <m:r>
-                      <a:rPr lang="en-US" i="1"/>
-                      <m:t>𝑡h𝑒</m:t>
-                    </m:r>
-                    <m:r>
-                      <a:rPr lang="en-US" i="1"/>
-                      <m:t> </m:t>
-                    </m:r>
-                    <m:r>
-                      <a:rPr lang="en-US" i="1"/>
-                      <m:t>𝑚</m:t>
-                    </m:r>
-                    <m:r>
-                      <a:rPr lang="en-US" i="1"/>
-                      <m:t>′</m:t>
-                    </m:r>
-                    <m:r>
-                      <a:rPr lang="en-US" i="1"/>
-                      <m:t>𝑡h</m:t>
-                    </m:r>
-                    <m:r>
-                      <a:rPr lang="en-US" i="1"/>
-                      <m:t> </m:t>
-                    </m:r>
-                    <m:r>
-                      <a:rPr lang="en-US" i="1"/>
-                      <m:t>𝑖𝑛𝑡𝑒𝑟𝑛𝑎𝑙</m:t>
-                    </m:r>
-                    <m:r>
-                      <a:rPr lang="en-US" i="1"/>
-                      <m:t> </m:t>
-                    </m:r>
-                    <m:r>
-                      <a:rPr lang="en-US" i="1"/>
-                      <m:t>𝑛𝑜𝑑𝑒</m:t>
-                    </m:r>
-                    <m:r>
-                      <a:rPr lang="en-US" i="1"/>
-                      <m:t>"</m:t>
-                    </m:r>
-                  </m:oMath>
-                </a14:m>
-                <a:r>
-                  <a:rPr lang="en-US" dirty="0"/>
-                  <a:t> </a:t>
-                </a:r>
-                <a:endParaRPr lang="ru-RU" dirty="0"/>
               </a:p>
               <a:p>
                 <a:pPr marL="118872" indent="0">
@@ -7240,53 +7567,413 @@
                       <m:f>
                         <m:fPr>
                           <m:ctrlPr>
-                            <a:rPr lang="ru-RU" sz="2200" i="1"/>
+                            <a:rPr lang="ru-RU" sz="2300" i="1">
+                              <a:latin typeface="Cambria Math"/>
+                            </a:rPr>
                           </m:ctrlPr>
                         </m:fPr>
                         <m:num>
                           <m:r>
-                            <a:rPr lang="en-US" sz="2200" i="1"/>
+                            <a:rPr lang="en-US" sz="2300" i="1">
+                              <a:latin typeface="Cambria Math"/>
+                            </a:rPr>
                             <m:t>𝜕</m:t>
                           </m:r>
                           <m:r>
-                            <a:rPr lang="en-US" sz="2200" i="1"/>
+                            <a:rPr lang="en-US" sz="2300" i="1">
+                              <a:latin typeface="Cambria Math"/>
+                            </a:rPr>
                             <m:t>𝐿</m:t>
                           </m:r>
                         </m:num>
                         <m:den>
                           <m:r>
-                            <a:rPr lang="en-US" sz="2200" i="1"/>
+                            <a:rPr lang="en-US" sz="2300" i="1">
+                              <a:latin typeface="Cambria Math"/>
+                            </a:rPr>
                             <m:t>𝜕</m:t>
                           </m:r>
                           <m:sSub>
                             <m:sSubPr>
                               <m:ctrlPr>
-                                <a:rPr lang="ru-RU" sz="2200" i="1"/>
+                                <a:rPr lang="ru-RU" sz="2300" i="1">
+                                  <a:latin typeface="Cambria Math"/>
+                                </a:rPr>
                               </m:ctrlPr>
                             </m:sSubPr>
                             <m:e>
                               <m:r>
-                                <a:rPr lang="en-US" sz="2200" i="1"/>
-                                <m:t>𝑎</m:t>
+                                <a:rPr lang="en-US" sz="2300" i="1">
+                                  <a:latin typeface="Cambria Math"/>
+                                </a:rPr>
+                                <m:t>𝑏</m:t>
                               </m:r>
                             </m:e>
                             <m:sub>
                               <m:r>
-                                <a:rPr lang="en-US" sz="2200" i="1"/>
-                                <m:t>𝑗𝑚</m:t>
+                                <a:rPr lang="en-US" sz="2300" i="1">
+                                  <a:latin typeface="Cambria Math"/>
+                                </a:rPr>
+                                <m:t>𝑚</m:t>
                               </m:r>
                             </m:sub>
                           </m:sSub>
                         </m:den>
                       </m:f>
                       <m:r>
-                        <a:rPr lang="en-US" sz="2200" i="1"/>
+                        <a:rPr lang="en-US" sz="2300" i="1">
+                          <a:latin typeface="Cambria Math"/>
+                        </a:rPr>
+                        <m:t>=</m:t>
+                      </m:r>
+                      <m:f>
+                        <m:fPr>
+                          <m:ctrlPr>
+                            <a:rPr lang="en-US" sz="2300" i="1">
+                              <a:latin typeface="Cambria Math"/>
+                            </a:rPr>
+                          </m:ctrlPr>
+                        </m:fPr>
+                        <m:num>
+                          <m:r>
+                            <a:rPr lang="en-US" sz="2300" i="1">
+                              <a:latin typeface="Cambria Math"/>
+                            </a:rPr>
+                            <m:t>𝑑𝐿</m:t>
+                          </m:r>
+                        </m:num>
+                        <m:den>
+                          <m:r>
+                            <a:rPr lang="en-US" sz="2300" i="1">
+                              <a:latin typeface="Cambria Math"/>
+                            </a:rPr>
+                            <m:t>𝑑𝑟</m:t>
+                          </m:r>
+                        </m:den>
+                      </m:f>
+                      <m:r>
+                        <a:rPr lang="en-US" sz="2300" i="1" smtClean="0">
+                          <a:latin typeface="Cambria Math"/>
+                          <a:ea typeface="Cambria Math"/>
+                        </a:rPr>
+                        <m:t>∙</m:t>
+                      </m:r>
+                      <m:f>
+                        <m:fPr>
+                          <m:ctrlPr>
+                            <a:rPr lang="ru-RU" sz="2300" i="1">
+                              <a:latin typeface="Cambria Math"/>
+                            </a:rPr>
+                          </m:ctrlPr>
+                        </m:fPr>
+                        <m:num>
+                          <m:r>
+                            <a:rPr lang="en-US" sz="2300" i="1">
+                              <a:latin typeface="Cambria Math"/>
+                            </a:rPr>
+                            <m:t>𝜕</m:t>
+                          </m:r>
+                          <m:r>
+                            <a:rPr lang="en-US" sz="2300" b="0" i="1" smtClean="0">
+                              <a:latin typeface="Cambria Math"/>
+                            </a:rPr>
+                            <m:t>𝑟</m:t>
+                          </m:r>
+                        </m:num>
+                        <m:den>
+                          <m:r>
+                            <a:rPr lang="en-US" sz="2300" i="1">
+                              <a:latin typeface="Cambria Math"/>
+                            </a:rPr>
+                            <m:t>𝜕</m:t>
+                          </m:r>
+                          <m:sSub>
+                            <m:sSubPr>
+                              <m:ctrlPr>
+                                <a:rPr lang="ru-RU" sz="2300" i="1">
+                                  <a:latin typeface="Cambria Math"/>
+                                </a:rPr>
+                              </m:ctrlPr>
+                            </m:sSubPr>
+                            <m:e>
+                              <m:r>
+                                <a:rPr lang="en-US" sz="2300" i="1">
+                                  <a:latin typeface="Cambria Math"/>
+                                </a:rPr>
+                                <m:t>𝑏</m:t>
+                              </m:r>
+                            </m:e>
+                            <m:sub>
+                              <m:r>
+                                <a:rPr lang="en-US" sz="2300" i="1">
+                                  <a:latin typeface="Cambria Math"/>
+                                </a:rPr>
+                                <m:t>𝑚</m:t>
+                              </m:r>
+                            </m:sub>
+                          </m:sSub>
+                        </m:den>
+                      </m:f>
+                      <m:r>
+                        <a:rPr lang="en-US" sz="2300" b="0" i="1" smtClean="0">
+                          <a:latin typeface="Cambria Math"/>
+                        </a:rPr>
                         <m:t>=</m:t>
                       </m:r>
                       <m:d>
                         <m:dPr>
                           <m:ctrlPr>
-                            <a:rPr lang="ru-RU" sz="2200" i="1"/>
+                            <a:rPr lang="en-US" sz="2300" b="0" i="1" smtClean="0">
+                              <a:latin typeface="Cambria Math"/>
+                            </a:rPr>
+                          </m:ctrlPr>
+                        </m:dPr>
+                        <m:e>
+                          <m:sSub>
+                            <m:sSubPr>
+                              <m:ctrlPr>
+                                <a:rPr lang="ru-RU" sz="2300" i="1">
+                                  <a:latin typeface="Cambria Math"/>
+                                </a:rPr>
+                              </m:ctrlPr>
+                            </m:sSubPr>
+                            <m:e>
+                              <m:r>
+                                <a:rPr lang="en-US" sz="2300" i="1">
+                                  <a:latin typeface="Cambria Math"/>
+                                </a:rPr>
+                                <m:t>𝑦</m:t>
+                              </m:r>
+                            </m:e>
+                            <m:sub>
+                              <m:r>
+                                <a:rPr lang="en-US" sz="2300" i="1">
+                                  <a:latin typeface="Cambria Math"/>
+                                </a:rPr>
+                                <m:t>𝑖</m:t>
+                              </m:r>
+                            </m:sub>
+                          </m:sSub>
+                          <m:r>
+                            <a:rPr lang="en-US" sz="2300" i="1">
+                              <a:latin typeface="Cambria Math"/>
+                            </a:rPr>
+                            <m:t>−</m:t>
+                          </m:r>
+                          <m:groupChr>
+                            <m:groupChrPr>
+                              <m:chr m:val="⏞"/>
+                              <m:pos m:val="top"/>
+                              <m:vertJc m:val="bot"/>
+                              <m:ctrlPr>
+                                <a:rPr lang="ru-RU" sz="2300" i="1">
+                                  <a:latin typeface="Cambria Math"/>
+                                </a:rPr>
+                              </m:ctrlPr>
+                            </m:groupChrPr>
+                            <m:e>
+                              <m:r>
+                                <a:rPr lang="en-US" sz="2300" i="1">
+                                  <a:latin typeface="Cambria Math"/>
+                                </a:rPr>
+                                <m:t>𝐹</m:t>
+                              </m:r>
+                            </m:e>
+                          </m:groupChr>
+                          <m:d>
+                            <m:dPr>
+                              <m:ctrlPr>
+                                <a:rPr lang="ru-RU" sz="2300" i="1">
+                                  <a:latin typeface="Cambria Math"/>
+                                </a:rPr>
+                              </m:ctrlPr>
+                            </m:dPr>
+                            <m:e>
+                              <m:sSub>
+                                <m:sSubPr>
+                                  <m:ctrlPr>
+                                    <a:rPr lang="ru-RU" sz="2300" i="1">
+                                      <a:latin typeface="Cambria Math"/>
+                                    </a:rPr>
+                                  </m:ctrlPr>
+                                </m:sSubPr>
+                                <m:e>
+                                  <m:r>
+                                    <a:rPr lang="en-US" sz="2300" i="1">
+                                      <a:latin typeface="Cambria Math"/>
+                                    </a:rPr>
+                                    <m:t>𝑥</m:t>
+                                  </m:r>
+                                </m:e>
+                                <m:sub>
+                                  <m:r>
+                                    <a:rPr lang="en-US" sz="2300" i="1">
+                                      <a:latin typeface="Cambria Math"/>
+                                    </a:rPr>
+                                    <m:t>𝑖</m:t>
+                                  </m:r>
+                                </m:sub>
+                              </m:sSub>
+                            </m:e>
+                          </m:d>
+                        </m:e>
+                      </m:d>
+                      <m:r>
+                        <a:rPr lang="en-US" sz="2300" b="0" i="1" smtClean="0">
+                          <a:latin typeface="Cambria Math"/>
+                          <a:ea typeface="Cambria Math"/>
+                        </a:rPr>
+                        <m:t>∙</m:t>
+                      </m:r>
+                      <m:f>
+                        <m:fPr>
+                          <m:ctrlPr>
+                            <a:rPr lang="en-US" sz="2300" b="0" i="1" smtClean="0">
+                              <a:latin typeface="Cambria Math"/>
+                              <a:ea typeface="Cambria Math"/>
+                            </a:rPr>
+                          </m:ctrlPr>
+                        </m:fPr>
+                        <m:num>
+                          <m:r>
+                            <a:rPr lang="en-US" sz="2300" b="0" i="1" smtClean="0">
+                              <a:latin typeface="Cambria Math"/>
+                              <a:ea typeface="Cambria Math"/>
+                            </a:rPr>
+                            <m:t>𝑑</m:t>
+                          </m:r>
+                          <m:d>
+                            <m:dPr>
+                              <m:ctrlPr>
+                                <a:rPr lang="en-US" sz="2300" b="0" i="1" smtClean="0">
+                                  <a:latin typeface="Cambria Math"/>
+                                  <a:ea typeface="Cambria Math"/>
+                                </a:rPr>
+                              </m:ctrlPr>
+                            </m:dPr>
+                            <m:e>
+                              <m:r>
+                                <a:rPr lang="en-US" sz="2300" i="1">
+                                  <a:latin typeface="Cambria Math"/>
+                                </a:rPr>
+                                <m:t>−</m:t>
+                              </m:r>
+                              <m:groupChr>
+                                <m:groupChrPr>
+                                  <m:chr m:val="⏞"/>
+                                  <m:pos m:val="top"/>
+                                  <m:vertJc m:val="bot"/>
+                                  <m:ctrlPr>
+                                    <a:rPr lang="ru-RU" sz="2300" i="1">
+                                      <a:latin typeface="Cambria Math"/>
+                                    </a:rPr>
+                                  </m:ctrlPr>
+                                </m:groupChrPr>
+                                <m:e>
+                                  <m:r>
+                                    <a:rPr lang="en-US" sz="2300" i="1">
+                                      <a:latin typeface="Cambria Math"/>
+                                    </a:rPr>
+                                    <m:t>𝐹</m:t>
+                                  </m:r>
+                                </m:e>
+                              </m:groupChr>
+                              <m:d>
+                                <m:dPr>
+                                  <m:ctrlPr>
+                                    <a:rPr lang="ru-RU" sz="2300" i="1">
+                                      <a:latin typeface="Cambria Math"/>
+                                    </a:rPr>
+                                  </m:ctrlPr>
+                                </m:dPr>
+                                <m:e>
+                                  <m:sSub>
+                                    <m:sSubPr>
+                                      <m:ctrlPr>
+                                        <a:rPr lang="ru-RU" sz="2300" i="1">
+                                          <a:latin typeface="Cambria Math"/>
+                                        </a:rPr>
+                                      </m:ctrlPr>
+                                    </m:sSubPr>
+                                    <m:e>
+                                      <m:r>
+                                        <a:rPr lang="en-US" sz="2300" i="1">
+                                          <a:latin typeface="Cambria Math"/>
+                                        </a:rPr>
+                                        <m:t>𝑥</m:t>
+                                      </m:r>
+                                    </m:e>
+                                    <m:sub>
+                                      <m:r>
+                                        <a:rPr lang="en-US" sz="2300" i="1">
+                                          <a:latin typeface="Cambria Math"/>
+                                        </a:rPr>
+                                        <m:t>𝑖</m:t>
+                                      </m:r>
+                                    </m:sub>
+                                  </m:sSub>
+                                </m:e>
+                              </m:d>
+                              <m:r>
+                                <m:rPr>
+                                  <m:nor/>
+                                </m:rPr>
+                                <a:rPr lang="en-US" sz="2300" dirty="0"/>
+                                <m:t>)</m:t>
+                              </m:r>
+                            </m:e>
+                          </m:d>
+                        </m:num>
+                        <m:den>
+                          <m:r>
+                            <a:rPr lang="en-US" sz="2300" b="0" i="1" smtClean="0">
+                              <a:latin typeface="Cambria Math"/>
+                              <a:ea typeface="Cambria Math"/>
+                            </a:rPr>
+                            <m:t>𝑑</m:t>
+                          </m:r>
+                          <m:sSub>
+                            <m:sSubPr>
+                              <m:ctrlPr>
+                                <a:rPr lang="en-US" sz="2300" b="0" i="1" smtClean="0">
+                                  <a:latin typeface="Cambria Math"/>
+                                  <a:ea typeface="Cambria Math"/>
+                                </a:rPr>
+                              </m:ctrlPr>
+                            </m:sSubPr>
+                            <m:e>
+                              <m:r>
+                                <a:rPr lang="en-US" sz="2300" b="0" i="1" smtClean="0">
+                                  <a:latin typeface="Cambria Math"/>
+                                  <a:ea typeface="Cambria Math"/>
+                                </a:rPr>
+                                <m:t>𝑏</m:t>
+                              </m:r>
+                            </m:e>
+                            <m:sub>
+                              <m:r>
+                                <a:rPr lang="en-US" sz="2300" b="0" i="1" smtClean="0">
+                                  <a:latin typeface="Cambria Math"/>
+                                  <a:ea typeface="Cambria Math"/>
+                                </a:rPr>
+                                <m:t>𝑚</m:t>
+                              </m:r>
+                            </m:sub>
+                          </m:sSub>
+                        </m:den>
+                      </m:f>
+                      <m:r>
+                        <a:rPr lang="en-US" sz="2300" b="0" i="1" smtClean="0">
+                          <a:latin typeface="Cambria Math"/>
+                        </a:rPr>
+                        <m:t>=</m:t>
+                      </m:r>
+                      <m:d>
+                        <m:dPr>
+                          <m:ctrlPr>
+                            <a:rPr lang="ru-RU" sz="2300" i="1">
+                              <a:latin typeface="Cambria Math"/>
+                            </a:rPr>
                           </m:ctrlPr>
                         </m:dPr>
                         <m:e>
@@ -7296,12 +7983,16 @@
                               <m:pos m:val="top"/>
                               <m:vertJc m:val="bot"/>
                               <m:ctrlPr>
-                                <a:rPr lang="ru-RU" sz="2200" i="1"/>
+                                <a:rPr lang="ru-RU" sz="2300" i="1">
+                                  <a:latin typeface="Cambria Math"/>
+                                </a:rPr>
                               </m:ctrlPr>
                             </m:groupChrPr>
                             <m:e>
                               <m:r>
-                                <a:rPr lang="en-US" sz="2200" i="1"/>
+                                <a:rPr lang="en-US" sz="2300" i="1">
+                                  <a:latin typeface="Cambria Math"/>
+                                </a:rPr>
                                 <m:t>𝐹</m:t>
                               </m:r>
                             </m:e>
@@ -7309,25 +8000,33 @@
                           <m:d>
                             <m:dPr>
                               <m:ctrlPr>
-                                <a:rPr lang="ru-RU" sz="2200" i="1"/>
+                                <a:rPr lang="ru-RU" sz="2300" i="1">
+                                  <a:latin typeface="Cambria Math"/>
+                                </a:rPr>
                               </m:ctrlPr>
                             </m:dPr>
                             <m:e>
                               <m:sSub>
                                 <m:sSubPr>
                                   <m:ctrlPr>
-                                    <a:rPr lang="ru-RU" sz="2200" i="1"/>
+                                    <a:rPr lang="ru-RU" sz="2300" i="1">
+                                      <a:latin typeface="Cambria Math"/>
+                                    </a:rPr>
                                   </m:ctrlPr>
                                 </m:sSubPr>
                                 <m:e>
                                   <m:r>
-                                    <a:rPr lang="en-US" sz="2200" i="1"/>
+                                    <a:rPr lang="en-US" sz="2300" i="1">
+                                      <a:latin typeface="Cambria Math"/>
+                                    </a:rPr>
                                     <m:t>𝑥</m:t>
                                   </m:r>
                                 </m:e>
                                 <m:sub>
                                   <m:r>
-                                    <a:rPr lang="en-US" sz="2200" i="1"/>
+                                    <a:rPr lang="en-US" sz="2300" i="1">
+                                      <a:latin typeface="Cambria Math"/>
+                                    </a:rPr>
                                     <m:t>𝑖</m:t>
                                   </m:r>
                                 </m:sub>
@@ -7335,61 +8034,75 @@
                             </m:e>
                           </m:d>
                           <m:r>
-                            <a:rPr lang="en-US" sz="2200" i="1"/>
+                            <a:rPr lang="en-US" sz="2300" i="1">
+                              <a:latin typeface="Cambria Math"/>
+                            </a:rPr>
                             <m:t>−</m:t>
                           </m:r>
                           <m:sSub>
                             <m:sSubPr>
                               <m:ctrlPr>
-                                <a:rPr lang="ru-RU" sz="2200" i="1"/>
+                                <a:rPr lang="ru-RU" sz="2300" i="1">
+                                  <a:latin typeface="Cambria Math"/>
+                                </a:rPr>
                               </m:ctrlPr>
                             </m:sSubPr>
                             <m:e>
                               <m:r>
-                                <a:rPr lang="en-US" sz="2200" i="1"/>
+                                <a:rPr lang="en-US" sz="2300" i="1">
+                                  <a:latin typeface="Cambria Math"/>
+                                </a:rPr>
                                 <m:t>𝑦</m:t>
                               </m:r>
                             </m:e>
                             <m:sub>
                               <m:r>
-                                <a:rPr lang="en-US" sz="2200" i="1"/>
+                                <a:rPr lang="en-US" sz="2300" i="1">
+                                  <a:latin typeface="Cambria Math"/>
+                                </a:rPr>
                                 <m:t>𝑖</m:t>
                               </m:r>
                             </m:sub>
                           </m:sSub>
                         </m:e>
                       </m:d>
+                      <m:r>
+                        <a:rPr lang="en-US" sz="2300" i="1">
+                          <a:latin typeface="Cambria Math"/>
+                        </a:rPr>
+                        <m:t>∙</m:t>
+                      </m:r>
                       <m:sSub>
                         <m:sSubPr>
                           <m:ctrlPr>
-                            <a:rPr lang="ru-RU" sz="2200" i="1"/>
+                            <a:rPr lang="ru-RU" sz="2300" i="1">
+                              <a:latin typeface="Cambria Math"/>
+                            </a:rPr>
                           </m:ctrlPr>
                         </m:sSubPr>
                         <m:e>
                           <m:r>
-                            <a:rPr lang="en-US" sz="2200" i="1"/>
-                            <m:t>𝑏</m:t>
+                            <a:rPr lang="en-US" sz="2300" i="1">
+                              <a:latin typeface="Cambria Math"/>
+                            </a:rPr>
+                            <m:t>𝑆</m:t>
                           </m:r>
                         </m:e>
                         <m:sub>
                           <m:r>
-                            <a:rPr lang="en-US" sz="2200" i="1"/>
+                            <a:rPr lang="en-US" sz="2300" i="1">
+                              <a:latin typeface="Cambria Math"/>
+                            </a:rPr>
                             <m:t>𝑚</m:t>
                           </m:r>
                         </m:sub>
                       </m:sSub>
-                      <m:r>
-                        <a:rPr lang="en-US" sz="2200" i="1"/>
-                        <m:t>∙</m:t>
-                      </m:r>
-                      <m:r>
-                        <a:rPr lang="en-US" sz="2200" i="1"/>
-                        <m:t>𝑆</m:t>
-                      </m:r>
                       <m:d>
                         <m:dPr>
                           <m:ctrlPr>
-                            <a:rPr lang="ru-RU" sz="2200" i="1"/>
+                            <a:rPr lang="ru-RU" sz="2300" i="1">
+                              <a:latin typeface="Cambria Math"/>
+                            </a:rPr>
                           </m:ctrlPr>
                         </m:dPr>
                         <m:e>
@@ -7398,22 +8111,30 @@
                               <m:chr m:val="∑"/>
                               <m:limLoc m:val="undOvr"/>
                               <m:ctrlPr>
-                                <a:rPr lang="ru-RU" sz="2200" i="1"/>
+                                <a:rPr lang="ru-RU" sz="2300" i="1">
+                                  <a:latin typeface="Cambria Math"/>
+                                </a:rPr>
                               </m:ctrlPr>
                             </m:naryPr>
                             <m:sub>
                               <m:r>
-                                <a:rPr lang="en-US" sz="2200" i="1"/>
+                                <a:rPr lang="en-US" sz="2300" i="1">
+                                  <a:latin typeface="Cambria Math"/>
+                                </a:rPr>
                                 <m:t>𝑗</m:t>
                               </m:r>
                               <m:r>
-                                <a:rPr lang="en-US" sz="2200" i="1"/>
+                                <a:rPr lang="en-US" sz="2300" i="1">
+                                  <a:latin typeface="Cambria Math"/>
+                                </a:rPr>
                                 <m:t>=0</m:t>
                               </m:r>
                             </m:sub>
                             <m:sup>
                               <m:r>
-                                <a:rPr lang="en-US" sz="2200" i="1"/>
+                                <a:rPr lang="en-US" sz="2300" i="1">
+                                  <a:latin typeface="Cambria Math"/>
+                                </a:rPr>
                                 <m:t>𝑛</m:t>
                               </m:r>
                             </m:sup>
@@ -7421,18 +8142,24 @@
                               <m:sSub>
                                 <m:sSubPr>
                                   <m:ctrlPr>
-                                    <a:rPr lang="ru-RU" sz="2200" i="1"/>
+                                    <a:rPr lang="ru-RU" sz="2300" i="1">
+                                      <a:latin typeface="Cambria Math"/>
+                                    </a:rPr>
                                   </m:ctrlPr>
                                 </m:sSubPr>
                                 <m:e>
                                   <m:r>
-                                    <a:rPr lang="en-US" sz="2200" i="1"/>
+                                    <a:rPr lang="en-US" sz="2300" i="1">
+                                      <a:latin typeface="Cambria Math"/>
+                                    </a:rPr>
                                     <m:t>𝑎</m:t>
                                   </m:r>
                                 </m:e>
                                 <m:sub>
                                   <m:r>
-                                    <a:rPr lang="en-US" sz="2200" i="1"/>
+                                    <a:rPr lang="en-US" sz="2300" i="1">
+                                      <a:latin typeface="Cambria Math"/>
+                                    </a:rPr>
                                     <m:t>𝑗𝑚</m:t>
                                   </m:r>
                                 </m:sub>
@@ -7440,18 +8167,24 @@
                               <m:sSub>
                                 <m:sSubPr>
                                   <m:ctrlPr>
-                                    <a:rPr lang="ru-RU" sz="2200" i="1"/>
+                                    <a:rPr lang="ru-RU" sz="2300" i="1">
+                                      <a:latin typeface="Cambria Math"/>
+                                    </a:rPr>
                                   </m:ctrlPr>
                                 </m:sSubPr>
                                 <m:e>
                                   <m:r>
-                                    <a:rPr lang="en-US" sz="2200" i="1"/>
+                                    <a:rPr lang="en-US" sz="2300" i="1">
+                                      <a:latin typeface="Cambria Math"/>
+                                    </a:rPr>
                                     <m:t>𝑥</m:t>
                                   </m:r>
                                 </m:e>
                                 <m:sub>
                                   <m:r>
-                                    <a:rPr lang="en-US" sz="2200" i="1"/>
+                                    <a:rPr lang="en-US" sz="2300" i="1">
+                                      <a:latin typeface="Cambria Math"/>
+                                    </a:rPr>
                                     <m:t>𝑗</m:t>
                                   </m:r>
                                 </m:sub>
@@ -7460,123 +8193,209 @@
                           </m:nary>
                         </m:e>
                       </m:d>
-                      <m:d>
-                        <m:dPr>
-                          <m:ctrlPr>
-                            <a:rPr lang="ru-RU" sz="2200" i="1"/>
-                          </m:ctrlPr>
-                        </m:dPr>
-                        <m:e>
-                          <m:r>
-                            <a:rPr lang="en-US" sz="2200" i="1"/>
-                            <m:t>1−</m:t>
-                          </m:r>
-                          <m:r>
-                            <a:rPr lang="en-US" sz="2200" i="1"/>
-                            <m:t>𝑆</m:t>
-                          </m:r>
-                          <m:d>
-                            <m:dPr>
-                              <m:ctrlPr>
-                                <a:rPr lang="ru-RU" sz="2200" i="1"/>
-                              </m:ctrlPr>
-                            </m:dPr>
-                            <m:e>
-                              <m:nary>
-                                <m:naryPr>
-                                  <m:chr m:val="∑"/>
-                                  <m:limLoc m:val="undOvr"/>
-                                  <m:ctrlPr>
-                                    <a:rPr lang="ru-RU" sz="2200" i="1"/>
-                                  </m:ctrlPr>
-                                </m:naryPr>
-                                <m:sub>
-                                  <m:r>
-                                    <a:rPr lang="en-US" sz="2200" i="1"/>
-                                    <m:t>𝑗</m:t>
-                                  </m:r>
-                                  <m:r>
-                                    <a:rPr lang="en-US" sz="2200" i="1"/>
-                                    <m:t>=0</m:t>
-                                  </m:r>
-                                </m:sub>
-                                <m:sup>
-                                  <m:r>
-                                    <a:rPr lang="en-US" sz="2200" i="1"/>
-                                    <m:t>𝑛</m:t>
-                                  </m:r>
-                                </m:sup>
-                                <m:e>
-                                  <m:sSub>
-                                    <m:sSubPr>
-                                      <m:ctrlPr>
-                                        <a:rPr lang="ru-RU" sz="2200" i="1"/>
-                                      </m:ctrlPr>
-                                    </m:sSubPr>
-                                    <m:e>
-                                      <m:r>
-                                        <a:rPr lang="en-US" sz="2200" i="1"/>
-                                        <m:t>𝑎</m:t>
-                                      </m:r>
-                                    </m:e>
-                                    <m:sub>
-                                      <m:r>
-                                        <a:rPr lang="en-US" sz="2200" i="1"/>
-                                        <m:t>𝑗𝑚</m:t>
-                                      </m:r>
-                                    </m:sub>
-                                  </m:sSub>
-                                  <m:sSub>
-                                    <m:sSubPr>
-                                      <m:ctrlPr>
-                                        <a:rPr lang="ru-RU" sz="2200" i="1"/>
-                                      </m:ctrlPr>
-                                    </m:sSubPr>
-                                    <m:e>
-                                      <m:r>
-                                        <a:rPr lang="en-US" sz="2200" i="1"/>
-                                        <m:t>𝑥</m:t>
-                                      </m:r>
-                                    </m:e>
-                                    <m:sub>
-                                      <m:r>
-                                        <a:rPr lang="en-US" sz="2200" i="1"/>
-                                        <m:t>𝑗</m:t>
-                                      </m:r>
-                                    </m:sub>
-                                  </m:sSub>
-                                </m:e>
-                              </m:nary>
-                            </m:e>
-                          </m:d>
-                        </m:e>
-                      </m:d>
-                      <m:r>
-                        <a:rPr lang="en-US" sz="2200" i="1"/>
-                        <m:t>∙</m:t>
-                      </m:r>
-                      <m:sSub>
-                        <m:sSubPr>
-                          <m:ctrlPr>
-                            <a:rPr lang="ru-RU" sz="2200" i="1"/>
-                          </m:ctrlPr>
-                        </m:sSubPr>
-                        <m:e>
-                          <m:r>
-                            <a:rPr lang="en-US" sz="2200" i="1"/>
-                            <m:t>𝑥</m:t>
-                          </m:r>
-                        </m:e>
-                        <m:sub>
-                          <m:r>
-                            <a:rPr lang="en-US" sz="2200" i="1"/>
-                            <m:t>𝑗</m:t>
-                          </m:r>
-                        </m:sub>
-                      </m:sSub>
                     </m:oMath>
                   </m:oMathPara>
                 </a14:m>
+                <a:endParaRPr lang="en-US" sz="2300" i="1" dirty="0" smtClean="0">
+                  <a:latin typeface="Cambria Math"/>
+                </a:endParaRPr>
+              </a:p>
+              <a:p>
+                <a:pPr marL="118872" indent="0">
+                  <a:buNone/>
+                </a:pPr>
+                <a:endParaRPr lang="en-US" sz="2300" i="1" dirty="0" smtClean="0">
+                  <a:latin typeface="Cambria Math"/>
+                </a:endParaRPr>
+              </a:p>
+              <a:p>
+                <a:pPr marL="118872" indent="0">
+                  <a:buNone/>
+                </a:pPr>
+                <a14:m>
+                  <m:oMath xmlns:m="http://schemas.openxmlformats.org/officeDocument/2006/math">
+                    <m:f>
+                      <m:fPr>
+                        <m:ctrlPr>
+                          <a:rPr lang="ru-RU" sz="2300" i="1">
+                            <a:latin typeface="Cambria Math"/>
+                          </a:rPr>
+                        </m:ctrlPr>
+                      </m:fPr>
+                      <m:num>
+                        <m:r>
+                          <a:rPr lang="en-US" sz="2300" i="1">
+                            <a:latin typeface="Cambria Math"/>
+                          </a:rPr>
+                          <m:t>𝜕</m:t>
+                        </m:r>
+                        <m:r>
+                          <a:rPr lang="en-US" sz="2300" i="1">
+                            <a:latin typeface="Cambria Math"/>
+                          </a:rPr>
+                          <m:t>𝐿</m:t>
+                        </m:r>
+                      </m:num>
+                      <m:den>
+                        <m:r>
+                          <a:rPr lang="en-US" sz="2300" i="1">
+                            <a:latin typeface="Cambria Math"/>
+                          </a:rPr>
+                          <m:t>𝜕</m:t>
+                        </m:r>
+                        <m:sSub>
+                          <m:sSubPr>
+                            <m:ctrlPr>
+                              <a:rPr lang="ru-RU" sz="2300" i="1">
+                                <a:latin typeface="Cambria Math"/>
+                              </a:rPr>
+                            </m:ctrlPr>
+                          </m:sSubPr>
+                          <m:e>
+                            <m:r>
+                              <a:rPr lang="en-US" sz="2300" i="1">
+                                <a:latin typeface="Cambria Math"/>
+                              </a:rPr>
+                              <m:t>𝑏</m:t>
+                            </m:r>
+                          </m:e>
+                          <m:sub>
+                            <m:r>
+                              <a:rPr lang="en-US" sz="2300" i="1">
+                                <a:latin typeface="Cambria Math"/>
+                              </a:rPr>
+                              <m:t>𝑚</m:t>
+                            </m:r>
+                          </m:sub>
+                        </m:sSub>
+                      </m:den>
+                    </m:f>
+                    <m:r>
+                      <a:rPr lang="en-US" sz="2300" b="0" i="1" smtClean="0">
+                        <a:latin typeface="Cambria Math"/>
+                      </a:rPr>
+                      <m:t>=</m:t>
+                    </m:r>
+                    <m:r>
+                      <a:rPr lang="en-US" sz="2300" i="1">
+                        <a:latin typeface="Cambria Math"/>
+                      </a:rPr>
+                      <m:t>"</m:t>
+                    </m:r>
+                    <m:r>
+                      <a:rPr lang="en-US" sz="2300" i="1">
+                        <a:latin typeface="Cambria Math"/>
+                      </a:rPr>
+                      <m:t>𝑒𝑟𝑟𝑜𝑟</m:t>
+                    </m:r>
+                    <m:r>
+                      <a:rPr lang="en-US" sz="2300" i="1">
+                        <a:latin typeface="Cambria Math"/>
+                      </a:rPr>
+                      <m:t>"∙"</m:t>
+                    </m:r>
+                    <m:r>
+                      <a:rPr lang="en-US" sz="2300" i="1">
+                        <a:latin typeface="Cambria Math"/>
+                      </a:rPr>
+                      <m:t>𝑜𝑢𝑡𝑝𝑢𝑡</m:t>
+                    </m:r>
+                    <m:r>
+                      <a:rPr lang="en-US" sz="2300" i="1">
+                        <a:latin typeface="Cambria Math"/>
+                      </a:rPr>
+                      <m:t> </m:t>
+                    </m:r>
+                    <m:r>
+                      <a:rPr lang="en-US" sz="2300" i="1">
+                        <a:latin typeface="Cambria Math"/>
+                      </a:rPr>
+                      <m:t>𝑜𝑓</m:t>
+                    </m:r>
+                    <m:r>
+                      <a:rPr lang="en-US" sz="2300" i="1">
+                        <a:latin typeface="Cambria Math"/>
+                      </a:rPr>
+                      <m:t> </m:t>
+                    </m:r>
+                    <m:r>
+                      <a:rPr lang="en-US" sz="2300" i="1">
+                        <a:latin typeface="Cambria Math"/>
+                      </a:rPr>
+                      <m:t>𝑡h𝑒</m:t>
+                    </m:r>
+                    <m:r>
+                      <a:rPr lang="en-US" sz="2300" i="1">
+                        <a:latin typeface="Cambria Math"/>
+                      </a:rPr>
+                      <m:t> </m:t>
+                    </m:r>
+                    <m:r>
+                      <a:rPr lang="en-US" sz="2300" i="1">
+                        <a:latin typeface="Cambria Math"/>
+                      </a:rPr>
+                      <m:t>𝑚</m:t>
+                    </m:r>
+                    <m:r>
+                      <a:rPr lang="en-US" sz="2300" i="1">
+                        <a:latin typeface="Cambria Math"/>
+                      </a:rPr>
+                      <m:t>′</m:t>
+                    </m:r>
+                    <m:r>
+                      <a:rPr lang="en-US" sz="2300" i="1">
+                        <a:latin typeface="Cambria Math"/>
+                      </a:rPr>
+                      <m:t>𝑡h</m:t>
+                    </m:r>
+                    <m:r>
+                      <a:rPr lang="en-US" sz="2300" i="1">
+                        <a:latin typeface="Cambria Math"/>
+                      </a:rPr>
+                      <m:t> </m:t>
+                    </m:r>
+                    <m:r>
+                      <a:rPr lang="en-US" sz="2300" i="1">
+                        <a:latin typeface="Cambria Math"/>
+                      </a:rPr>
+                      <m:t>𝑖𝑛𝑡𝑒𝑟𝑛𝑎𝑙</m:t>
+                    </m:r>
+                    <m:r>
+                      <a:rPr lang="en-US" sz="2300" i="1">
+                        <a:latin typeface="Cambria Math"/>
+                      </a:rPr>
+                      <m:t> </m:t>
+                    </m:r>
+                    <m:r>
+                      <a:rPr lang="en-US" sz="2300" i="1">
+                        <a:latin typeface="Cambria Math"/>
+                      </a:rPr>
+                      <m:t>𝑛𝑜𝑑𝑒</m:t>
+                    </m:r>
+                    <m:r>
+                      <a:rPr lang="en-US" sz="2300" i="1">
+                        <a:latin typeface="Cambria Math"/>
+                      </a:rPr>
+                      <m:t>"</m:t>
+                    </m:r>
+                  </m:oMath>
+                </a14:m>
+                <a:r>
+                  <a:rPr lang="en-US" sz="2300" dirty="0"/>
+                  <a:t> </a:t>
+                </a:r>
+                <a:endParaRPr lang="ru-RU" sz="2300" dirty="0"/>
+              </a:p>
+              <a:p>
+                <a:pPr marL="118872" indent="0">
+                  <a:buNone/>
+                </a:pPr>
+                <a:endParaRPr lang="en-US" sz="2300" dirty="0" smtClean="0"/>
+              </a:p>
+              <a:p>
+                <a:pPr marL="118872" indent="0">
+                  <a:buNone/>
+                </a:pPr>
                 <a:endParaRPr lang="en-US" dirty="0" smtClean="0"/>
               </a:p>
               <a:p>
@@ -7609,7 +8428,7 @@
               <a:blipFill rotWithShape="1">
                 <a:blip r:embed="rId2"/>
                 <a:stretch>
-                  <a:fillRect l="-222" t="-1318"/>
+                  <a:fillRect t="-791"/>
                 </a:stretch>
               </a:blipFill>
             </p:spPr>
@@ -7693,6 +8512,2355 @@
         </p:nvSpPr>
         <p:spPr/>
         <p:txBody>
+          <a:bodyPr>
+            <a:normAutofit fontScale="90000"/>
+          </a:bodyPr>
+          <a:lstStyle/>
+          <a:p>
+            <a:r>
+              <a:rPr lang="en-US" dirty="0" smtClean="0"/>
+              <a:t>Derivative to compute partial derivatives</a:t>
+            </a:r>
+            <a:endParaRPr lang="ru-RU" dirty="0"/>
+          </a:p>
+        </p:txBody>
+      </p:sp>
+      <mc:AlternateContent xmlns:mc="http://schemas.openxmlformats.org/markup-compatibility/2006">
+        <mc:Choice xmlns:a14="http://schemas.microsoft.com/office/drawing/2010/main" Requires="a14">
+          <p:sp>
+            <p:nvSpPr>
+              <p:cNvPr id="3" name="Объект 2"/>
+              <p:cNvSpPr>
+                <a:spLocks noGrp="1"/>
+              </p:cNvSpPr>
+              <p:nvPr>
+                <p:ph idx="1"/>
+              </p:nvPr>
+            </p:nvSpPr>
+            <p:spPr/>
+            <p:txBody>
+              <a:bodyPr>
+                <a:normAutofit fontScale="62500" lnSpcReduction="20000"/>
+              </a:bodyPr>
+              <a:lstStyle/>
+              <a:p>
+                <a:pPr marL="118872" indent="0">
+                  <a:buNone/>
+                </a:pPr>
+                <a:r>
+                  <a:rPr lang="en-US" dirty="0" smtClean="0"/>
+                  <a:t>For single layer network and for single observation we have</a:t>
+                </a:r>
+              </a:p>
+              <a:p>
+                <a:pPr marL="118872" indent="0">
+                  <a:buNone/>
+                </a:pPr>
+                <a:endParaRPr lang="en-US" i="1" dirty="0" smtClean="0">
+                  <a:latin typeface="Cambria Math"/>
+                </a:endParaRPr>
+              </a:p>
+              <a:p>
+                <a:pPr marL="118872" indent="0">
+                  <a:buNone/>
+                </a:pPr>
+                <a14:m>
+                  <m:oMath xmlns:m="http://schemas.openxmlformats.org/officeDocument/2006/math">
+                    <m:sSub>
+                      <m:sSubPr>
+                        <m:ctrlPr>
+                          <a:rPr lang="en-US" i="1">
+                            <a:latin typeface="Cambria Math"/>
+                          </a:rPr>
+                        </m:ctrlPr>
+                      </m:sSubPr>
+                      <m:e>
+                        <m:r>
+                          <m:rPr>
+                            <m:sty m:val="p"/>
+                          </m:rPr>
+                          <a:rPr lang="en-US" i="1">
+                            <a:latin typeface="Cambria Math"/>
+                          </a:rPr>
+                          <m:t>r</m:t>
+                        </m:r>
+                      </m:e>
+                      <m:sub>
+                        <m:r>
+                          <a:rPr lang="en-US" i="1">
+                            <a:latin typeface="Cambria Math"/>
+                          </a:rPr>
+                          <m:t>𝑖</m:t>
+                        </m:r>
+                      </m:sub>
+                    </m:sSub>
+                    <m:r>
+                      <a:rPr lang="en-US" i="1">
+                        <a:latin typeface="Cambria Math"/>
+                      </a:rPr>
+                      <m:t>=</m:t>
+                    </m:r>
+                    <m:sSub>
+                      <m:sSubPr>
+                        <m:ctrlPr>
+                          <a:rPr lang="ru-RU" i="1">
+                            <a:latin typeface="Cambria Math"/>
+                          </a:rPr>
+                        </m:ctrlPr>
+                      </m:sSubPr>
+                      <m:e>
+                        <m:r>
+                          <a:rPr lang="en-US" i="1">
+                            <a:latin typeface="Cambria Math"/>
+                          </a:rPr>
+                          <m:t>𝑦</m:t>
+                        </m:r>
+                      </m:e>
+                      <m:sub>
+                        <m:r>
+                          <a:rPr lang="en-US" i="1">
+                            <a:latin typeface="Cambria Math"/>
+                          </a:rPr>
+                          <m:t>𝑖</m:t>
+                        </m:r>
+                      </m:sub>
+                    </m:sSub>
+                    <m:r>
+                      <a:rPr lang="en-US" i="1">
+                        <a:latin typeface="Cambria Math"/>
+                      </a:rPr>
+                      <m:t>−</m:t>
+                    </m:r>
+                    <m:groupChr>
+                      <m:groupChrPr>
+                        <m:chr m:val="⏞"/>
+                        <m:pos m:val="top"/>
+                        <m:vertJc m:val="bot"/>
+                        <m:ctrlPr>
+                          <a:rPr lang="ru-RU" i="1">
+                            <a:latin typeface="Cambria Math"/>
+                          </a:rPr>
+                        </m:ctrlPr>
+                      </m:groupChrPr>
+                      <m:e>
+                        <m:r>
+                          <a:rPr lang="en-US" i="1">
+                            <a:latin typeface="Cambria Math"/>
+                          </a:rPr>
+                          <m:t>𝐹</m:t>
+                        </m:r>
+                      </m:e>
+                    </m:groupChr>
+                    <m:d>
+                      <m:dPr>
+                        <m:ctrlPr>
+                          <a:rPr lang="ru-RU" i="1">
+                            <a:latin typeface="Cambria Math"/>
+                          </a:rPr>
+                        </m:ctrlPr>
+                      </m:dPr>
+                      <m:e>
+                        <m:sSub>
+                          <m:sSubPr>
+                            <m:ctrlPr>
+                              <a:rPr lang="ru-RU" i="1">
+                                <a:latin typeface="Cambria Math"/>
+                              </a:rPr>
+                            </m:ctrlPr>
+                          </m:sSubPr>
+                          <m:e>
+                            <m:r>
+                              <a:rPr lang="en-US" i="1">
+                                <a:latin typeface="Cambria Math"/>
+                              </a:rPr>
+                              <m:t>𝑥</m:t>
+                            </m:r>
+                          </m:e>
+                          <m:sub>
+                            <m:r>
+                              <a:rPr lang="en-US" i="1">
+                                <a:latin typeface="Cambria Math"/>
+                              </a:rPr>
+                              <m:t>𝑖</m:t>
+                            </m:r>
+                          </m:sub>
+                        </m:sSub>
+                      </m:e>
+                    </m:d>
+                  </m:oMath>
+                </a14:m>
+                <a:r>
+                  <a:rPr lang="en-US" dirty="0"/>
+                  <a:t> </a:t>
+                </a:r>
+              </a:p>
+              <a:p>
+                <a:pPr marL="118872" indent="0">
+                  <a:buNone/>
+                </a:pPr>
+                <a:endParaRPr lang="en-US" i="1" dirty="0" smtClean="0">
+                  <a:latin typeface="Cambria Math"/>
+                </a:endParaRPr>
+              </a:p>
+              <a:p>
+                <a:pPr marL="118872" indent="0">
+                  <a:buNone/>
+                </a:pPr>
+                <a14:m>
+                  <m:oMath xmlns:m="http://schemas.openxmlformats.org/officeDocument/2006/math">
+                    <m:r>
+                      <a:rPr lang="en-US" i="1">
+                        <a:latin typeface="Cambria Math"/>
+                      </a:rPr>
+                      <m:t>𝐿</m:t>
+                    </m:r>
+                    <m:r>
+                      <a:rPr lang="en-US" i="1">
+                        <a:latin typeface="Cambria Math"/>
+                      </a:rPr>
+                      <m:t>=</m:t>
+                    </m:r>
+                    <m:f>
+                      <m:fPr>
+                        <m:ctrlPr>
+                          <a:rPr lang="ru-RU" i="1">
+                            <a:latin typeface="Cambria Math"/>
+                          </a:rPr>
+                        </m:ctrlPr>
+                      </m:fPr>
+                      <m:num>
+                        <m:r>
+                          <a:rPr lang="en-US" i="1">
+                            <a:latin typeface="Cambria Math"/>
+                          </a:rPr>
+                          <m:t>1</m:t>
+                        </m:r>
+                      </m:num>
+                      <m:den>
+                        <m:r>
+                          <a:rPr lang="en-US" i="1">
+                            <a:latin typeface="Cambria Math"/>
+                          </a:rPr>
+                          <m:t>2</m:t>
+                        </m:r>
+                      </m:den>
+                    </m:f>
+                    <m:sSup>
+                      <m:sSupPr>
+                        <m:ctrlPr>
+                          <a:rPr lang="ru-RU" i="1">
+                            <a:latin typeface="Cambria Math"/>
+                          </a:rPr>
+                        </m:ctrlPr>
+                      </m:sSupPr>
+                      <m:e>
+                        <m:d>
+                          <m:dPr>
+                            <m:ctrlPr>
+                              <a:rPr lang="ru-RU" i="1">
+                                <a:latin typeface="Cambria Math"/>
+                              </a:rPr>
+                            </m:ctrlPr>
+                          </m:dPr>
+                          <m:e>
+                            <m:sSub>
+                              <m:sSubPr>
+                                <m:ctrlPr>
+                                  <a:rPr lang="ru-RU" i="1">
+                                    <a:latin typeface="Cambria Math"/>
+                                  </a:rPr>
+                                </m:ctrlPr>
+                              </m:sSubPr>
+                              <m:e>
+                                <m:r>
+                                  <a:rPr lang="en-US" i="1">
+                                    <a:latin typeface="Cambria Math"/>
+                                  </a:rPr>
+                                  <m:t>𝑦</m:t>
+                                </m:r>
+                              </m:e>
+                              <m:sub>
+                                <m:r>
+                                  <a:rPr lang="en-US" i="1">
+                                    <a:latin typeface="Cambria Math"/>
+                                  </a:rPr>
+                                  <m:t>𝑖</m:t>
+                                </m:r>
+                              </m:sub>
+                            </m:sSub>
+                            <m:r>
+                              <a:rPr lang="en-US" i="1">
+                                <a:latin typeface="Cambria Math"/>
+                              </a:rPr>
+                              <m:t>−</m:t>
+                            </m:r>
+                            <m:groupChr>
+                              <m:groupChrPr>
+                                <m:chr m:val="⏞"/>
+                                <m:pos m:val="top"/>
+                                <m:vertJc m:val="bot"/>
+                                <m:ctrlPr>
+                                  <a:rPr lang="ru-RU" i="1">
+                                    <a:latin typeface="Cambria Math"/>
+                                  </a:rPr>
+                                </m:ctrlPr>
+                              </m:groupChrPr>
+                              <m:e>
+                                <m:r>
+                                  <a:rPr lang="en-US" i="1">
+                                    <a:latin typeface="Cambria Math"/>
+                                  </a:rPr>
+                                  <m:t>𝐹</m:t>
+                                </m:r>
+                              </m:e>
+                            </m:groupChr>
+                            <m:d>
+                              <m:dPr>
+                                <m:ctrlPr>
+                                  <a:rPr lang="ru-RU" i="1">
+                                    <a:latin typeface="Cambria Math"/>
+                                  </a:rPr>
+                                </m:ctrlPr>
+                              </m:dPr>
+                              <m:e>
+                                <m:sSub>
+                                  <m:sSubPr>
+                                    <m:ctrlPr>
+                                      <a:rPr lang="ru-RU" i="1">
+                                        <a:latin typeface="Cambria Math"/>
+                                      </a:rPr>
+                                    </m:ctrlPr>
+                                  </m:sSubPr>
+                                  <m:e>
+                                    <m:r>
+                                      <a:rPr lang="en-US" i="1">
+                                        <a:latin typeface="Cambria Math"/>
+                                      </a:rPr>
+                                      <m:t>𝑥</m:t>
+                                    </m:r>
+                                  </m:e>
+                                  <m:sub>
+                                    <m:r>
+                                      <a:rPr lang="en-US" i="1">
+                                        <a:latin typeface="Cambria Math"/>
+                                      </a:rPr>
+                                      <m:t>𝑖</m:t>
+                                    </m:r>
+                                  </m:sub>
+                                </m:sSub>
+                              </m:e>
+                            </m:d>
+                          </m:e>
+                        </m:d>
+                      </m:e>
+                      <m:sup>
+                        <m:r>
+                          <a:rPr lang="en-US" i="1">
+                            <a:latin typeface="Cambria Math"/>
+                          </a:rPr>
+                          <m:t>2</m:t>
+                        </m:r>
+                      </m:sup>
+                    </m:sSup>
+                    <m:r>
+                      <a:rPr lang="en-US" b="0" i="1" smtClean="0">
+                        <a:latin typeface="Cambria Math"/>
+                      </a:rPr>
+                      <m:t>=</m:t>
+                    </m:r>
+                    <m:f>
+                      <m:fPr>
+                        <m:ctrlPr>
+                          <a:rPr lang="en-US" b="0" i="1" smtClean="0">
+                            <a:latin typeface="Cambria Math"/>
+                          </a:rPr>
+                        </m:ctrlPr>
+                      </m:fPr>
+                      <m:num>
+                        <m:r>
+                          <a:rPr lang="en-US" b="0" i="1" smtClean="0">
+                            <a:latin typeface="Cambria Math"/>
+                          </a:rPr>
+                          <m:t>1</m:t>
+                        </m:r>
+                      </m:num>
+                      <m:den>
+                        <m:r>
+                          <a:rPr lang="en-US" b="0" i="1" smtClean="0">
+                            <a:latin typeface="Cambria Math"/>
+                          </a:rPr>
+                          <m:t>2</m:t>
+                        </m:r>
+                      </m:den>
+                    </m:f>
+                    <m:sSup>
+                      <m:sSupPr>
+                        <m:ctrlPr>
+                          <a:rPr lang="en-US" b="0" i="1" smtClean="0">
+                            <a:latin typeface="Cambria Math"/>
+                          </a:rPr>
+                        </m:ctrlPr>
+                      </m:sSupPr>
+                      <m:e>
+                        <m:r>
+                          <a:rPr lang="en-US" b="0" i="1" smtClean="0">
+                            <a:latin typeface="Cambria Math"/>
+                          </a:rPr>
+                          <m:t>𝑟</m:t>
+                        </m:r>
+                      </m:e>
+                      <m:sup>
+                        <m:r>
+                          <a:rPr lang="en-US" b="0" i="1" smtClean="0">
+                            <a:latin typeface="Cambria Math"/>
+                          </a:rPr>
+                          <m:t>2</m:t>
+                        </m:r>
+                      </m:sup>
+                    </m:sSup>
+                  </m:oMath>
+                </a14:m>
+                <a:r>
+                  <a:rPr lang="ru-RU" dirty="0" smtClean="0"/>
+                  <a:t> </a:t>
+                </a:r>
+                <a:endParaRPr lang="en-US" dirty="0" smtClean="0"/>
+              </a:p>
+              <a:p>
+                <a:pPr marL="118872" indent="0">
+                  <a:buNone/>
+                </a:pPr>
+                <a:endParaRPr lang="ru-RU" dirty="0" smtClean="0"/>
+              </a:p>
+              <a:p>
+                <a:pPr marL="118872" indent="0">
+                  <a:buNone/>
+                </a:pPr>
+                <a14:m>
+                  <m:oMath xmlns:m="http://schemas.openxmlformats.org/officeDocument/2006/math">
+                    <m:f>
+                      <m:fPr>
+                        <m:ctrlPr>
+                          <a:rPr lang="en-US" b="0" i="1" smtClean="0">
+                            <a:latin typeface="Cambria Math"/>
+                          </a:rPr>
+                        </m:ctrlPr>
+                      </m:fPr>
+                      <m:num>
+                        <m:r>
+                          <a:rPr lang="en-US" b="0" i="1" smtClean="0">
+                            <a:latin typeface="Cambria Math"/>
+                          </a:rPr>
+                          <m:t>𝑑</m:t>
+                        </m:r>
+                        <m:r>
+                          <a:rPr lang="en-US" i="1">
+                            <a:latin typeface="Cambria Math"/>
+                          </a:rPr>
+                          <m:t>𝐿</m:t>
+                        </m:r>
+                      </m:num>
+                      <m:den>
+                        <m:r>
+                          <a:rPr lang="en-US" b="0" i="1" smtClean="0">
+                            <a:latin typeface="Cambria Math"/>
+                          </a:rPr>
+                          <m:t>𝑑𝑟</m:t>
+                        </m:r>
+                      </m:den>
+                    </m:f>
+                    <m:r>
+                      <a:rPr lang="en-US" b="0" i="1" smtClean="0">
+                        <a:latin typeface="Cambria Math"/>
+                      </a:rPr>
+                      <m:t>=</m:t>
+                    </m:r>
+                    <m:f>
+                      <m:fPr>
+                        <m:ctrlPr>
+                          <a:rPr lang="en-US" b="0" i="1" smtClean="0">
+                            <a:latin typeface="Cambria Math"/>
+                          </a:rPr>
+                        </m:ctrlPr>
+                      </m:fPr>
+                      <m:num>
+                        <m:r>
+                          <a:rPr lang="en-US" b="0" i="1" smtClean="0">
+                            <a:latin typeface="Cambria Math"/>
+                          </a:rPr>
+                          <m:t>2</m:t>
+                        </m:r>
+                      </m:num>
+                      <m:den>
+                        <m:r>
+                          <a:rPr lang="en-US" b="0" i="1" smtClean="0">
+                            <a:latin typeface="Cambria Math"/>
+                          </a:rPr>
+                          <m:t>2</m:t>
+                        </m:r>
+                      </m:den>
+                    </m:f>
+                    <m:r>
+                      <a:rPr lang="en-US" b="0" i="1" smtClean="0">
+                        <a:latin typeface="Cambria Math"/>
+                      </a:rPr>
+                      <m:t>𝑟</m:t>
+                    </m:r>
+                    <m:r>
+                      <a:rPr lang="en-US" b="0" i="1" smtClean="0">
+                        <a:latin typeface="Cambria Math"/>
+                      </a:rPr>
+                      <m:t>=</m:t>
+                    </m:r>
+                    <m:r>
+                      <a:rPr lang="en-US" b="0" i="1" smtClean="0">
+                        <a:latin typeface="Cambria Math"/>
+                      </a:rPr>
+                      <m:t>𝑟</m:t>
+                    </m:r>
+                    <m:r>
+                      <a:rPr lang="en-US" b="0" i="1" smtClean="0">
+                        <a:latin typeface="Cambria Math"/>
+                      </a:rPr>
+                      <m:t>=(</m:t>
+                    </m:r>
+                    <m:sSub>
+                      <m:sSubPr>
+                        <m:ctrlPr>
+                          <a:rPr lang="ru-RU" i="1">
+                            <a:latin typeface="Cambria Math"/>
+                          </a:rPr>
+                        </m:ctrlPr>
+                      </m:sSubPr>
+                      <m:e>
+                        <m:r>
+                          <a:rPr lang="en-US" i="1">
+                            <a:latin typeface="Cambria Math"/>
+                          </a:rPr>
+                          <m:t>𝑦</m:t>
+                        </m:r>
+                      </m:e>
+                      <m:sub>
+                        <m:r>
+                          <a:rPr lang="en-US" i="1">
+                            <a:latin typeface="Cambria Math"/>
+                          </a:rPr>
+                          <m:t>𝑖</m:t>
+                        </m:r>
+                      </m:sub>
+                    </m:sSub>
+                    <m:r>
+                      <a:rPr lang="en-US" i="1">
+                        <a:latin typeface="Cambria Math"/>
+                      </a:rPr>
+                      <m:t>−</m:t>
+                    </m:r>
+                    <m:groupChr>
+                      <m:groupChrPr>
+                        <m:chr m:val="⏞"/>
+                        <m:pos m:val="top"/>
+                        <m:vertJc m:val="bot"/>
+                        <m:ctrlPr>
+                          <a:rPr lang="ru-RU" i="1">
+                            <a:latin typeface="Cambria Math"/>
+                          </a:rPr>
+                        </m:ctrlPr>
+                      </m:groupChrPr>
+                      <m:e>
+                        <m:r>
+                          <a:rPr lang="en-US" i="1">
+                            <a:latin typeface="Cambria Math"/>
+                          </a:rPr>
+                          <m:t>𝐹</m:t>
+                        </m:r>
+                      </m:e>
+                    </m:groupChr>
+                    <m:d>
+                      <m:dPr>
+                        <m:ctrlPr>
+                          <a:rPr lang="ru-RU" i="1">
+                            <a:latin typeface="Cambria Math"/>
+                          </a:rPr>
+                        </m:ctrlPr>
+                      </m:dPr>
+                      <m:e>
+                        <m:sSub>
+                          <m:sSubPr>
+                            <m:ctrlPr>
+                              <a:rPr lang="ru-RU" i="1">
+                                <a:latin typeface="Cambria Math"/>
+                              </a:rPr>
+                            </m:ctrlPr>
+                          </m:sSubPr>
+                          <m:e>
+                            <m:r>
+                              <a:rPr lang="en-US" i="1">
+                                <a:latin typeface="Cambria Math"/>
+                              </a:rPr>
+                              <m:t>𝑥</m:t>
+                            </m:r>
+                          </m:e>
+                          <m:sub>
+                            <m:r>
+                              <a:rPr lang="en-US" i="1">
+                                <a:latin typeface="Cambria Math"/>
+                              </a:rPr>
+                              <m:t>𝑖</m:t>
+                            </m:r>
+                          </m:sub>
+                        </m:sSub>
+                      </m:e>
+                    </m:d>
+                  </m:oMath>
+                </a14:m>
+                <a:r>
+                  <a:rPr lang="en-US" dirty="0" smtClean="0"/>
+                  <a:t>)</a:t>
+                </a:r>
+              </a:p>
+              <a:p>
+                <a:pPr marL="118872" indent="0">
+                  <a:buNone/>
+                </a:pPr>
+                <a:endParaRPr lang="en-US" dirty="0" smtClean="0"/>
+              </a:p>
+              <a:p>
+                <a:pPr marL="118872" indent="0">
+                  <a:buNone/>
+                </a:pPr>
+                <a:endParaRPr lang="en-US" dirty="0" smtClean="0"/>
+              </a:p>
+              <a:p>
+                <a:pPr marL="118872" indent="0">
+                  <a:buNone/>
+                </a:pPr>
+                <a14:m>
+                  <m:oMath xmlns:m="http://schemas.openxmlformats.org/officeDocument/2006/math">
+                    <m:groupChr>
+                      <m:groupChrPr>
+                        <m:chr m:val="⏞"/>
+                        <m:pos m:val="top"/>
+                        <m:vertJc m:val="bot"/>
+                        <m:ctrlPr>
+                          <a:rPr lang="ru-RU" i="1">
+                            <a:latin typeface="Cambria Math"/>
+                          </a:rPr>
+                        </m:ctrlPr>
+                      </m:groupChrPr>
+                      <m:e>
+                        <m:r>
+                          <a:rPr lang="en-US" i="1">
+                            <a:latin typeface="Cambria Math"/>
+                          </a:rPr>
+                          <m:t>𝐹</m:t>
+                        </m:r>
+                      </m:e>
+                    </m:groupChr>
+                    <m:d>
+                      <m:dPr>
+                        <m:ctrlPr>
+                          <a:rPr lang="ru-RU" i="1">
+                            <a:latin typeface="Cambria Math"/>
+                          </a:rPr>
+                        </m:ctrlPr>
+                      </m:dPr>
+                      <m:e>
+                        <m:r>
+                          <a:rPr lang="en-US" i="1">
+                            <a:latin typeface="Cambria Math"/>
+                          </a:rPr>
+                          <m:t>𝑥</m:t>
+                        </m:r>
+                        <m:r>
+                          <a:rPr lang="en-US" i="1">
+                            <a:latin typeface="Cambria Math"/>
+                          </a:rPr>
+                          <m:t>;</m:t>
+                        </m:r>
+                        <m:r>
+                          <a:rPr lang="en-US" i="1">
+                            <a:solidFill>
+                              <a:srgbClr val="FF0000"/>
+                            </a:solidFill>
+                            <a:latin typeface="Cambria Math"/>
+                          </a:rPr>
+                          <m:t>𝑎</m:t>
+                        </m:r>
+                        <m:r>
+                          <a:rPr lang="en-US" i="1">
+                            <a:solidFill>
+                              <a:srgbClr val="FF0000"/>
+                            </a:solidFill>
+                            <a:latin typeface="Cambria Math"/>
+                          </a:rPr>
+                          <m:t>,</m:t>
+                        </m:r>
+                        <m:r>
+                          <a:rPr lang="en-US" i="1">
+                            <a:solidFill>
+                              <a:srgbClr val="FF0000"/>
+                            </a:solidFill>
+                            <a:latin typeface="Cambria Math"/>
+                          </a:rPr>
+                          <m:t>𝑏</m:t>
+                        </m:r>
+                      </m:e>
+                    </m:d>
+                    <m:r>
+                      <a:rPr lang="en-US" i="1">
+                        <a:latin typeface="Cambria Math"/>
+                      </a:rPr>
+                      <m:t>=</m:t>
+                    </m:r>
+                    <m:nary>
+                      <m:naryPr>
+                        <m:chr m:val="∑"/>
+                        <m:limLoc m:val="undOvr"/>
+                        <m:ctrlPr>
+                          <a:rPr lang="ru-RU" i="1">
+                            <a:latin typeface="Cambria Math"/>
+                          </a:rPr>
+                        </m:ctrlPr>
+                      </m:naryPr>
+                      <m:sub>
+                        <m:r>
+                          <a:rPr lang="en-US" i="1">
+                            <a:latin typeface="Cambria Math"/>
+                          </a:rPr>
+                          <m:t>𝑚</m:t>
+                        </m:r>
+                        <m:r>
+                          <a:rPr lang="en-US" i="1">
+                            <a:latin typeface="Cambria Math"/>
+                          </a:rPr>
+                          <m:t>=0</m:t>
+                        </m:r>
+                      </m:sub>
+                      <m:sup>
+                        <m:r>
+                          <a:rPr lang="en-US" i="1">
+                            <a:latin typeface="Cambria Math"/>
+                          </a:rPr>
+                          <m:t>𝑀</m:t>
+                        </m:r>
+                      </m:sup>
+                      <m:e>
+                        <m:sSub>
+                          <m:sSubPr>
+                            <m:ctrlPr>
+                              <a:rPr lang="ru-RU" i="1">
+                                <a:latin typeface="Cambria Math"/>
+                              </a:rPr>
+                            </m:ctrlPr>
+                          </m:sSubPr>
+                          <m:e>
+                            <m:r>
+                              <a:rPr lang="en-US" i="1">
+                                <a:latin typeface="Cambria Math"/>
+                              </a:rPr>
+                              <m:t>𝑏</m:t>
+                            </m:r>
+                          </m:e>
+                          <m:sub>
+                            <m:r>
+                              <a:rPr lang="en-US" i="1">
+                                <a:latin typeface="Cambria Math"/>
+                              </a:rPr>
+                              <m:t>𝑚</m:t>
+                            </m:r>
+                          </m:sub>
+                        </m:sSub>
+                        <m:r>
+                          <a:rPr lang="en-US" i="1">
+                            <a:latin typeface="Cambria Math"/>
+                          </a:rPr>
+                          <m:t>∙</m:t>
+                        </m:r>
+                        <m:sSub>
+                          <m:sSubPr>
+                            <m:ctrlPr>
+                              <a:rPr lang="ru-RU" i="1">
+                                <a:latin typeface="Cambria Math"/>
+                              </a:rPr>
+                            </m:ctrlPr>
+                          </m:sSubPr>
+                          <m:e>
+                            <m:r>
+                              <a:rPr lang="en-US" i="1">
+                                <a:latin typeface="Cambria Math"/>
+                              </a:rPr>
+                              <m:t>𝑆</m:t>
+                            </m:r>
+                          </m:e>
+                          <m:sub>
+                            <m:r>
+                              <a:rPr lang="en-US" i="1">
+                                <a:latin typeface="Cambria Math"/>
+                              </a:rPr>
+                              <m:t>𝑚</m:t>
+                            </m:r>
+                          </m:sub>
+                        </m:sSub>
+                        <m:r>
+                          <a:rPr lang="en-US" i="1">
+                            <a:latin typeface="Cambria Math"/>
+                          </a:rPr>
+                          <m:t>(</m:t>
+                        </m:r>
+                        <m:nary>
+                          <m:naryPr>
+                            <m:chr m:val="∑"/>
+                            <m:limLoc m:val="undOvr"/>
+                            <m:ctrlPr>
+                              <a:rPr lang="ru-RU" i="1">
+                                <a:latin typeface="Cambria Math"/>
+                              </a:rPr>
+                            </m:ctrlPr>
+                          </m:naryPr>
+                          <m:sub>
+                            <m:r>
+                              <a:rPr lang="en-US" i="1">
+                                <a:latin typeface="Cambria Math"/>
+                              </a:rPr>
+                              <m:t>𝑗</m:t>
+                            </m:r>
+                            <m:r>
+                              <a:rPr lang="en-US" b="0" i="1" smtClean="0">
+                                <a:latin typeface="Cambria Math"/>
+                              </a:rPr>
+                              <m:t>′</m:t>
+                            </m:r>
+                            <m:r>
+                              <a:rPr lang="en-US" i="1">
+                                <a:latin typeface="Cambria Math"/>
+                              </a:rPr>
+                              <m:t>=0</m:t>
+                            </m:r>
+                          </m:sub>
+                          <m:sup>
+                            <m:r>
+                              <a:rPr lang="en-US" i="1">
+                                <a:latin typeface="Cambria Math"/>
+                              </a:rPr>
+                              <m:t>𝑛</m:t>
+                            </m:r>
+                          </m:sup>
+                          <m:e>
+                            <m:sSub>
+                              <m:sSubPr>
+                                <m:ctrlPr>
+                                  <a:rPr lang="ru-RU" i="1">
+                                    <a:latin typeface="Cambria Math"/>
+                                  </a:rPr>
+                                </m:ctrlPr>
+                              </m:sSubPr>
+                              <m:e>
+                                <m:r>
+                                  <a:rPr lang="en-US" i="1">
+                                    <a:latin typeface="Cambria Math"/>
+                                  </a:rPr>
+                                  <m:t>𝑎</m:t>
+                                </m:r>
+                              </m:e>
+                              <m:sub>
+                                <m:r>
+                                  <a:rPr lang="en-US" i="1">
+                                    <a:latin typeface="Cambria Math"/>
+                                  </a:rPr>
+                                  <m:t>𝑗</m:t>
+                                </m:r>
+                                <m:r>
+                                  <a:rPr lang="en-US" b="0" i="1" smtClean="0">
+                                    <a:latin typeface="Cambria Math"/>
+                                  </a:rPr>
+                                  <m:t>′</m:t>
+                                </m:r>
+                                <m:r>
+                                  <a:rPr lang="en-US" i="1">
+                                    <a:latin typeface="Cambria Math"/>
+                                  </a:rPr>
+                                  <m:t>𝑚</m:t>
+                                </m:r>
+                              </m:sub>
+                            </m:sSub>
+                            <m:sSub>
+                              <m:sSubPr>
+                                <m:ctrlPr>
+                                  <a:rPr lang="ru-RU" i="1">
+                                    <a:latin typeface="Cambria Math"/>
+                                  </a:rPr>
+                                </m:ctrlPr>
+                              </m:sSubPr>
+                              <m:e>
+                                <m:r>
+                                  <a:rPr lang="en-US" i="1">
+                                    <a:latin typeface="Cambria Math"/>
+                                  </a:rPr>
+                                  <m:t>𝑥</m:t>
+                                </m:r>
+                              </m:e>
+                              <m:sub>
+                                <m:r>
+                                  <a:rPr lang="en-US" i="1">
+                                    <a:latin typeface="Cambria Math"/>
+                                  </a:rPr>
+                                  <m:t>𝑗</m:t>
+                                </m:r>
+                                <m:r>
+                                  <a:rPr lang="en-US" b="0" i="1" smtClean="0">
+                                    <a:latin typeface="Cambria Math"/>
+                                  </a:rPr>
+                                  <m:t>′</m:t>
+                                </m:r>
+                              </m:sub>
+                            </m:sSub>
+                          </m:e>
+                        </m:nary>
+                        <m:r>
+                          <a:rPr lang="en-US" i="1">
+                            <a:latin typeface="Cambria Math"/>
+                          </a:rPr>
+                          <m:t>)</m:t>
+                        </m:r>
+                      </m:e>
+                    </m:nary>
+                  </m:oMath>
+                </a14:m>
+                <a:r>
+                  <a:rPr lang="en-US" dirty="0" smtClean="0"/>
+                  <a:t> </a:t>
+                </a:r>
+                <a:endParaRPr lang="ru-RU" dirty="0"/>
+              </a:p>
+              <a:p>
+                <a:pPr marL="118872" indent="0">
+                  <a:buNone/>
+                </a:pPr>
+                <a:endParaRPr lang="en-US" dirty="0" smtClean="0"/>
+              </a:p>
+              <a:p>
+                <a:pPr marL="118872" indent="0">
+                  <a:buNone/>
+                </a:pPr>
+                <a14:m>
+                  <m:oMath xmlns:m="http://schemas.openxmlformats.org/officeDocument/2006/math">
+                    <m:f>
+                      <m:fPr>
+                        <m:ctrlPr>
+                          <a:rPr lang="ru-RU" sz="2600" i="1">
+                            <a:latin typeface="Cambria Math"/>
+                          </a:rPr>
+                        </m:ctrlPr>
+                      </m:fPr>
+                      <m:num>
+                        <m:r>
+                          <a:rPr lang="en-US" sz="2600" i="1">
+                            <a:latin typeface="Cambria Math"/>
+                          </a:rPr>
+                          <m:t>𝜕</m:t>
+                        </m:r>
+                        <m:r>
+                          <a:rPr lang="en-US" sz="2600" i="1">
+                            <a:latin typeface="Cambria Math"/>
+                          </a:rPr>
+                          <m:t>𝐿</m:t>
+                        </m:r>
+                      </m:num>
+                      <m:den>
+                        <m:r>
+                          <a:rPr lang="en-US" sz="2600" i="1">
+                            <a:latin typeface="Cambria Math"/>
+                          </a:rPr>
+                          <m:t>𝜕</m:t>
+                        </m:r>
+                        <m:sSub>
+                          <m:sSubPr>
+                            <m:ctrlPr>
+                              <a:rPr lang="ru-RU" sz="2600" i="1">
+                                <a:latin typeface="Cambria Math"/>
+                              </a:rPr>
+                            </m:ctrlPr>
+                          </m:sSubPr>
+                          <m:e>
+                            <m:r>
+                              <a:rPr lang="en-US" sz="2600" i="1">
+                                <a:latin typeface="Cambria Math"/>
+                              </a:rPr>
+                              <m:t>𝑎</m:t>
+                            </m:r>
+                          </m:e>
+                          <m:sub>
+                            <m:r>
+                              <a:rPr lang="en-US" sz="2600" i="1">
+                                <a:latin typeface="Cambria Math"/>
+                              </a:rPr>
+                              <m:t>𝑗𝑚</m:t>
+                            </m:r>
+                          </m:sub>
+                        </m:sSub>
+                      </m:den>
+                    </m:f>
+                    <m:r>
+                      <a:rPr lang="en-US" sz="2600" i="1">
+                        <a:latin typeface="Cambria Math"/>
+                      </a:rPr>
+                      <m:t>=</m:t>
+                    </m:r>
+                    <m:f>
+                      <m:fPr>
+                        <m:ctrlPr>
+                          <a:rPr lang="en-US" sz="2600" i="1" smtClean="0">
+                            <a:latin typeface="Cambria Math"/>
+                          </a:rPr>
+                        </m:ctrlPr>
+                      </m:fPr>
+                      <m:num>
+                        <m:r>
+                          <a:rPr lang="en-US" sz="2600" b="0" i="1" smtClean="0">
+                            <a:latin typeface="Cambria Math"/>
+                          </a:rPr>
+                          <m:t>𝑑𝐿</m:t>
+                        </m:r>
+                      </m:num>
+                      <m:den>
+                        <m:r>
+                          <a:rPr lang="en-US" sz="2600" b="0" i="1" smtClean="0">
+                            <a:latin typeface="Cambria Math"/>
+                          </a:rPr>
+                          <m:t>𝑑𝑟</m:t>
+                        </m:r>
+                      </m:den>
+                    </m:f>
+                    <m:f>
+                      <m:fPr>
+                        <m:ctrlPr>
+                          <a:rPr lang="en-US" sz="2600" i="1" smtClean="0">
+                            <a:latin typeface="Cambria Math"/>
+                          </a:rPr>
+                        </m:ctrlPr>
+                      </m:fPr>
+                      <m:num>
+                        <m:r>
+                          <a:rPr lang="en-US" sz="2600" i="1" smtClean="0">
+                            <a:latin typeface="Cambria Math"/>
+                          </a:rPr>
+                          <m:t>𝜕</m:t>
+                        </m:r>
+                        <m:r>
+                          <a:rPr lang="en-US" sz="2600" b="0" i="1" smtClean="0">
+                            <a:latin typeface="Cambria Math"/>
+                          </a:rPr>
+                          <m:t>𝑟</m:t>
+                        </m:r>
+                      </m:num>
+                      <m:den>
+                        <m:r>
+                          <a:rPr lang="en-US" sz="2600" i="1" smtClean="0">
+                            <a:latin typeface="Cambria Math"/>
+                          </a:rPr>
+                          <m:t>𝜕</m:t>
+                        </m:r>
+                        <m:sSub>
+                          <m:sSubPr>
+                            <m:ctrlPr>
+                              <a:rPr lang="en-US" sz="2600" b="0" i="1" smtClean="0">
+                                <a:latin typeface="Cambria Math"/>
+                              </a:rPr>
+                            </m:ctrlPr>
+                          </m:sSubPr>
+                          <m:e>
+                            <m:r>
+                              <a:rPr lang="en-US" sz="2600" b="0" i="1" smtClean="0">
+                                <a:latin typeface="Cambria Math"/>
+                              </a:rPr>
+                              <m:t>𝑎</m:t>
+                            </m:r>
+                          </m:e>
+                          <m:sub>
+                            <m:r>
+                              <a:rPr lang="en-US" sz="2600" b="0" i="1" smtClean="0">
+                                <a:latin typeface="Cambria Math"/>
+                              </a:rPr>
+                              <m:t>𝑗𝑚</m:t>
+                            </m:r>
+                          </m:sub>
+                        </m:sSub>
+                      </m:den>
+                    </m:f>
+                    <m:r>
+                      <a:rPr lang="en-US" sz="2600" i="1">
+                        <a:latin typeface="Cambria Math"/>
+                      </a:rPr>
+                      <m:t>=(</m:t>
+                    </m:r>
+                    <m:sSub>
+                      <m:sSubPr>
+                        <m:ctrlPr>
+                          <a:rPr lang="ru-RU" sz="2600" i="1">
+                            <a:latin typeface="Cambria Math"/>
+                          </a:rPr>
+                        </m:ctrlPr>
+                      </m:sSubPr>
+                      <m:e>
+                        <m:r>
+                          <a:rPr lang="en-US" sz="2600" i="1">
+                            <a:latin typeface="Cambria Math"/>
+                          </a:rPr>
+                          <m:t>𝑦</m:t>
+                        </m:r>
+                      </m:e>
+                      <m:sub>
+                        <m:r>
+                          <a:rPr lang="en-US" sz="2600" i="1">
+                            <a:latin typeface="Cambria Math"/>
+                          </a:rPr>
+                          <m:t>𝑖</m:t>
+                        </m:r>
+                      </m:sub>
+                    </m:sSub>
+                    <m:r>
+                      <a:rPr lang="en-US" sz="2600" i="1">
+                        <a:latin typeface="Cambria Math"/>
+                      </a:rPr>
+                      <m:t>−</m:t>
+                    </m:r>
+                    <m:groupChr>
+                      <m:groupChrPr>
+                        <m:chr m:val="⏞"/>
+                        <m:pos m:val="top"/>
+                        <m:vertJc m:val="bot"/>
+                        <m:ctrlPr>
+                          <a:rPr lang="ru-RU" sz="2600" i="1">
+                            <a:latin typeface="Cambria Math"/>
+                          </a:rPr>
+                        </m:ctrlPr>
+                      </m:groupChrPr>
+                      <m:e>
+                        <m:r>
+                          <a:rPr lang="en-US" sz="2600" i="1">
+                            <a:latin typeface="Cambria Math"/>
+                          </a:rPr>
+                          <m:t>𝐹</m:t>
+                        </m:r>
+                      </m:e>
+                    </m:groupChr>
+                    <m:d>
+                      <m:dPr>
+                        <m:ctrlPr>
+                          <a:rPr lang="ru-RU" sz="2600" i="1">
+                            <a:latin typeface="Cambria Math"/>
+                          </a:rPr>
+                        </m:ctrlPr>
+                      </m:dPr>
+                      <m:e>
+                        <m:sSub>
+                          <m:sSubPr>
+                            <m:ctrlPr>
+                              <a:rPr lang="ru-RU" sz="2600" i="1">
+                                <a:latin typeface="Cambria Math"/>
+                              </a:rPr>
+                            </m:ctrlPr>
+                          </m:sSubPr>
+                          <m:e>
+                            <m:r>
+                              <a:rPr lang="en-US" sz="2600" i="1">
+                                <a:latin typeface="Cambria Math"/>
+                              </a:rPr>
+                              <m:t>𝑥</m:t>
+                            </m:r>
+                          </m:e>
+                          <m:sub>
+                            <m:r>
+                              <a:rPr lang="en-US" sz="2600" i="1">
+                                <a:latin typeface="Cambria Math"/>
+                              </a:rPr>
+                              <m:t>𝑖</m:t>
+                            </m:r>
+                          </m:sub>
+                        </m:sSub>
+                      </m:e>
+                    </m:d>
+                    <m:r>
+                      <m:rPr>
+                        <m:nor/>
+                      </m:rPr>
+                      <a:rPr lang="en-US" sz="2600" dirty="0"/>
+                      <m:t>)</m:t>
+                    </m:r>
+                  </m:oMath>
+                </a14:m>
+                <a:r>
+                  <a:rPr lang="en-US" sz="2600" dirty="0"/>
+                  <a:t> </a:t>
+                </a:r>
+                <a14:m>
+                  <m:oMath xmlns:m="http://schemas.openxmlformats.org/officeDocument/2006/math">
+                    <m:f>
+                      <m:fPr>
+                        <m:ctrlPr>
+                          <a:rPr lang="en-US" sz="2600" i="1">
+                            <a:latin typeface="Cambria Math"/>
+                          </a:rPr>
+                        </m:ctrlPr>
+                      </m:fPr>
+                      <m:num>
+                        <m:r>
+                          <a:rPr lang="en-US" sz="2600" i="1">
+                            <a:latin typeface="Cambria Math"/>
+                          </a:rPr>
+                          <m:t>𝜕</m:t>
+                        </m:r>
+                        <m:d>
+                          <m:dPr>
+                            <m:ctrlPr>
+                              <a:rPr lang="en-US" sz="2600" i="1">
+                                <a:latin typeface="Cambria Math"/>
+                              </a:rPr>
+                            </m:ctrlPr>
+                          </m:dPr>
+                          <m:e>
+                            <m:sSub>
+                              <m:sSubPr>
+                                <m:ctrlPr>
+                                  <a:rPr lang="ru-RU" sz="2600" i="1">
+                                    <a:latin typeface="Cambria Math"/>
+                                  </a:rPr>
+                                </m:ctrlPr>
+                              </m:sSubPr>
+                              <m:e>
+                                <m:r>
+                                  <a:rPr lang="en-US" sz="2600" i="1">
+                                    <a:latin typeface="Cambria Math"/>
+                                  </a:rPr>
+                                  <m:t>𝑦</m:t>
+                                </m:r>
+                              </m:e>
+                              <m:sub>
+                                <m:r>
+                                  <a:rPr lang="en-US" sz="2600" i="1">
+                                    <a:latin typeface="Cambria Math"/>
+                                  </a:rPr>
+                                  <m:t>𝑖</m:t>
+                                </m:r>
+                              </m:sub>
+                            </m:sSub>
+                            <m:r>
+                              <a:rPr lang="en-US" sz="2600" i="1">
+                                <a:latin typeface="Cambria Math"/>
+                              </a:rPr>
+                              <m:t>−</m:t>
+                            </m:r>
+                            <m:groupChr>
+                              <m:groupChrPr>
+                                <m:chr m:val="⏞"/>
+                                <m:pos m:val="top"/>
+                                <m:vertJc m:val="bot"/>
+                                <m:ctrlPr>
+                                  <a:rPr lang="ru-RU" sz="2600" i="1">
+                                    <a:latin typeface="Cambria Math"/>
+                                  </a:rPr>
+                                </m:ctrlPr>
+                              </m:groupChrPr>
+                              <m:e>
+                                <m:r>
+                                  <a:rPr lang="en-US" sz="2600" i="1">
+                                    <a:latin typeface="Cambria Math"/>
+                                  </a:rPr>
+                                  <m:t>𝐹</m:t>
+                                </m:r>
+                              </m:e>
+                            </m:groupChr>
+                            <m:d>
+                              <m:dPr>
+                                <m:ctrlPr>
+                                  <a:rPr lang="ru-RU" sz="2600" i="1">
+                                    <a:latin typeface="Cambria Math"/>
+                                  </a:rPr>
+                                </m:ctrlPr>
+                              </m:dPr>
+                              <m:e>
+                                <m:sSub>
+                                  <m:sSubPr>
+                                    <m:ctrlPr>
+                                      <a:rPr lang="ru-RU" sz="2600" i="1">
+                                        <a:latin typeface="Cambria Math"/>
+                                      </a:rPr>
+                                    </m:ctrlPr>
+                                  </m:sSubPr>
+                                  <m:e>
+                                    <m:r>
+                                      <a:rPr lang="en-US" sz="2600" i="1">
+                                        <a:latin typeface="Cambria Math"/>
+                                      </a:rPr>
+                                      <m:t>𝑥</m:t>
+                                    </m:r>
+                                  </m:e>
+                                  <m:sub>
+                                    <m:r>
+                                      <a:rPr lang="en-US" sz="2600" i="1">
+                                        <a:latin typeface="Cambria Math"/>
+                                      </a:rPr>
+                                      <m:t>𝑖</m:t>
+                                    </m:r>
+                                  </m:sub>
+                                </m:sSub>
+                              </m:e>
+                            </m:d>
+                            <m:r>
+                              <m:rPr>
+                                <m:nor/>
+                              </m:rPr>
+                              <a:rPr lang="en-US" sz="2600" dirty="0"/>
+                              <m:t> </m:t>
+                            </m:r>
+                          </m:e>
+                        </m:d>
+                      </m:num>
+                      <m:den>
+                        <m:r>
+                          <a:rPr lang="en-US" sz="2600" i="1">
+                            <a:latin typeface="Cambria Math"/>
+                          </a:rPr>
+                          <m:t>𝜕</m:t>
+                        </m:r>
+                        <m:sSub>
+                          <m:sSubPr>
+                            <m:ctrlPr>
+                              <a:rPr lang="en-US" sz="2600" i="1">
+                                <a:latin typeface="Cambria Math"/>
+                              </a:rPr>
+                            </m:ctrlPr>
+                          </m:sSubPr>
+                          <m:e>
+                            <m:r>
+                              <a:rPr lang="en-US" sz="2600" i="1">
+                                <a:latin typeface="Cambria Math"/>
+                              </a:rPr>
+                              <m:t>𝑎</m:t>
+                            </m:r>
+                          </m:e>
+                          <m:sub>
+                            <m:r>
+                              <a:rPr lang="en-US" sz="2600" i="1">
+                                <a:latin typeface="Cambria Math"/>
+                              </a:rPr>
+                              <m:t>𝑗𝑚</m:t>
+                            </m:r>
+                          </m:sub>
+                        </m:sSub>
+                      </m:den>
+                    </m:f>
+                    <m:r>
+                      <a:rPr lang="en-US" sz="2600" b="0" i="1" smtClean="0">
+                        <a:latin typeface="Cambria Math"/>
+                      </a:rPr>
+                      <m:t>=</m:t>
+                    </m:r>
+                    <m:d>
+                      <m:dPr>
+                        <m:ctrlPr>
+                          <a:rPr lang="ru-RU" sz="2600" i="1">
+                            <a:latin typeface="Cambria Math"/>
+                          </a:rPr>
+                        </m:ctrlPr>
+                      </m:dPr>
+                      <m:e>
+                        <m:groupChr>
+                          <m:groupChrPr>
+                            <m:chr m:val="⏞"/>
+                            <m:pos m:val="top"/>
+                            <m:vertJc m:val="bot"/>
+                            <m:ctrlPr>
+                              <a:rPr lang="ru-RU" sz="2600" i="1">
+                                <a:latin typeface="Cambria Math"/>
+                              </a:rPr>
+                            </m:ctrlPr>
+                          </m:groupChrPr>
+                          <m:e>
+                            <m:r>
+                              <a:rPr lang="en-US" sz="2600" i="1">
+                                <a:latin typeface="Cambria Math"/>
+                              </a:rPr>
+                              <m:t>𝐹</m:t>
+                            </m:r>
+                          </m:e>
+                        </m:groupChr>
+                        <m:d>
+                          <m:dPr>
+                            <m:ctrlPr>
+                              <a:rPr lang="ru-RU" sz="2600" i="1">
+                                <a:latin typeface="Cambria Math"/>
+                              </a:rPr>
+                            </m:ctrlPr>
+                          </m:dPr>
+                          <m:e>
+                            <m:sSub>
+                              <m:sSubPr>
+                                <m:ctrlPr>
+                                  <a:rPr lang="ru-RU" sz="2600" i="1">
+                                    <a:latin typeface="Cambria Math"/>
+                                  </a:rPr>
+                                </m:ctrlPr>
+                              </m:sSubPr>
+                              <m:e>
+                                <m:r>
+                                  <a:rPr lang="en-US" sz="2600" i="1">
+                                    <a:latin typeface="Cambria Math"/>
+                                  </a:rPr>
+                                  <m:t>𝑥</m:t>
+                                </m:r>
+                              </m:e>
+                              <m:sub>
+                                <m:r>
+                                  <a:rPr lang="en-US" sz="2600" i="1">
+                                    <a:latin typeface="Cambria Math"/>
+                                  </a:rPr>
+                                  <m:t>𝑖</m:t>
+                                </m:r>
+                              </m:sub>
+                            </m:sSub>
+                          </m:e>
+                        </m:d>
+                        <m:r>
+                          <a:rPr lang="en-US" sz="2600" i="1">
+                            <a:latin typeface="Cambria Math"/>
+                          </a:rPr>
+                          <m:t>−</m:t>
+                        </m:r>
+                        <m:sSub>
+                          <m:sSubPr>
+                            <m:ctrlPr>
+                              <a:rPr lang="ru-RU" sz="2600" i="1">
+                                <a:latin typeface="Cambria Math"/>
+                              </a:rPr>
+                            </m:ctrlPr>
+                          </m:sSubPr>
+                          <m:e>
+                            <m:r>
+                              <a:rPr lang="en-US" sz="2600" i="1">
+                                <a:latin typeface="Cambria Math"/>
+                              </a:rPr>
+                              <m:t>𝑦</m:t>
+                            </m:r>
+                          </m:e>
+                          <m:sub>
+                            <m:r>
+                              <a:rPr lang="en-US" sz="2600" i="1">
+                                <a:latin typeface="Cambria Math"/>
+                              </a:rPr>
+                              <m:t>𝑖</m:t>
+                            </m:r>
+                          </m:sub>
+                        </m:sSub>
+                      </m:e>
+                    </m:d>
+                    <m:sSub>
+                      <m:sSubPr>
+                        <m:ctrlPr>
+                          <a:rPr lang="ru-RU" sz="2600" i="1">
+                            <a:latin typeface="Cambria Math"/>
+                          </a:rPr>
+                        </m:ctrlPr>
+                      </m:sSubPr>
+                      <m:e>
+                        <m:r>
+                          <a:rPr lang="en-US" sz="2600" i="1">
+                            <a:latin typeface="Cambria Math"/>
+                          </a:rPr>
+                          <m:t>𝑏</m:t>
+                        </m:r>
+                      </m:e>
+                      <m:sub>
+                        <m:r>
+                          <a:rPr lang="en-US" sz="2600" i="1">
+                            <a:latin typeface="Cambria Math"/>
+                          </a:rPr>
+                          <m:t>𝑚</m:t>
+                        </m:r>
+                      </m:sub>
+                    </m:sSub>
+                    <m:r>
+                      <a:rPr lang="en-US" sz="2600" i="1" smtClean="0">
+                        <a:latin typeface="Cambria Math"/>
+                        <a:ea typeface="Cambria Math"/>
+                      </a:rPr>
+                      <m:t>∙</m:t>
+                    </m:r>
+                    <m:f>
+                      <m:fPr>
+                        <m:ctrlPr>
+                          <a:rPr lang="en-US" sz="2600" i="1">
+                            <a:latin typeface="Cambria Math"/>
+                          </a:rPr>
+                        </m:ctrlPr>
+                      </m:fPr>
+                      <m:num>
+                        <m:r>
+                          <a:rPr lang="en-US" sz="2600" i="1">
+                            <a:latin typeface="Cambria Math"/>
+                          </a:rPr>
+                          <m:t>𝜕</m:t>
+                        </m:r>
+                        <m:d>
+                          <m:dPr>
+                            <m:ctrlPr>
+                              <a:rPr lang="en-US" sz="2600" b="0" i="1" smtClean="0">
+                                <a:latin typeface="Cambria Math"/>
+                              </a:rPr>
+                            </m:ctrlPr>
+                          </m:dPr>
+                          <m:e>
+                            <m:sSub>
+                              <m:sSubPr>
+                                <m:ctrlPr>
+                                  <a:rPr lang="ru-RU" sz="2600" i="1">
+                                    <a:latin typeface="Cambria Math"/>
+                                  </a:rPr>
+                                </m:ctrlPr>
+                              </m:sSubPr>
+                              <m:e>
+                                <m:r>
+                                  <a:rPr lang="en-US" sz="2600" i="1">
+                                    <a:latin typeface="Cambria Math"/>
+                                  </a:rPr>
+                                  <m:t>𝑆</m:t>
+                                </m:r>
+                              </m:e>
+                              <m:sub>
+                                <m:r>
+                                  <a:rPr lang="en-US" sz="2600" i="1">
+                                    <a:latin typeface="Cambria Math"/>
+                                  </a:rPr>
+                                  <m:t>𝑚</m:t>
+                                </m:r>
+                              </m:sub>
+                            </m:sSub>
+                            <m:d>
+                              <m:dPr>
+                                <m:ctrlPr>
+                                  <a:rPr lang="en-US" sz="2600" i="1">
+                                    <a:latin typeface="Cambria Math"/>
+                                  </a:rPr>
+                                </m:ctrlPr>
+                              </m:dPr>
+                              <m:e>
+                                <m:nary>
+                                  <m:naryPr>
+                                    <m:chr m:val="∑"/>
+                                    <m:limLoc m:val="undOvr"/>
+                                    <m:ctrlPr>
+                                      <a:rPr lang="ru-RU" sz="2600" i="1">
+                                        <a:latin typeface="Cambria Math"/>
+                                      </a:rPr>
+                                    </m:ctrlPr>
+                                  </m:naryPr>
+                                  <m:sub>
+                                    <m:sSup>
+                                      <m:sSupPr>
+                                        <m:ctrlPr>
+                                          <a:rPr lang="en-US" sz="2600" i="1">
+                                            <a:latin typeface="Cambria Math"/>
+                                          </a:rPr>
+                                        </m:ctrlPr>
+                                      </m:sSupPr>
+                                      <m:e>
+                                        <m:r>
+                                          <a:rPr lang="en-US" sz="2600" i="1">
+                                            <a:latin typeface="Cambria Math"/>
+                                          </a:rPr>
+                                          <m:t>𝑗</m:t>
+                                        </m:r>
+                                      </m:e>
+                                      <m:sup>
+                                        <m:r>
+                                          <a:rPr lang="en-US" sz="2600" i="1">
+                                            <a:latin typeface="Cambria Math"/>
+                                          </a:rPr>
+                                          <m:t>′</m:t>
+                                        </m:r>
+                                      </m:sup>
+                                    </m:sSup>
+                                    <m:r>
+                                      <a:rPr lang="en-US" sz="2600" i="1">
+                                        <a:latin typeface="Cambria Math"/>
+                                      </a:rPr>
+                                      <m:t>=0</m:t>
+                                    </m:r>
+                                  </m:sub>
+                                  <m:sup>
+                                    <m:r>
+                                      <a:rPr lang="en-US" sz="2600" i="1">
+                                        <a:latin typeface="Cambria Math"/>
+                                      </a:rPr>
+                                      <m:t>𝑛</m:t>
+                                    </m:r>
+                                  </m:sup>
+                                  <m:e>
+                                    <m:sSub>
+                                      <m:sSubPr>
+                                        <m:ctrlPr>
+                                          <a:rPr lang="ru-RU" sz="2600" i="1">
+                                            <a:latin typeface="Cambria Math"/>
+                                          </a:rPr>
+                                        </m:ctrlPr>
+                                      </m:sSubPr>
+                                      <m:e>
+                                        <m:r>
+                                          <a:rPr lang="en-US" sz="2600" i="1">
+                                            <a:latin typeface="Cambria Math"/>
+                                          </a:rPr>
+                                          <m:t>𝑎</m:t>
+                                        </m:r>
+                                      </m:e>
+                                      <m:sub>
+                                        <m:sSup>
+                                          <m:sSupPr>
+                                            <m:ctrlPr>
+                                              <a:rPr lang="en-US" sz="2600" i="1">
+                                                <a:latin typeface="Cambria Math"/>
+                                              </a:rPr>
+                                            </m:ctrlPr>
+                                          </m:sSupPr>
+                                          <m:e>
+                                            <m:r>
+                                              <a:rPr lang="en-US" sz="2600" i="1">
+                                                <a:latin typeface="Cambria Math"/>
+                                              </a:rPr>
+                                              <m:t>𝑗</m:t>
+                                            </m:r>
+                                          </m:e>
+                                          <m:sup>
+                                            <m:r>
+                                              <a:rPr lang="en-US" sz="2600" i="1">
+                                                <a:latin typeface="Cambria Math"/>
+                                              </a:rPr>
+                                              <m:t>′</m:t>
+                                            </m:r>
+                                          </m:sup>
+                                        </m:sSup>
+                                        <m:r>
+                                          <a:rPr lang="en-US" sz="2600" i="1">
+                                            <a:latin typeface="Cambria Math"/>
+                                          </a:rPr>
+                                          <m:t>𝑚</m:t>
+                                        </m:r>
+                                      </m:sub>
+                                    </m:sSub>
+                                    <m:sSub>
+                                      <m:sSubPr>
+                                        <m:ctrlPr>
+                                          <a:rPr lang="ru-RU" sz="2600" i="1">
+                                            <a:latin typeface="Cambria Math"/>
+                                          </a:rPr>
+                                        </m:ctrlPr>
+                                      </m:sSubPr>
+                                      <m:e>
+                                        <m:r>
+                                          <a:rPr lang="en-US" sz="2600" i="1">
+                                            <a:latin typeface="Cambria Math"/>
+                                          </a:rPr>
+                                          <m:t>𝑥</m:t>
+                                        </m:r>
+                                      </m:e>
+                                      <m:sub>
+                                        <m:sSup>
+                                          <m:sSupPr>
+                                            <m:ctrlPr>
+                                              <a:rPr lang="en-US" sz="2600" i="1">
+                                                <a:latin typeface="Cambria Math"/>
+                                              </a:rPr>
+                                            </m:ctrlPr>
+                                          </m:sSupPr>
+                                          <m:e>
+                                            <m:r>
+                                              <a:rPr lang="en-US" sz="2600" i="1">
+                                                <a:latin typeface="Cambria Math"/>
+                                              </a:rPr>
+                                              <m:t>𝑗</m:t>
+                                            </m:r>
+                                          </m:e>
+                                          <m:sup>
+                                            <m:r>
+                                              <a:rPr lang="en-US" sz="2600" i="1">
+                                                <a:latin typeface="Cambria Math"/>
+                                              </a:rPr>
+                                              <m:t>′</m:t>
+                                            </m:r>
+                                          </m:sup>
+                                        </m:sSup>
+                                      </m:sub>
+                                    </m:sSub>
+                                  </m:e>
+                                </m:nary>
+                              </m:e>
+                            </m:d>
+                          </m:e>
+                        </m:d>
+                      </m:num>
+                      <m:den>
+                        <m:r>
+                          <a:rPr lang="en-US" sz="2600" i="1">
+                            <a:latin typeface="Cambria Math"/>
+                          </a:rPr>
+                          <m:t>𝜕</m:t>
+                        </m:r>
+                        <m:sSub>
+                          <m:sSubPr>
+                            <m:ctrlPr>
+                              <a:rPr lang="en-US" sz="2600" i="1">
+                                <a:latin typeface="Cambria Math"/>
+                              </a:rPr>
+                            </m:ctrlPr>
+                          </m:sSubPr>
+                          <m:e>
+                            <m:r>
+                              <a:rPr lang="en-US" sz="2600" i="1">
+                                <a:latin typeface="Cambria Math"/>
+                              </a:rPr>
+                              <m:t>𝑎</m:t>
+                            </m:r>
+                          </m:e>
+                          <m:sub>
+                            <m:r>
+                              <a:rPr lang="en-US" sz="2600" i="1">
+                                <a:latin typeface="Cambria Math"/>
+                              </a:rPr>
+                              <m:t>𝑗𝑚</m:t>
+                            </m:r>
+                          </m:sub>
+                        </m:sSub>
+                      </m:den>
+                    </m:f>
+                  </m:oMath>
+                </a14:m>
+                <a:endParaRPr lang="en-US" sz="1900" dirty="0" smtClean="0"/>
+              </a:p>
+              <a:p>
+                <a:pPr marL="118872" indent="0">
+                  <a:buNone/>
+                </a:pPr>
+                <a:endParaRPr lang="en-US" sz="1800" dirty="0"/>
+              </a:p>
+              <a:p>
+                <a:pPr marL="118872" indent="0">
+                  <a:buNone/>
+                </a:pPr>
+                <a14:m>
+                  <m:oMathPara xmlns:m="http://schemas.openxmlformats.org/officeDocument/2006/math">
+                    <m:oMathParaPr>
+                      <m:jc m:val="left"/>
+                    </m:oMathParaPr>
+                    <m:oMath xmlns:m="http://schemas.openxmlformats.org/officeDocument/2006/math">
+                      <m:f>
+                        <m:fPr>
+                          <m:ctrlPr>
+                            <a:rPr lang="ru-RU" sz="2400" i="1">
+                              <a:latin typeface="Cambria Math"/>
+                            </a:rPr>
+                          </m:ctrlPr>
+                        </m:fPr>
+                        <m:num>
+                          <m:r>
+                            <a:rPr lang="en-US" sz="2400" i="1">
+                              <a:latin typeface="Cambria Math"/>
+                            </a:rPr>
+                            <m:t>𝜕</m:t>
+                          </m:r>
+                          <m:r>
+                            <a:rPr lang="en-US" sz="2400" i="1">
+                              <a:latin typeface="Cambria Math"/>
+                            </a:rPr>
+                            <m:t>𝐿</m:t>
+                          </m:r>
+                        </m:num>
+                        <m:den>
+                          <m:r>
+                            <a:rPr lang="en-US" sz="2400" i="1">
+                              <a:latin typeface="Cambria Math"/>
+                            </a:rPr>
+                            <m:t>𝜕</m:t>
+                          </m:r>
+                          <m:sSub>
+                            <m:sSubPr>
+                              <m:ctrlPr>
+                                <a:rPr lang="ru-RU" sz="2400" i="1">
+                                  <a:latin typeface="Cambria Math"/>
+                                </a:rPr>
+                              </m:ctrlPr>
+                            </m:sSubPr>
+                            <m:e>
+                              <m:r>
+                                <a:rPr lang="en-US" sz="2400" i="1">
+                                  <a:latin typeface="Cambria Math"/>
+                                </a:rPr>
+                                <m:t>𝑎</m:t>
+                              </m:r>
+                            </m:e>
+                            <m:sub>
+                              <m:r>
+                                <a:rPr lang="en-US" sz="2400" i="1">
+                                  <a:latin typeface="Cambria Math"/>
+                                </a:rPr>
+                                <m:t>𝑗𝑚</m:t>
+                              </m:r>
+                            </m:sub>
+                          </m:sSub>
+                        </m:den>
+                      </m:f>
+                      <m:r>
+                        <a:rPr lang="en-US" sz="2400" b="0" i="1" smtClean="0">
+                          <a:latin typeface="Cambria Math"/>
+                        </a:rPr>
+                        <m:t>=</m:t>
+                      </m:r>
+                      <m:d>
+                        <m:dPr>
+                          <m:ctrlPr>
+                            <a:rPr lang="ru-RU" sz="1600" i="1">
+                              <a:latin typeface="Cambria Math"/>
+                            </a:rPr>
+                          </m:ctrlPr>
+                        </m:dPr>
+                        <m:e>
+                          <m:groupChr>
+                            <m:groupChrPr>
+                              <m:chr m:val="⏞"/>
+                              <m:pos m:val="top"/>
+                              <m:vertJc m:val="bot"/>
+                              <m:ctrlPr>
+                                <a:rPr lang="ru-RU" sz="1600" i="1">
+                                  <a:latin typeface="Cambria Math"/>
+                                </a:rPr>
+                              </m:ctrlPr>
+                            </m:groupChrPr>
+                            <m:e>
+                              <m:r>
+                                <a:rPr lang="en-US" sz="1600" i="1">
+                                  <a:latin typeface="Cambria Math"/>
+                                </a:rPr>
+                                <m:t>𝐹</m:t>
+                              </m:r>
+                            </m:e>
+                          </m:groupChr>
+                          <m:d>
+                            <m:dPr>
+                              <m:ctrlPr>
+                                <a:rPr lang="ru-RU" sz="1600" i="1">
+                                  <a:latin typeface="Cambria Math"/>
+                                </a:rPr>
+                              </m:ctrlPr>
+                            </m:dPr>
+                            <m:e>
+                              <m:sSub>
+                                <m:sSubPr>
+                                  <m:ctrlPr>
+                                    <a:rPr lang="ru-RU" sz="1600" i="1">
+                                      <a:latin typeface="Cambria Math"/>
+                                    </a:rPr>
+                                  </m:ctrlPr>
+                                </m:sSubPr>
+                                <m:e>
+                                  <m:r>
+                                    <a:rPr lang="en-US" sz="1600" i="1">
+                                      <a:latin typeface="Cambria Math"/>
+                                    </a:rPr>
+                                    <m:t>𝑥</m:t>
+                                  </m:r>
+                                </m:e>
+                                <m:sub>
+                                  <m:r>
+                                    <a:rPr lang="en-US" sz="1600" i="1">
+                                      <a:latin typeface="Cambria Math"/>
+                                    </a:rPr>
+                                    <m:t>𝑖</m:t>
+                                  </m:r>
+                                </m:sub>
+                              </m:sSub>
+                            </m:e>
+                          </m:d>
+                          <m:r>
+                            <a:rPr lang="en-US" sz="1600" i="1">
+                              <a:latin typeface="Cambria Math"/>
+                            </a:rPr>
+                            <m:t>−</m:t>
+                          </m:r>
+                          <m:sSub>
+                            <m:sSubPr>
+                              <m:ctrlPr>
+                                <a:rPr lang="ru-RU" sz="1600" i="1">
+                                  <a:latin typeface="Cambria Math"/>
+                                </a:rPr>
+                              </m:ctrlPr>
+                            </m:sSubPr>
+                            <m:e>
+                              <m:r>
+                                <a:rPr lang="en-US" sz="1600" i="1">
+                                  <a:latin typeface="Cambria Math"/>
+                                </a:rPr>
+                                <m:t>𝑦</m:t>
+                              </m:r>
+                            </m:e>
+                            <m:sub>
+                              <m:r>
+                                <a:rPr lang="en-US" sz="1600" i="1">
+                                  <a:latin typeface="Cambria Math"/>
+                                </a:rPr>
+                                <m:t>𝑖</m:t>
+                              </m:r>
+                            </m:sub>
+                          </m:sSub>
+                        </m:e>
+                      </m:d>
+                      <m:sSub>
+                        <m:sSubPr>
+                          <m:ctrlPr>
+                            <a:rPr lang="ru-RU" sz="1600" i="1">
+                              <a:latin typeface="Cambria Math"/>
+                            </a:rPr>
+                          </m:ctrlPr>
+                        </m:sSubPr>
+                        <m:e>
+                          <m:r>
+                            <a:rPr lang="en-US" sz="1600" i="1">
+                              <a:latin typeface="Cambria Math"/>
+                            </a:rPr>
+                            <m:t>𝑏</m:t>
+                          </m:r>
+                        </m:e>
+                        <m:sub>
+                          <m:r>
+                            <a:rPr lang="en-US" sz="1600" i="1">
+                              <a:latin typeface="Cambria Math"/>
+                            </a:rPr>
+                            <m:t>𝑚</m:t>
+                          </m:r>
+                        </m:sub>
+                      </m:sSub>
+                      <m:r>
+                        <a:rPr lang="en-US" sz="1600" i="1">
+                          <a:latin typeface="Cambria Math"/>
+                        </a:rPr>
+                        <m:t>∙</m:t>
+                      </m:r>
+                      <m:r>
+                        <a:rPr lang="en-US" sz="1600" i="1">
+                          <a:latin typeface="Cambria Math"/>
+                        </a:rPr>
+                        <m:t>𝑆</m:t>
+                      </m:r>
+                      <m:d>
+                        <m:dPr>
+                          <m:ctrlPr>
+                            <a:rPr lang="ru-RU" sz="1600" i="1">
+                              <a:latin typeface="Cambria Math"/>
+                            </a:rPr>
+                          </m:ctrlPr>
+                        </m:dPr>
+                        <m:e>
+                          <m:nary>
+                            <m:naryPr>
+                              <m:chr m:val="∑"/>
+                              <m:limLoc m:val="undOvr"/>
+                              <m:ctrlPr>
+                                <a:rPr lang="ru-RU" sz="1600" i="1">
+                                  <a:latin typeface="Cambria Math"/>
+                                </a:rPr>
+                              </m:ctrlPr>
+                            </m:naryPr>
+                            <m:sub>
+                              <m:r>
+                                <a:rPr lang="en-US" sz="1600" i="1">
+                                  <a:latin typeface="Cambria Math"/>
+                                </a:rPr>
+                                <m:t>𝑗</m:t>
+                              </m:r>
+                              <m:r>
+                                <a:rPr lang="en-US" sz="1600" b="0" i="1" smtClean="0">
+                                  <a:latin typeface="Cambria Math"/>
+                                </a:rPr>
+                                <m:t>′</m:t>
+                              </m:r>
+                              <m:r>
+                                <a:rPr lang="en-US" sz="1600" i="1">
+                                  <a:latin typeface="Cambria Math"/>
+                                </a:rPr>
+                                <m:t>=0</m:t>
+                              </m:r>
+                            </m:sub>
+                            <m:sup>
+                              <m:r>
+                                <a:rPr lang="en-US" sz="1600" i="1">
+                                  <a:latin typeface="Cambria Math"/>
+                                </a:rPr>
+                                <m:t>𝑛</m:t>
+                              </m:r>
+                            </m:sup>
+                            <m:e>
+                              <m:sSub>
+                                <m:sSubPr>
+                                  <m:ctrlPr>
+                                    <a:rPr lang="ru-RU" sz="1600" i="1">
+                                      <a:latin typeface="Cambria Math"/>
+                                    </a:rPr>
+                                  </m:ctrlPr>
+                                </m:sSubPr>
+                                <m:e>
+                                  <m:r>
+                                    <a:rPr lang="en-US" sz="1600" i="1">
+                                      <a:latin typeface="Cambria Math"/>
+                                    </a:rPr>
+                                    <m:t>𝑎</m:t>
+                                  </m:r>
+                                </m:e>
+                                <m:sub>
+                                  <m:r>
+                                    <a:rPr lang="en-US" sz="1600" i="1">
+                                      <a:latin typeface="Cambria Math"/>
+                                    </a:rPr>
+                                    <m:t>𝑗</m:t>
+                                  </m:r>
+                                  <m:r>
+                                    <a:rPr lang="en-US" sz="1600" b="0" i="1" smtClean="0">
+                                      <a:latin typeface="Cambria Math"/>
+                                    </a:rPr>
+                                    <m:t>′</m:t>
+                                  </m:r>
+                                  <m:r>
+                                    <a:rPr lang="en-US" sz="1600" i="1">
+                                      <a:latin typeface="Cambria Math"/>
+                                    </a:rPr>
+                                    <m:t>𝑚</m:t>
+                                  </m:r>
+                                </m:sub>
+                              </m:sSub>
+                              <m:sSub>
+                                <m:sSubPr>
+                                  <m:ctrlPr>
+                                    <a:rPr lang="ru-RU" sz="1600" i="1">
+                                      <a:latin typeface="Cambria Math"/>
+                                    </a:rPr>
+                                  </m:ctrlPr>
+                                </m:sSubPr>
+                                <m:e>
+                                  <m:r>
+                                    <a:rPr lang="en-US" sz="1600" i="1">
+                                      <a:latin typeface="Cambria Math"/>
+                                    </a:rPr>
+                                    <m:t>𝑥</m:t>
+                                  </m:r>
+                                </m:e>
+                                <m:sub>
+                                  <m:r>
+                                    <a:rPr lang="en-US" sz="1600" i="1">
+                                      <a:latin typeface="Cambria Math"/>
+                                    </a:rPr>
+                                    <m:t>𝑗</m:t>
+                                  </m:r>
+                                  <m:r>
+                                    <a:rPr lang="en-US" sz="1600" b="0" i="1" smtClean="0">
+                                      <a:latin typeface="Cambria Math"/>
+                                    </a:rPr>
+                                    <m:t>′</m:t>
+                                  </m:r>
+                                </m:sub>
+                              </m:sSub>
+                            </m:e>
+                          </m:nary>
+                        </m:e>
+                      </m:d>
+                      <m:d>
+                        <m:dPr>
+                          <m:ctrlPr>
+                            <a:rPr lang="ru-RU" sz="1600" i="1">
+                              <a:latin typeface="Cambria Math"/>
+                            </a:rPr>
+                          </m:ctrlPr>
+                        </m:dPr>
+                        <m:e>
+                          <m:r>
+                            <a:rPr lang="en-US" sz="1600" i="1">
+                              <a:latin typeface="Cambria Math"/>
+                            </a:rPr>
+                            <m:t>1−</m:t>
+                          </m:r>
+                          <m:r>
+                            <a:rPr lang="en-US" sz="1600" i="1">
+                              <a:latin typeface="Cambria Math"/>
+                            </a:rPr>
+                            <m:t>𝑆</m:t>
+                          </m:r>
+                          <m:d>
+                            <m:dPr>
+                              <m:ctrlPr>
+                                <a:rPr lang="ru-RU" sz="1600" i="1">
+                                  <a:latin typeface="Cambria Math"/>
+                                </a:rPr>
+                              </m:ctrlPr>
+                            </m:dPr>
+                            <m:e>
+                              <m:nary>
+                                <m:naryPr>
+                                  <m:chr m:val="∑"/>
+                                  <m:limLoc m:val="undOvr"/>
+                                  <m:ctrlPr>
+                                    <a:rPr lang="ru-RU" sz="1600" i="1">
+                                      <a:latin typeface="Cambria Math"/>
+                                    </a:rPr>
+                                  </m:ctrlPr>
+                                </m:naryPr>
+                                <m:sub>
+                                  <m:r>
+                                    <a:rPr lang="en-US" sz="1600" i="1">
+                                      <a:latin typeface="Cambria Math"/>
+                                    </a:rPr>
+                                    <m:t>𝑗</m:t>
+                                  </m:r>
+                                  <m:r>
+                                    <a:rPr lang="en-US" sz="1600" b="0" i="1" smtClean="0">
+                                      <a:latin typeface="Cambria Math"/>
+                                    </a:rPr>
+                                    <m:t>′</m:t>
+                                  </m:r>
+                                  <m:r>
+                                    <a:rPr lang="en-US" sz="1600" i="1">
+                                      <a:latin typeface="Cambria Math"/>
+                                    </a:rPr>
+                                    <m:t>=0</m:t>
+                                  </m:r>
+                                </m:sub>
+                                <m:sup>
+                                  <m:r>
+                                    <a:rPr lang="en-US" sz="1600" i="1">
+                                      <a:latin typeface="Cambria Math"/>
+                                    </a:rPr>
+                                    <m:t>𝑛</m:t>
+                                  </m:r>
+                                </m:sup>
+                                <m:e>
+                                  <m:sSub>
+                                    <m:sSubPr>
+                                      <m:ctrlPr>
+                                        <a:rPr lang="ru-RU" sz="1600" i="1">
+                                          <a:latin typeface="Cambria Math"/>
+                                        </a:rPr>
+                                      </m:ctrlPr>
+                                    </m:sSubPr>
+                                    <m:e>
+                                      <m:r>
+                                        <a:rPr lang="en-US" sz="1600" i="1">
+                                          <a:latin typeface="Cambria Math"/>
+                                        </a:rPr>
+                                        <m:t>𝑎</m:t>
+                                      </m:r>
+                                    </m:e>
+                                    <m:sub>
+                                      <m:r>
+                                        <a:rPr lang="en-US" sz="1600" i="1">
+                                          <a:latin typeface="Cambria Math"/>
+                                        </a:rPr>
+                                        <m:t>𝑗</m:t>
+                                      </m:r>
+                                      <m:r>
+                                        <a:rPr lang="en-US" sz="1600" b="0" i="1" smtClean="0">
+                                          <a:latin typeface="Cambria Math"/>
+                                        </a:rPr>
+                                        <m:t>′</m:t>
+                                      </m:r>
+                                      <m:r>
+                                        <a:rPr lang="en-US" sz="1600" i="1">
+                                          <a:latin typeface="Cambria Math"/>
+                                        </a:rPr>
+                                        <m:t>𝑚</m:t>
+                                      </m:r>
+                                    </m:sub>
+                                  </m:sSub>
+                                  <m:sSub>
+                                    <m:sSubPr>
+                                      <m:ctrlPr>
+                                        <a:rPr lang="ru-RU" sz="1600" i="1">
+                                          <a:latin typeface="Cambria Math"/>
+                                        </a:rPr>
+                                      </m:ctrlPr>
+                                    </m:sSubPr>
+                                    <m:e>
+                                      <m:r>
+                                        <a:rPr lang="en-US" sz="1600" i="1">
+                                          <a:latin typeface="Cambria Math"/>
+                                        </a:rPr>
+                                        <m:t>𝑥</m:t>
+                                      </m:r>
+                                    </m:e>
+                                    <m:sub>
+                                      <m:r>
+                                        <a:rPr lang="en-US" sz="1600" i="1">
+                                          <a:latin typeface="Cambria Math"/>
+                                        </a:rPr>
+                                        <m:t>𝑗</m:t>
+                                      </m:r>
+                                      <m:r>
+                                        <a:rPr lang="en-US" sz="1600" b="0" i="1" smtClean="0">
+                                          <a:latin typeface="Cambria Math"/>
+                                        </a:rPr>
+                                        <m:t>′</m:t>
+                                      </m:r>
+                                    </m:sub>
+                                  </m:sSub>
+                                </m:e>
+                              </m:nary>
+                            </m:e>
+                          </m:d>
+                        </m:e>
+                      </m:d>
+                      <m:r>
+                        <a:rPr lang="en-US" sz="1600" i="1">
+                          <a:latin typeface="Cambria Math"/>
+                        </a:rPr>
+                        <m:t>∙</m:t>
+                      </m:r>
+                      <m:sSub>
+                        <m:sSubPr>
+                          <m:ctrlPr>
+                            <a:rPr lang="ru-RU" sz="1600" i="1">
+                              <a:latin typeface="Cambria Math"/>
+                            </a:rPr>
+                          </m:ctrlPr>
+                        </m:sSubPr>
+                        <m:e>
+                          <m:r>
+                            <a:rPr lang="en-US" sz="1600" i="1">
+                              <a:latin typeface="Cambria Math"/>
+                            </a:rPr>
+                            <m:t>𝑥</m:t>
+                          </m:r>
+                        </m:e>
+                        <m:sub>
+                          <m:r>
+                            <a:rPr lang="en-US" sz="1600" i="1">
+                              <a:latin typeface="Cambria Math"/>
+                            </a:rPr>
+                            <m:t>𝑗</m:t>
+                          </m:r>
+                        </m:sub>
+                      </m:sSub>
+                    </m:oMath>
+                  </m:oMathPara>
+                </a14:m>
+                <a:endParaRPr lang="en-US" dirty="0" smtClean="0"/>
+              </a:p>
+              <a:p>
+                <a:pPr marL="118872" indent="0">
+                  <a:buNone/>
+                </a:pPr>
+                <a:endParaRPr lang="en-US" dirty="0"/>
+              </a:p>
+              <a:p>
+                <a:pPr marL="118872" indent="0">
+                  <a:buNone/>
+                </a:pPr>
+                <a:endParaRPr lang="ru-RU" dirty="0"/>
+              </a:p>
+            </p:txBody>
+          </p:sp>
+        </mc:Choice>
+        <mc:Fallback>
+          <p:sp>
+            <p:nvSpPr>
+              <p:cNvPr id="3" name="Объект 2"/>
+              <p:cNvSpPr>
+                <a:spLocks noGrp="1" noRot="1" noChangeAspect="1" noMove="1" noResize="1" noEditPoints="1" noAdjustHandles="1" noChangeArrowheads="1" noChangeShapeType="1" noTextEdit="1"/>
+              </p:cNvSpPr>
+              <p:nvPr>
+                <p:ph idx="1"/>
+              </p:nvPr>
+            </p:nvSpPr>
+            <p:spPr>
+              <a:blipFill rotWithShape="1">
+                <a:blip r:embed="rId2"/>
+                <a:stretch>
+                  <a:fillRect t="-791" b="-7115"/>
+                </a:stretch>
+              </a:blipFill>
+            </p:spPr>
+            <p:txBody>
+              <a:bodyPr/>
+              <a:lstStyle/>
+              <a:p>
+                <a:r>
+                  <a:rPr lang="ru-RU">
+                    <a:noFill/>
+                  </a:rPr>
+                  <a:t> </a:t>
+                </a:r>
+              </a:p>
+            </p:txBody>
+          </p:sp>
+        </mc:Fallback>
+      </mc:AlternateContent>
+      <p:sp>
+        <p:nvSpPr>
+          <p:cNvPr id="4" name="Номер слайда 3"/>
+          <p:cNvSpPr>
+            <a:spLocks noGrp="1"/>
+          </p:cNvSpPr>
+          <p:nvPr>
+            <p:ph type="sldNum" sz="quarter" idx="12"/>
+          </p:nvPr>
+        </p:nvSpPr>
+        <p:spPr/>
+        <p:txBody>
+          <a:bodyPr/>
+          <a:lstStyle/>
+          <a:p>
+            <a:fld id="{C453EA42-BA89-4D45-B3D1-7EC11C308921}" type="slidenum">
+              <a:rPr lang="ru-RU" smtClean="0"/>
+              <a:t>8</a:t>
+            </a:fld>
+            <a:endParaRPr lang="ru-RU"/>
+          </a:p>
+        </p:txBody>
+      </p:sp>
+    </p:spTree>
+    <p:extLst>
+      <p:ext uri="{BB962C8B-B14F-4D97-AF65-F5344CB8AC3E}">
+        <p14:creationId xmlns:p14="http://schemas.microsoft.com/office/powerpoint/2010/main" val="2111064690"/>
+      </p:ext>
+    </p:extLst>
+  </p:cSld>
+  <p:clrMapOvr>
+    <a:masterClrMapping/>
+  </p:clrMapOvr>
+</p:sld>
+</file>
+
+<file path=ppt/slides/slide9.xml><?xml version="1.0" encoding="utf-8"?>
+<p:sld xmlns:a="http://schemas.openxmlformats.org/drawingml/2006/main" xmlns:r="http://schemas.openxmlformats.org/officeDocument/2006/relationships" xmlns:p="http://schemas.openxmlformats.org/presentationml/2006/main">
+  <p:cSld>
+    <p:spTree>
+      <p:nvGrpSpPr>
+        <p:cNvPr id="1" name=""/>
+        <p:cNvGrpSpPr/>
+        <p:nvPr/>
+      </p:nvGrpSpPr>
+      <p:grpSpPr>
+        <a:xfrm>
+          <a:off x="0" y="0"/>
+          <a:ext cx="0" cy="0"/>
+          <a:chOff x="0" y="0"/>
+          <a:chExt cx="0" cy="0"/>
+        </a:xfrm>
+      </p:grpSpPr>
+      <p:sp>
+        <p:nvSpPr>
+          <p:cNvPr id="2" name="Заголовок 1"/>
+          <p:cNvSpPr>
+            <a:spLocks noGrp="1"/>
+          </p:cNvSpPr>
+          <p:nvPr>
+            <p:ph type="title"/>
+          </p:nvPr>
+        </p:nvSpPr>
+        <p:spPr/>
+        <p:txBody>
           <a:bodyPr/>
           <a:lstStyle/>
           <a:p>
@@ -7757,7 +10925,7 @@
           <a:p>
             <a:fld id="{C453EA42-BA89-4D45-B3D1-7EC11C308921}" type="slidenum">
               <a:rPr lang="ru-RU" smtClean="0"/>
-              <a:t>8</a:t>
+              <a:t>9</a:t>
             </a:fld>
             <a:endParaRPr lang="ru-RU"/>
           </a:p>
